--- a/DDD.pptx
+++ b/DDD.pptx
@@ -7,11 +7,10 @@
   <p:sldIdLst>
     <p:sldId id="256" r:id="rId2"/>
     <p:sldId id="257" r:id="rId3"/>
-    <p:sldId id="258" r:id="rId4"/>
-    <p:sldId id="259" r:id="rId5"/>
-    <p:sldId id="261" r:id="rId6"/>
-    <p:sldId id="262" r:id="rId7"/>
-    <p:sldId id="263" r:id="rId8"/>
+    <p:sldId id="264" r:id="rId4"/>
+    <p:sldId id="261" r:id="rId5"/>
+    <p:sldId id="262" r:id="rId6"/>
+    <p:sldId id="263" r:id="rId7"/>
   </p:sldIdLst>
   <p:sldSz cx="12192000" cy="6858000"/>
   <p:notesSz cx="6858000" cy="9144000"/>
@@ -110,13 +109,18 @@
       </a:defRPr>
     </a:lvl9pPr>
   </p:defaultTextStyle>
+  <p:extLst>
+    <p:ext uri="{EFAFB233-063F-42B5-8137-9DF3F51BA10A}">
+      <p15:sldGuideLst xmlns:p15="http://schemas.microsoft.com/office/powerpoint/2012/main"/>
+    </p:ext>
+  </p:extLst>
 </p:presentation>
 </file>
 
 <file path=ppt/revisionInfo.xml><?xml version="1.0" encoding="utf-8"?>
 <p1510:revInfo xmlns:a="http://schemas.openxmlformats.org/drawingml/2006/main" xmlns:r="http://schemas.openxmlformats.org/officeDocument/2006/relationships" xmlns:p1510="http://schemas.microsoft.com/office/powerpoint/2015/10/main">
   <p1510:revLst>
-    <p1510:client id="{6ACC13E4-8703-4B4B-AA24-C1B917D959DA}" v="23" dt="2021-05-05T19:08:17.138"/>
+    <p1510:client id="{6ACC13E4-8703-4B4B-AA24-C1B917D959DA}" v="33" dt="2021-05-06T00:41:38.202"/>
   </p1510:revLst>
 </p1510:revInfo>
 </file>
@@ -125,19 +129,19 @@
 <pc:chgInfo xmlns:a="http://schemas.openxmlformats.org/drawingml/2006/main" xmlns:r="http://schemas.openxmlformats.org/officeDocument/2006/relationships" xmlns:ac="http://schemas.microsoft.com/office/drawing/2013/main/command" xmlns:pc="http://schemas.microsoft.com/office/powerpoint/2013/main/command">
   <pc:docChgLst>
     <pc:chgData name="Thien Truong" userId="3ee5793a3bd81d5d" providerId="LiveId" clId="{6ACC13E4-8703-4B4B-AA24-C1B917D959DA}"/>
-    <pc:docChg chg="undo redo custSel addSld delSld modSld">
-      <pc:chgData name="Thien Truong" userId="3ee5793a3bd81d5d" providerId="LiveId" clId="{6ACC13E4-8703-4B4B-AA24-C1B917D959DA}" dt="2021-05-05T19:09:13.429" v="669" actId="20577"/>
+    <pc:docChg chg="undo redo custSel addSld delSld modSld sldOrd">
+      <pc:chgData name="Thien Truong" userId="3ee5793a3bd81d5d" providerId="LiveId" clId="{6ACC13E4-8703-4B4B-AA24-C1B917D959DA}" dt="2021-05-06T00:54:36.069" v="2051" actId="5793"/>
       <pc:docMkLst>
         <pc:docMk/>
       </pc:docMkLst>
-      <pc:sldChg chg="modSp new mod">
-        <pc:chgData name="Thien Truong" userId="3ee5793a3bd81d5d" providerId="LiveId" clId="{6ACC13E4-8703-4B4B-AA24-C1B917D959DA}" dt="2021-05-05T17:19:31.291" v="82" actId="20577"/>
+      <pc:sldChg chg="addSp modSp new mod setBg addAnim modAnim">
+        <pc:chgData name="Thien Truong" userId="3ee5793a3bd81d5d" providerId="LiveId" clId="{6ACC13E4-8703-4B4B-AA24-C1B917D959DA}" dt="2021-05-06T00:13:41.367" v="701"/>
         <pc:sldMkLst>
           <pc:docMk/>
           <pc:sldMk cId="2192029461" sldId="256"/>
         </pc:sldMkLst>
         <pc:spChg chg="mod">
-          <ac:chgData name="Thien Truong" userId="3ee5793a3bd81d5d" providerId="LiveId" clId="{6ACC13E4-8703-4B4B-AA24-C1B917D959DA}" dt="2021-05-05T17:10:08.815" v="24" actId="20577"/>
+          <ac:chgData name="Thien Truong" userId="3ee5793a3bd81d5d" providerId="LiveId" clId="{6ACC13E4-8703-4B4B-AA24-C1B917D959DA}" dt="2021-05-06T00:13:16.025" v="697" actId="26606"/>
           <ac:spMkLst>
             <pc:docMk/>
             <pc:sldMk cId="2192029461" sldId="256"/>
@@ -145,22 +149,54 @@
           </ac:spMkLst>
         </pc:spChg>
         <pc:spChg chg="mod">
-          <ac:chgData name="Thien Truong" userId="3ee5793a3bd81d5d" providerId="LiveId" clId="{6ACC13E4-8703-4B4B-AA24-C1B917D959DA}" dt="2021-05-05T17:19:31.291" v="82" actId="20577"/>
+          <ac:chgData name="Thien Truong" userId="3ee5793a3bd81d5d" providerId="LiveId" clId="{6ACC13E4-8703-4B4B-AA24-C1B917D959DA}" dt="2021-05-06T00:13:16.025" v="697" actId="26606"/>
           <ac:spMkLst>
             <pc:docMk/>
             <pc:sldMk cId="2192029461" sldId="256"/>
             <ac:spMk id="3" creationId="{08E1F140-FB83-4269-B07E-9D52F43B1B91}"/>
           </ac:spMkLst>
         </pc:spChg>
+        <pc:spChg chg="add">
+          <ac:chgData name="Thien Truong" userId="3ee5793a3bd81d5d" providerId="LiveId" clId="{6ACC13E4-8703-4B4B-AA24-C1B917D959DA}" dt="2021-05-06T00:13:16.025" v="697" actId="26606"/>
+          <ac:spMkLst>
+            <pc:docMk/>
+            <pc:sldMk cId="2192029461" sldId="256"/>
+            <ac:spMk id="9" creationId="{74426AB7-D619-4515-962A-BC83909EC015}"/>
+          </ac:spMkLst>
+        </pc:spChg>
+        <pc:spChg chg="add">
+          <ac:chgData name="Thien Truong" userId="3ee5793a3bd81d5d" providerId="LiveId" clId="{6ACC13E4-8703-4B4B-AA24-C1B917D959DA}" dt="2021-05-06T00:13:16.025" v="697" actId="26606"/>
+          <ac:spMkLst>
+            <pc:docMk/>
+            <pc:sldMk cId="2192029461" sldId="256"/>
+            <ac:spMk id="11" creationId="{DE47DF98-723F-4AAC-ABCF-CACBC438F78F}"/>
+          </ac:spMkLst>
+        </pc:spChg>
+        <pc:picChg chg="add mod">
+          <ac:chgData name="Thien Truong" userId="3ee5793a3bd81d5d" providerId="LiveId" clId="{6ACC13E4-8703-4B4B-AA24-C1B917D959DA}" dt="2021-05-06T00:13:16.025" v="697" actId="26606"/>
+          <ac:picMkLst>
+            <pc:docMk/>
+            <pc:sldMk cId="2192029461" sldId="256"/>
+            <ac:picMk id="4" creationId="{3231B79D-06AD-488C-94E4-0090B40BBE8A}"/>
+          </ac:picMkLst>
+        </pc:picChg>
+        <pc:cxnChg chg="add">
+          <ac:chgData name="Thien Truong" userId="3ee5793a3bd81d5d" providerId="LiveId" clId="{6ACC13E4-8703-4B4B-AA24-C1B917D959DA}" dt="2021-05-06T00:13:16.025" v="697" actId="26606"/>
+          <ac:cxnSpMkLst>
+            <pc:docMk/>
+            <pc:sldMk cId="2192029461" sldId="256"/>
+            <ac:cxnSpMk id="13" creationId="{EA29FC7C-9308-4FDE-8DCA-405668055B0F}"/>
+          </ac:cxnSpMkLst>
+        </pc:cxnChg>
       </pc:sldChg>
-      <pc:sldChg chg="delSp modSp new mod">
-        <pc:chgData name="Thien Truong" userId="3ee5793a3bd81d5d" providerId="LiveId" clId="{6ACC13E4-8703-4B4B-AA24-C1B917D959DA}" dt="2021-05-05T17:23:36.009" v="172" actId="20577"/>
+      <pc:sldChg chg="addSp delSp modSp new mod setBg modClrScheme delDesignElem chgLayout">
+        <pc:chgData name="Thien Truong" userId="3ee5793a3bd81d5d" providerId="LiveId" clId="{6ACC13E4-8703-4B4B-AA24-C1B917D959DA}" dt="2021-05-06T00:39:12.113" v="1464" actId="20577"/>
         <pc:sldMkLst>
           <pc:docMk/>
           <pc:sldMk cId="3343177660" sldId="257"/>
         </pc:sldMkLst>
-        <pc:spChg chg="mod">
-          <ac:chgData name="Thien Truong" userId="3ee5793a3bd81d5d" providerId="LiveId" clId="{6ACC13E4-8703-4B4B-AA24-C1B917D959DA}" dt="2021-05-05T17:23:36.009" v="172" actId="20577"/>
+        <pc:spChg chg="mod ord">
+          <ac:chgData name="Thien Truong" userId="3ee5793a3bd81d5d" providerId="LiveId" clId="{6ACC13E4-8703-4B4B-AA24-C1B917D959DA}" dt="2021-05-06T00:33:38.252" v="1304" actId="26606"/>
           <ac:spMkLst>
             <pc:docMk/>
             <pc:sldMk cId="3343177660" sldId="257"/>
@@ -175,9 +211,185 @@
             <ac:spMk id="3" creationId="{373EFF92-A874-4C52-A555-B82A773AD2E3}"/>
           </ac:spMkLst>
         </pc:spChg>
+        <pc:spChg chg="add del mod ord">
+          <ac:chgData name="Thien Truong" userId="3ee5793a3bd81d5d" providerId="LiveId" clId="{6ACC13E4-8703-4B4B-AA24-C1B917D959DA}" dt="2021-05-06T00:09:59.219" v="685" actId="700"/>
+          <ac:spMkLst>
+            <pc:docMk/>
+            <pc:sldMk cId="3343177660" sldId="257"/>
+            <ac:spMk id="3" creationId="{4AE6252B-2D21-461B-9FE9-FDE101A7EE47}"/>
+          </ac:spMkLst>
+        </pc:spChg>
+        <pc:spChg chg="add del mod ord">
+          <ac:chgData name="Thien Truong" userId="3ee5793a3bd81d5d" providerId="LiveId" clId="{6ACC13E4-8703-4B4B-AA24-C1B917D959DA}" dt="2021-05-06T00:10:27.334" v="690" actId="26606"/>
+          <ac:spMkLst>
+            <pc:docMk/>
+            <pc:sldMk cId="3343177660" sldId="257"/>
+            <ac:spMk id="4" creationId="{971CC46C-83BB-4B6A-A0DE-3247F780F715}"/>
+          </ac:spMkLst>
+        </pc:spChg>
+        <pc:spChg chg="add del mod">
+          <ac:chgData name="Thien Truong" userId="3ee5793a3bd81d5d" providerId="LiveId" clId="{6ACC13E4-8703-4B4B-AA24-C1B917D959DA}" dt="2021-05-06T00:10:33" v="691" actId="6264"/>
+          <ac:spMkLst>
+            <pc:docMk/>
+            <pc:sldMk cId="3343177660" sldId="257"/>
+            <ac:spMk id="5" creationId="{F4F7B388-74BC-4E2E-AFD8-7FFD9D3C452F}"/>
+          </ac:spMkLst>
+        </pc:spChg>
+        <pc:spChg chg="add del mod ord">
+          <ac:chgData name="Thien Truong" userId="3ee5793a3bd81d5d" providerId="LiveId" clId="{6ACC13E4-8703-4B4B-AA24-C1B917D959DA}" dt="2021-05-06T00:12:27.544" v="692"/>
+          <ac:spMkLst>
+            <pc:docMk/>
+            <pc:sldMk cId="3343177660" sldId="257"/>
+            <ac:spMk id="6" creationId="{4DB8EADB-C3B0-4E59-BD5D-51A2AB015EF6}"/>
+          </ac:spMkLst>
+        </pc:spChg>
+        <pc:spChg chg="add del mod">
+          <ac:chgData name="Thien Truong" userId="3ee5793a3bd81d5d" providerId="LiveId" clId="{6ACC13E4-8703-4B4B-AA24-C1B917D959DA}" dt="2021-05-06T00:39:12.113" v="1464" actId="20577"/>
+          <ac:spMkLst>
+            <pc:docMk/>
+            <pc:sldMk cId="3343177660" sldId="257"/>
+            <ac:spMk id="7" creationId="{F64E7958-146C-4CD8-9373-0D623479BC68}"/>
+          </ac:spMkLst>
+        </pc:spChg>
+        <pc:spChg chg="add del">
+          <ac:chgData name="Thien Truong" userId="3ee5793a3bd81d5d" providerId="LiveId" clId="{6ACC13E4-8703-4B4B-AA24-C1B917D959DA}" dt="2021-05-06T00:15:10.419" v="703" actId="478"/>
+          <ac:spMkLst>
+            <pc:docMk/>
+            <pc:sldMk cId="3343177660" sldId="257"/>
+            <ac:spMk id="8" creationId="{8B8A58CD-8049-4B6D-8B70-A3B8A9B02A7C}"/>
+          </ac:spMkLst>
+        </pc:spChg>
+        <pc:spChg chg="add del">
+          <ac:chgData name="Thien Truong" userId="3ee5793a3bd81d5d" providerId="LiveId" clId="{6ACC13E4-8703-4B4B-AA24-C1B917D959DA}" dt="2021-05-06T00:10:17.021" v="687" actId="26606"/>
+          <ac:spMkLst>
+            <pc:docMk/>
+            <pc:sldMk cId="3343177660" sldId="257"/>
+            <ac:spMk id="9" creationId="{827B839B-9ADE-406B-8590-F1CAEDED45A1}"/>
+          </ac:spMkLst>
+        </pc:spChg>
+        <pc:spChg chg="add del">
+          <ac:chgData name="Thien Truong" userId="3ee5793a3bd81d5d" providerId="LiveId" clId="{6ACC13E4-8703-4B4B-AA24-C1B917D959DA}" dt="2021-05-06T00:33:38.252" v="1304" actId="26606"/>
+          <ac:spMkLst>
+            <pc:docMk/>
+            <pc:sldMk cId="3343177660" sldId="257"/>
+            <ac:spMk id="10" creationId="{4038CB10-1F5C-4D54-9DF7-12586DE5B007}"/>
+          </ac:spMkLst>
+        </pc:spChg>
+        <pc:spChg chg="add del">
+          <ac:chgData name="Thien Truong" userId="3ee5793a3bd81d5d" providerId="LiveId" clId="{6ACC13E4-8703-4B4B-AA24-C1B917D959DA}" dt="2021-05-06T00:10:17.021" v="687" actId="26606"/>
+          <ac:spMkLst>
+            <pc:docMk/>
+            <pc:sldMk cId="3343177660" sldId="257"/>
+            <ac:spMk id="11" creationId="{CFE45BF0-46DB-408C-B5F7-7B11716805D4}"/>
+          </ac:spMkLst>
+        </pc:spChg>
+        <pc:spChg chg="add del">
+          <ac:chgData name="Thien Truong" userId="3ee5793a3bd81d5d" providerId="LiveId" clId="{6ACC13E4-8703-4B4B-AA24-C1B917D959DA}" dt="2021-05-06T00:33:38.252" v="1304" actId="26606"/>
+          <ac:spMkLst>
+            <pc:docMk/>
+            <pc:sldMk cId="3343177660" sldId="257"/>
+            <ac:spMk id="12" creationId="{73ED6512-6858-4552-B699-9A97FE9A4EA2}"/>
+          </ac:spMkLst>
+        </pc:spChg>
+        <pc:spChg chg="add del">
+          <ac:chgData name="Thien Truong" userId="3ee5793a3bd81d5d" providerId="LiveId" clId="{6ACC13E4-8703-4B4B-AA24-C1B917D959DA}" dt="2021-05-06T00:10:17.021" v="687" actId="26606"/>
+          <ac:spMkLst>
+            <pc:docMk/>
+            <pc:sldMk cId="3343177660" sldId="257"/>
+            <ac:spMk id="13" creationId="{2AEBC8F2-97B1-41B4-93F1-2D289E197FBA}"/>
+          </ac:spMkLst>
+        </pc:spChg>
+        <pc:spChg chg="add del">
+          <ac:chgData name="Thien Truong" userId="3ee5793a3bd81d5d" providerId="LiveId" clId="{6ACC13E4-8703-4B4B-AA24-C1B917D959DA}" dt="2021-05-06T00:10:17.021" v="687" actId="26606"/>
+          <ac:spMkLst>
+            <pc:docMk/>
+            <pc:sldMk cId="3343177660" sldId="257"/>
+            <ac:spMk id="15" creationId="{472E3A19-F5D5-48FC-BB9C-48C2F68F598B}"/>
+          </ac:spMkLst>
+        </pc:spChg>
+        <pc:spChg chg="add del">
+          <ac:chgData name="Thien Truong" userId="3ee5793a3bd81d5d" providerId="LiveId" clId="{6ACC13E4-8703-4B4B-AA24-C1B917D959DA}" dt="2021-05-06T00:10:17.021" v="687" actId="26606"/>
+          <ac:spMkLst>
+            <pc:docMk/>
+            <pc:sldMk cId="3343177660" sldId="257"/>
+            <ac:spMk id="17" creationId="{7A62E32F-BB65-43A8-8EB5-92346890E549}"/>
+          </ac:spMkLst>
+        </pc:spChg>
+        <pc:spChg chg="add del">
+          <ac:chgData name="Thien Truong" userId="3ee5793a3bd81d5d" providerId="LiveId" clId="{6ACC13E4-8703-4B4B-AA24-C1B917D959DA}" dt="2021-05-06T00:10:17.021" v="687" actId="26606"/>
+          <ac:spMkLst>
+            <pc:docMk/>
+            <pc:sldMk cId="3343177660" sldId="257"/>
+            <ac:spMk id="19" creationId="{14E91B64-9FCC-451E-AFB4-A827D6329367}"/>
+          </ac:spMkLst>
+        </pc:spChg>
+        <pc:spChg chg="add del">
+          <ac:chgData name="Thien Truong" userId="3ee5793a3bd81d5d" providerId="LiveId" clId="{6ACC13E4-8703-4B4B-AA24-C1B917D959DA}" dt="2021-05-06T00:10:27.317" v="689" actId="26606"/>
+          <ac:spMkLst>
+            <pc:docMk/>
+            <pc:sldMk cId="3343177660" sldId="257"/>
+            <ac:spMk id="21" creationId="{4351DFE5-F63D-4BE0-BDA9-E3EB88F01AA5}"/>
+          </ac:spMkLst>
+        </pc:spChg>
+        <pc:spChg chg="add del">
+          <ac:chgData name="Thien Truong" userId="3ee5793a3bd81d5d" providerId="LiveId" clId="{6ACC13E4-8703-4B4B-AA24-C1B917D959DA}" dt="2021-05-06T00:10:33" v="691" actId="6264"/>
+          <ac:spMkLst>
+            <pc:docMk/>
+            <pc:sldMk cId="3343177660" sldId="257"/>
+            <ac:spMk id="24" creationId="{6DDA8CE9-E0A6-4FF2-823D-D08607606DC2}"/>
+          </ac:spMkLst>
+        </pc:spChg>
+        <pc:spChg chg="add del">
+          <ac:chgData name="Thien Truong" userId="3ee5793a3bd81d5d" providerId="LiveId" clId="{6ACC13E4-8703-4B4B-AA24-C1B917D959DA}" dt="2021-05-06T00:10:33" v="691" actId="6264"/>
+          <ac:spMkLst>
+            <pc:docMk/>
+            <pc:sldMk cId="3343177660" sldId="257"/>
+            <ac:spMk id="25" creationId="{11195564-33B9-434B-9641-764F5905A56F}"/>
+          </ac:spMkLst>
+        </pc:spChg>
+        <pc:grpChg chg="add del">
+          <ac:chgData name="Thien Truong" userId="3ee5793a3bd81d5d" providerId="LiveId" clId="{6ACC13E4-8703-4B4B-AA24-C1B917D959DA}" dt="2021-05-06T00:10:33" v="691" actId="6264"/>
+          <ac:grpSpMkLst>
+            <pc:docMk/>
+            <pc:sldMk cId="3343177660" sldId="257"/>
+            <ac:grpSpMk id="26" creationId="{1D18C537-E336-47C4-836B-C342A230F8F3}"/>
+          </ac:grpSpMkLst>
+        </pc:grpChg>
+        <pc:grpChg chg="add del">
+          <ac:chgData name="Thien Truong" userId="3ee5793a3bd81d5d" providerId="LiveId" clId="{6ACC13E4-8703-4B4B-AA24-C1B917D959DA}" dt="2021-05-06T00:10:33" v="691" actId="6264"/>
+          <ac:grpSpMkLst>
+            <pc:docMk/>
+            <pc:sldMk cId="3343177660" sldId="257"/>
+            <ac:grpSpMk id="29" creationId="{5A1259D8-0C3A-4069-A22F-537BBBB61A9C}"/>
+          </ac:grpSpMkLst>
+        </pc:grpChg>
+        <pc:graphicFrameChg chg="add del">
+          <ac:chgData name="Thien Truong" userId="3ee5793a3bd81d5d" providerId="LiveId" clId="{6ACC13E4-8703-4B4B-AA24-C1B917D959DA}" dt="2021-05-06T00:33:38.252" v="1304" actId="26606"/>
+          <ac:graphicFrameMkLst>
+            <pc:docMk/>
+            <pc:sldMk cId="3343177660" sldId="257"/>
+            <ac:graphicFrameMk id="14" creationId="{A3E55D0C-4EC4-4281-BCDB-3D92C22A1266}"/>
+          </ac:graphicFrameMkLst>
+        </pc:graphicFrameChg>
+        <pc:picChg chg="add del">
+          <ac:chgData name="Thien Truong" userId="3ee5793a3bd81d5d" providerId="LiveId" clId="{6ACC13E4-8703-4B4B-AA24-C1B917D959DA}" dt="2021-05-06T00:10:27.317" v="689" actId="26606"/>
+          <ac:picMkLst>
+            <pc:docMk/>
+            <pc:sldMk cId="3343177660" sldId="257"/>
+            <ac:picMk id="22" creationId="{3AA16612-ACD2-4A16-8F2B-4514FD6BF28F}"/>
+          </ac:picMkLst>
+        </pc:picChg>
+        <pc:picChg chg="add del mod">
+          <ac:chgData name="Thien Truong" userId="3ee5793a3bd81d5d" providerId="LiveId" clId="{6ACC13E4-8703-4B4B-AA24-C1B917D959DA}" dt="2021-05-06T00:13:06.017" v="695" actId="21"/>
+          <ac:picMkLst>
+            <pc:docMk/>
+            <pc:sldMk cId="3343177660" sldId="257"/>
+            <ac:picMk id="1026" creationId="{C4486A04-5800-41BE-93B2-A319696E1435}"/>
+          </ac:picMkLst>
+        </pc:picChg>
       </pc:sldChg>
-      <pc:sldChg chg="addSp delSp modSp new mod setBg">
-        <pc:chgData name="Thien Truong" userId="3ee5793a3bd81d5d" providerId="LiveId" clId="{6ACC13E4-8703-4B4B-AA24-C1B917D959DA}" dt="2021-05-05T18:02:43.841" v="481" actId="20577"/>
+      <pc:sldChg chg="addSp delSp modSp new del mod setBg">
+        <pc:chgData name="Thien Truong" userId="3ee5793a3bd81d5d" providerId="LiveId" clId="{6ACC13E4-8703-4B4B-AA24-C1B917D959DA}" dt="2021-05-06T00:18:59.995" v="741" actId="47"/>
         <pc:sldMkLst>
           <pc:docMk/>
           <pc:sldMk cId="3442977631" sldId="258"/>
@@ -239,8 +451,8 @@
           </ac:picMkLst>
         </pc:picChg>
       </pc:sldChg>
-      <pc:sldChg chg="addSp delSp modSp new mod setBg">
-        <pc:chgData name="Thien Truong" userId="3ee5793a3bd81d5d" providerId="LiveId" clId="{6ACC13E4-8703-4B4B-AA24-C1B917D959DA}" dt="2021-05-05T18:21:33.652" v="566" actId="26606"/>
+      <pc:sldChg chg="addSp delSp modSp new del mod setBg">
+        <pc:chgData name="Thien Truong" userId="3ee5793a3bd81d5d" providerId="LiveId" clId="{6ACC13E4-8703-4B4B-AA24-C1B917D959DA}" dt="2021-05-06T00:19:08.208" v="742" actId="47"/>
         <pc:sldMkLst>
           <pc:docMk/>
           <pc:sldMk cId="2232943842" sldId="259"/>
@@ -593,6 +805,85 @@
             <ac:picMk id="4098" creationId="{D6B402A3-E12D-4407-9F13-F3A2BBE2B330}"/>
           </ac:picMkLst>
         </pc:picChg>
+      </pc:sldChg>
+      <pc:sldChg chg="addSp delSp modSp add mod ord setBg delDesignElem">
+        <pc:chgData name="Thien Truong" userId="3ee5793a3bd81d5d" providerId="LiveId" clId="{6ACC13E4-8703-4B4B-AA24-C1B917D959DA}" dt="2021-05-06T00:54:36.069" v="2051" actId="5793"/>
+        <pc:sldMkLst>
+          <pc:docMk/>
+          <pc:sldMk cId="3072600446" sldId="264"/>
+        </pc:sldMkLst>
+        <pc:spChg chg="mod">
+          <ac:chgData name="Thien Truong" userId="3ee5793a3bd81d5d" providerId="LiveId" clId="{6ACC13E4-8703-4B4B-AA24-C1B917D959DA}" dt="2021-05-06T00:41:45.311" v="1522" actId="26606"/>
+          <ac:spMkLst>
+            <pc:docMk/>
+            <pc:sldMk cId="3072600446" sldId="264"/>
+            <ac:spMk id="2" creationId="{4BBCD54A-5AE3-493B-8E8B-1C3F765D66DA}"/>
+          </ac:spMkLst>
+        </pc:spChg>
+        <pc:spChg chg="mod">
+          <ac:chgData name="Thien Truong" userId="3ee5793a3bd81d5d" providerId="LiveId" clId="{6ACC13E4-8703-4B4B-AA24-C1B917D959DA}" dt="2021-05-06T00:54:36.069" v="2051" actId="5793"/>
+          <ac:spMkLst>
+            <pc:docMk/>
+            <pc:sldMk cId="3072600446" sldId="264"/>
+            <ac:spMk id="8" creationId="{8A888592-E7BC-47C4-9B12-1E120500AD72}"/>
+          </ac:spMkLst>
+        </pc:spChg>
+        <pc:spChg chg="del">
+          <ac:chgData name="Thien Truong" userId="3ee5793a3bd81d5d" providerId="LiveId" clId="{6ACC13E4-8703-4B4B-AA24-C1B917D959DA}" dt="2021-05-06T00:40:46.135" v="1466"/>
+          <ac:spMkLst>
+            <pc:docMk/>
+            <pc:sldMk cId="3072600446" sldId="264"/>
+            <ac:spMk id="11" creationId="{2B566528-1B12-4246-9431-5C2D7D081168}"/>
+          </ac:spMkLst>
+        </pc:spChg>
+        <pc:grpChg chg="del">
+          <ac:chgData name="Thien Truong" userId="3ee5793a3bd81d5d" providerId="LiveId" clId="{6ACC13E4-8703-4B4B-AA24-C1B917D959DA}" dt="2021-05-06T00:40:46.135" v="1466"/>
+          <ac:grpSpMkLst>
+            <pc:docMk/>
+            <pc:sldMk cId="3072600446" sldId="264"/>
+            <ac:grpSpMk id="13" creationId="{828A5161-06F1-46CF-8AD7-844680A59E13}"/>
+          </ac:grpSpMkLst>
+        </pc:grpChg>
+        <pc:grpChg chg="del">
+          <ac:chgData name="Thien Truong" userId="3ee5793a3bd81d5d" providerId="LiveId" clId="{6ACC13E4-8703-4B4B-AA24-C1B917D959DA}" dt="2021-05-06T00:40:46.135" v="1466"/>
+          <ac:grpSpMkLst>
+            <pc:docMk/>
+            <pc:sldMk cId="3072600446" sldId="264"/>
+            <ac:grpSpMk id="17" creationId="{5995D10D-E9C9-47DB-AE7E-801FEF38F5C9}"/>
+          </ac:grpSpMkLst>
+        </pc:grpChg>
+        <pc:picChg chg="del">
+          <ac:chgData name="Thien Truong" userId="3ee5793a3bd81d5d" providerId="LiveId" clId="{6ACC13E4-8703-4B4B-AA24-C1B917D959DA}" dt="2021-05-06T00:41:37.193" v="1520" actId="478"/>
+          <ac:picMkLst>
+            <pc:docMk/>
+            <pc:sldMk cId="3072600446" sldId="264"/>
+            <ac:picMk id="4" creationId="{1EDA647C-E6AB-4F43-8814-FA9B712FE24D}"/>
+          </ac:picMkLst>
+        </pc:picChg>
+        <pc:picChg chg="add del">
+          <ac:chgData name="Thien Truong" userId="3ee5793a3bd81d5d" providerId="LiveId" clId="{6ACC13E4-8703-4B4B-AA24-C1B917D959DA}" dt="2021-05-06T00:41:37.193" v="1520" actId="478"/>
+          <ac:picMkLst>
+            <pc:docMk/>
+            <pc:sldMk cId="3072600446" sldId="264"/>
+            <ac:picMk id="2050" creationId="{2ECAF917-76D5-4619-8356-754B9B200D2C}"/>
+          </ac:picMkLst>
+        </pc:picChg>
+        <pc:picChg chg="add mod">
+          <ac:chgData name="Thien Truong" userId="3ee5793a3bd81d5d" providerId="LiveId" clId="{6ACC13E4-8703-4B4B-AA24-C1B917D959DA}" dt="2021-05-06T00:41:45.311" v="1522" actId="26606"/>
+          <ac:picMkLst>
+            <pc:docMk/>
+            <pc:sldMk cId="3072600446" sldId="264"/>
+            <ac:picMk id="2052" creationId="{FFA774C3-F524-4974-8BEE-C0A3072AB2DA}"/>
+          </ac:picMkLst>
+        </pc:picChg>
+        <pc:cxnChg chg="add">
+          <ac:chgData name="Thien Truong" userId="3ee5793a3bd81d5d" providerId="LiveId" clId="{6ACC13E4-8703-4B4B-AA24-C1B917D959DA}" dt="2021-05-06T00:41:45.311" v="1522" actId="26606"/>
+          <ac:cxnSpMkLst>
+            <pc:docMk/>
+            <pc:sldMk cId="3072600446" sldId="264"/>
+            <ac:cxnSpMk id="73" creationId="{A7F400EE-A8A5-48AF-B4D6-291B52C6F0B0}"/>
+          </ac:cxnSpMkLst>
+        </pc:cxnChg>
       </pc:sldChg>
     </pc:docChg>
   </pc:docChgLst>
@@ -3799,6 +4090,14 @@
 <file path=ppt/slides/slide1.xml><?xml version="1.0" encoding="utf-8"?>
 <p:sld xmlns:a="http://schemas.openxmlformats.org/drawingml/2006/main" xmlns:r="http://schemas.openxmlformats.org/officeDocument/2006/relationships" xmlns:p="http://schemas.openxmlformats.org/presentationml/2006/main">
   <p:cSld>
+    <p:bg>
+      <p:bgPr>
+        <a:solidFill>
+          <a:schemeClr val="bg1"/>
+        </a:solidFill>
+        <a:effectLst/>
+      </p:bgPr>
+    </p:bg>
     <p:spTree>
       <p:nvGrpSpPr>
         <p:cNvPr id="1" name=""/>
@@ -3815,6 +4114,176 @@
       </p:grpSpPr>
       <p:sp>
         <p:nvSpPr>
+          <p:cNvPr id="9" name="Rectangle 8">
+            <a:extLst>
+              <a:ext uri="{FF2B5EF4-FFF2-40B4-BE49-F238E27FC236}">
+                <a16:creationId xmlns:a16="http://schemas.microsoft.com/office/drawing/2014/main" id="{74426AB7-D619-4515-962A-BC83909EC015}"/>
+              </a:ext>
+              <a:ext uri="{C183D7F6-B498-43B3-948B-1728B52AA6E4}">
+                <adec:decorative xmlns:adec="http://schemas.microsoft.com/office/drawing/2017/decorative" val="1"/>
+              </a:ext>
+            </a:extLst>
+          </p:cNvPr>
+          <p:cNvSpPr>
+            <a:spLocks noGrp="1" noRot="1" noChangeAspect="1" noMove="1" noResize="1" noEditPoints="1" noAdjustHandles="1" noChangeArrowheads="1" noChangeShapeType="1" noTextEdit="1"/>
+          </p:cNvSpPr>
+          <p:nvPr>
+            <p:extLst>
+              <p:ext uri="{386F3935-93C4-4BCD-93E2-E3B085C9AB24}">
+                <p16:designElem xmlns:p16="http://schemas.microsoft.com/office/powerpoint/2015/main" val="1"/>
+              </p:ext>
+            </p:extLst>
+          </p:nvPr>
+        </p:nvSpPr>
+        <p:spPr>
+          <a:xfrm>
+            <a:off x="0" y="0"/>
+            <a:ext cx="12192000" cy="6858000"/>
+          </a:xfrm>
+          <a:prstGeom prst="rect">
+            <a:avLst/>
+          </a:prstGeom>
+          <a:solidFill>
+            <a:srgbClr val="4F475F"/>
+          </a:solidFill>
+          <a:ln>
+            <a:noFill/>
+          </a:ln>
+        </p:spPr>
+        <p:style>
+          <a:lnRef idx="2">
+            <a:schemeClr val="accent1">
+              <a:shade val="50000"/>
+            </a:schemeClr>
+          </a:lnRef>
+          <a:fillRef idx="1">
+            <a:schemeClr val="accent1"/>
+          </a:fillRef>
+          <a:effectRef idx="0">
+            <a:schemeClr val="accent1"/>
+          </a:effectRef>
+          <a:fontRef idx="minor">
+            <a:schemeClr val="lt1"/>
+          </a:fontRef>
+        </p:style>
+        <p:txBody>
+          <a:bodyPr rtlCol="0" anchor="ctr"/>
+          <a:lstStyle/>
+          <a:p>
+            <a:pPr algn="ctr"/>
+            <a:endParaRPr lang="en-US"/>
+          </a:p>
+        </p:txBody>
+      </p:sp>
+      <p:sp>
+        <p:nvSpPr>
+          <p:cNvPr id="11" name="Rectangle 10">
+            <a:extLst>
+              <a:ext uri="{FF2B5EF4-FFF2-40B4-BE49-F238E27FC236}">
+                <a16:creationId xmlns:a16="http://schemas.microsoft.com/office/drawing/2014/main" id="{DE47DF98-723F-4AAC-ABCF-CACBC438F78F}"/>
+              </a:ext>
+              <a:ext uri="{C183D7F6-B498-43B3-948B-1728B52AA6E4}">
+                <adec:decorative xmlns:adec="http://schemas.microsoft.com/office/drawing/2017/decorative" val="1"/>
+              </a:ext>
+            </a:extLst>
+          </p:cNvPr>
+          <p:cNvSpPr>
+            <a:spLocks noGrp="1" noRot="1" noChangeAspect="1" noMove="1" noResize="1" noEditPoints="1" noAdjustHandles="1" noChangeArrowheads="1" noChangeShapeType="1" noTextEdit="1"/>
+          </p:cNvSpPr>
+          <p:nvPr>
+            <p:extLst>
+              <p:ext uri="{386F3935-93C4-4BCD-93E2-E3B085C9AB24}">
+                <p16:designElem xmlns:p16="http://schemas.microsoft.com/office/powerpoint/2015/main" val="1"/>
+              </p:ext>
+            </p:extLst>
+          </p:nvPr>
+        </p:nvSpPr>
+        <p:spPr>
+          <a:xfrm>
+            <a:off x="243840" y="256540"/>
+            <a:ext cx="11704320" cy="6365239"/>
+          </a:xfrm>
+          <a:prstGeom prst="rect">
+            <a:avLst/>
+          </a:prstGeom>
+          <a:solidFill>
+            <a:srgbClr val="FFFFFF"/>
+          </a:solidFill>
+          <a:ln w="12700">
+            <a:noFill/>
+          </a:ln>
+        </p:spPr>
+        <p:style>
+          <a:lnRef idx="2">
+            <a:schemeClr val="accent1">
+              <a:shade val="50000"/>
+            </a:schemeClr>
+          </a:lnRef>
+          <a:fillRef idx="1">
+            <a:schemeClr val="accent1"/>
+          </a:fillRef>
+          <a:effectRef idx="0">
+            <a:schemeClr val="accent1"/>
+          </a:effectRef>
+          <a:fontRef idx="minor">
+            <a:schemeClr val="lt1"/>
+          </a:fontRef>
+        </p:style>
+      </p:sp>
+      <p:cxnSp>
+        <p:nvCxnSpPr>
+          <p:cNvPr id="13" name="Straight Connector 12">
+            <a:extLst>
+              <a:ext uri="{FF2B5EF4-FFF2-40B4-BE49-F238E27FC236}">
+                <a16:creationId xmlns:a16="http://schemas.microsoft.com/office/drawing/2014/main" id="{EA29FC7C-9308-4FDE-8DCA-405668055B0F}"/>
+              </a:ext>
+              <a:ext uri="{C183D7F6-B498-43B3-948B-1728B52AA6E4}">
+                <adec:decorative xmlns:adec="http://schemas.microsoft.com/office/drawing/2017/decorative" val="1"/>
+              </a:ext>
+            </a:extLst>
+          </p:cNvPr>
+          <p:cNvCxnSpPr>
+            <a:cxnSpLocks noGrp="1" noRot="1" noChangeAspect="1" noMove="1" noResize="1" noEditPoints="1" noAdjustHandles="1" noChangeArrowheads="1" noChangeShapeType="1"/>
+          </p:cNvCxnSpPr>
+          <p:nvPr>
+            <p:extLst>
+              <p:ext uri="{386F3935-93C4-4BCD-93E2-E3B085C9AB24}">
+                <p16:designElem xmlns:p16="http://schemas.microsoft.com/office/powerpoint/2015/main" val="1"/>
+              </p:ext>
+            </p:extLst>
+          </p:nvPr>
+        </p:nvCxnSpPr>
+        <p:spPr>
+          <a:xfrm>
+            <a:off x="2895600" y="5768204"/>
+            <a:ext cx="6400800" cy="0"/>
+          </a:xfrm>
+          <a:prstGeom prst="line">
+            <a:avLst/>
+          </a:prstGeom>
+          <a:ln>
+            <a:solidFill>
+              <a:srgbClr val="4F475F"/>
+            </a:solidFill>
+          </a:ln>
+        </p:spPr>
+        <p:style>
+          <a:lnRef idx="1">
+            <a:schemeClr val="accent1"/>
+          </a:lnRef>
+          <a:fillRef idx="0">
+            <a:schemeClr val="accent1"/>
+          </a:fillRef>
+          <a:effectRef idx="0">
+            <a:schemeClr val="accent1"/>
+          </a:effectRef>
+          <a:fontRef idx="minor">
+            <a:schemeClr val="tx1"/>
+          </a:fontRef>
+        </p:style>
+      </p:cxnSp>
+      <p:sp>
+        <p:nvSpPr>
           <p:cNvPr id="2" name="Title 1">
             <a:extLst>
               <a:ext uri="{FF2B5EF4-FFF2-40B4-BE49-F238E27FC236}">
@@ -3829,13 +4298,24 @@
             <p:ph type="ctrTitle"/>
           </p:nvPr>
         </p:nvSpPr>
-        <p:spPr/>
-        <p:txBody>
-          <a:bodyPr/>
+        <p:spPr>
+          <a:xfrm>
+            <a:off x="1109980" y="4277356"/>
+            <a:ext cx="9966960" cy="1560320"/>
+          </a:xfrm>
+        </p:spPr>
+        <p:txBody>
+          <a:bodyPr>
+            <a:normAutofit/>
+          </a:bodyPr>
           <a:lstStyle/>
           <a:p>
             <a:r>
-              <a:rPr lang="en-US" dirty="0"/>
+              <a:rPr lang="en-US" sz="5800" dirty="0">
+                <a:solidFill>
+                  <a:srgbClr val="4F475F"/>
+                </a:solidFill>
+              </a:rPr>
               <a:t>Domain Driven Design</a:t>
             </a:r>
           </a:p>
@@ -3857,18 +4337,74 @@
             <p:ph type="subTitle" idx="1"/>
           </p:nvPr>
         </p:nvSpPr>
-        <p:spPr/>
-        <p:txBody>
-          <a:bodyPr/>
+        <p:spPr>
+          <a:xfrm>
+            <a:off x="1709530" y="5799489"/>
+            <a:ext cx="8767860" cy="440822"/>
+          </a:xfrm>
+        </p:spPr>
+        <p:txBody>
+          <a:bodyPr>
+            <a:normAutofit/>
+          </a:bodyPr>
           <a:lstStyle/>
           <a:p>
             <a:r>
-              <a:rPr lang="en-US" dirty="0"/>
+              <a:rPr lang="en-US" sz="2000" dirty="0">
+                <a:solidFill>
+                  <a:srgbClr val="4F475F"/>
+                </a:solidFill>
+              </a:rPr>
               <a:t>Tackling Complexity in the Heart of Software</a:t>
             </a:r>
           </a:p>
         </p:txBody>
       </p:sp>
+      <p:pic>
+        <p:nvPicPr>
+          <p:cNvPr id="4" name="Picture 2" descr="Comparing Domain-Driven Design with Model-Driven Engineering">
+            <a:extLst>
+              <a:ext uri="{FF2B5EF4-FFF2-40B4-BE49-F238E27FC236}">
+                <a16:creationId xmlns:a16="http://schemas.microsoft.com/office/drawing/2014/main" id="{3231B79D-06AD-488C-94E4-0090B40BBE8A}"/>
+              </a:ext>
+            </a:extLst>
+          </p:cNvPr>
+          <p:cNvPicPr>
+            <a:picLocks noChangeAspect="1" noChangeArrowheads="1"/>
+          </p:cNvPicPr>
+          <p:nvPr/>
+        </p:nvPicPr>
+        <p:blipFill rotWithShape="1">
+          <a:blip r:embed="rId2">
+            <a:extLst>
+              <a:ext uri="{28A0092B-C50C-407E-A947-70E740481C1C}">
+                <a14:useLocalDpi xmlns:a14="http://schemas.microsoft.com/office/drawing/2010/main" val="0"/>
+              </a:ext>
+            </a:extLst>
+          </a:blip>
+          <a:srcRect t="14662" r="1" b="8305"/>
+          <a:stretch/>
+        </p:blipFill>
+        <p:spPr bwMode="auto">
+          <a:xfrm>
+            <a:off x="243840" y="256540"/>
+            <a:ext cx="11704320" cy="3764276"/>
+          </a:xfrm>
+          <a:prstGeom prst="rect">
+            <a:avLst/>
+          </a:prstGeom>
+          <a:noFill/>
+          <a:extLst>
+            <a:ext uri="{909E8E84-426E-40DD-AFC4-6F175D3DCCD1}">
+              <a14:hiddenFill xmlns:a14="http://schemas.microsoft.com/office/drawing/2010/main">
+                <a:solidFill>
+                  <a:srgbClr val="FFFFFF"/>
+                </a:solidFill>
+              </a14:hiddenFill>
+            </a:ext>
+          </a:extLst>
+        </p:spPr>
+      </p:pic>
     </p:spTree>
     <p:extLst>
       <p:ext uri="{BB962C8B-B14F-4D97-AF65-F5344CB8AC3E}">
@@ -3879,12 +4415,150 @@
   <p:clrMapOvr>
     <a:masterClrMapping/>
   </p:clrMapOvr>
+  <p:timing>
+    <p:tnLst>
+      <p:par>
+        <p:cTn id="1" dur="indefinite" restart="never" nodeType="tmRoot">
+          <p:childTnLst>
+            <p:seq concurrent="1" nextAc="seek">
+              <p:cTn id="2" dur="indefinite" nodeType="mainSeq">
+                <p:childTnLst>
+                  <p:par>
+                    <p:cTn id="3" fill="hold">
+                      <p:stCondLst>
+                        <p:cond delay="indefinite"/>
+                        <p:cond evt="onBegin" delay="0">
+                          <p:tn val="2"/>
+                        </p:cond>
+                      </p:stCondLst>
+                      <p:childTnLst>
+                        <p:par>
+                          <p:cTn id="4" fill="hold">
+                            <p:stCondLst>
+                              <p:cond delay="0"/>
+                            </p:stCondLst>
+                            <p:childTnLst>
+                              <p:par>
+                                <p:cTn id="5" presetID="10" presetClass="entr" presetSubtype="0" fill="hold" nodeType="withEffect">
+                                  <p:stCondLst>
+                                    <p:cond delay="0"/>
+                                  </p:stCondLst>
+                                  <p:iterate>
+                                    <p:tmPct val="10000"/>
+                                  </p:iterate>
+                                  <p:childTnLst>
+                                    <p:set>
+                                      <p:cBhvr>
+                                        <p:cTn id="6" dur="1" fill="hold">
+                                          <p:stCondLst>
+                                            <p:cond delay="0"/>
+                                          </p:stCondLst>
+                                        </p:cTn>
+                                        <p:tgtEl>
+                                          <p:spTgt spid="4"/>
+                                        </p:tgtEl>
+                                        <p:attrNameLst>
+                                          <p:attrName>style.visibility</p:attrName>
+                                        </p:attrNameLst>
+                                      </p:cBhvr>
+                                      <p:to>
+                                        <p:strVal val="visible"/>
+                                      </p:to>
+                                    </p:set>
+                                    <p:animEffect transition="in" filter="fade">
+                                      <p:cBhvr>
+                                        <p:cTn id="7" dur="700"/>
+                                        <p:tgtEl>
+                                          <p:spTgt spid="4"/>
+                                        </p:tgtEl>
+                                      </p:cBhvr>
+                                    </p:animEffect>
+                                  </p:childTnLst>
+                                </p:cTn>
+                              </p:par>
+                              <p:par>
+                                <p:cTn id="8" presetID="10" presetClass="entr" presetSubtype="0" fill="hold" grpId="0" nodeType="withEffect">
+                                  <p:stCondLst>
+                                    <p:cond delay="1000"/>
+                                  </p:stCondLst>
+                                  <p:iterate>
+                                    <p:tmPct val="10000"/>
+                                  </p:iterate>
+                                  <p:childTnLst>
+                                    <p:set>
+                                      <p:cBhvr>
+                                        <p:cTn id="9" dur="1" fill="hold">
+                                          <p:stCondLst>
+                                            <p:cond delay="0"/>
+                                          </p:stCondLst>
+                                        </p:cTn>
+                                        <p:tgtEl>
+                                          <p:spTgt spid="2"/>
+                                        </p:tgtEl>
+                                        <p:attrNameLst>
+                                          <p:attrName>style.visibility</p:attrName>
+                                        </p:attrNameLst>
+                                      </p:cBhvr>
+                                      <p:to>
+                                        <p:strVal val="visible"/>
+                                      </p:to>
+                                    </p:set>
+                                    <p:animEffect transition="in" filter="fade">
+                                      <p:cBhvr>
+                                        <p:cTn id="10" dur="700"/>
+                                        <p:tgtEl>
+                                          <p:spTgt spid="2"/>
+                                        </p:tgtEl>
+                                      </p:cBhvr>
+                                    </p:animEffect>
+                                  </p:childTnLst>
+                                </p:cTn>
+                              </p:par>
+                            </p:childTnLst>
+                          </p:cTn>
+                        </p:par>
+                      </p:childTnLst>
+                    </p:cTn>
+                  </p:par>
+                </p:childTnLst>
+              </p:cTn>
+              <p:prevCondLst>
+                <p:cond evt="onPrev" delay="0">
+                  <p:tgtEl>
+                    <p:sldTgt/>
+                  </p:tgtEl>
+                </p:cond>
+              </p:prevCondLst>
+              <p:nextCondLst>
+                <p:cond evt="onNext" delay="0">
+                  <p:tgtEl>
+                    <p:sldTgt/>
+                  </p:tgtEl>
+                </p:cond>
+              </p:nextCondLst>
+            </p:seq>
+          </p:childTnLst>
+        </p:cTn>
+      </p:par>
+    </p:tnLst>
+    <p:bldLst>
+      <p:bldP spid="2" grpId="0"/>
+    </p:bldLst>
+  </p:timing>
 </p:sld>
 </file>
 
 <file path=ppt/slides/slide2.xml><?xml version="1.0" encoding="utf-8"?>
 <p:sld xmlns:a="http://schemas.openxmlformats.org/drawingml/2006/main" xmlns:r="http://schemas.openxmlformats.org/officeDocument/2006/relationships" xmlns:p="http://schemas.openxmlformats.org/presentationml/2006/main">
   <p:cSld>
+    <p:bg>
+      <p:bgPr>
+        <a:solidFill>
+          <a:schemeClr val="bg1"/>
+        </a:solidFill>
+        <a:effectLst/>
+      </p:bgPr>
+    </p:bg>
     <p:spTree>
       <p:nvGrpSpPr>
         <p:cNvPr id="1" name=""/>
@@ -3918,46 +4592,241 @@
         <p:spPr>
           <a:xfrm>
             <a:off x="838200" y="365125"/>
-            <a:ext cx="10515600" cy="5811838"/>
+            <a:ext cx="10515600" cy="1325563"/>
           </a:xfrm>
         </p:spPr>
         <p:txBody>
+          <a:bodyPr vert="horz" lIns="91440" tIns="45720" rIns="91440" bIns="45720" rtlCol="0" anchor="ctr">
+            <a:normAutofit/>
+          </a:bodyPr>
+          <a:lstStyle/>
+          <a:p>
+            <a:r>
+              <a:rPr lang="en-US"/>
+              <a:t>Khó khăn gặp phải</a:t>
+            </a:r>
+            <a:endParaRPr lang="en-US" dirty="0"/>
+          </a:p>
+        </p:txBody>
+      </p:sp>
+      <p:sp>
+        <p:nvSpPr>
+          <p:cNvPr id="7" name="Content Placeholder 6">
+            <a:extLst>
+              <a:ext uri="{FF2B5EF4-FFF2-40B4-BE49-F238E27FC236}">
+                <a16:creationId xmlns:a16="http://schemas.microsoft.com/office/drawing/2014/main" id="{F64E7958-146C-4CD8-9373-0D623479BC68}"/>
+              </a:ext>
+            </a:extLst>
+          </p:cNvPr>
+          <p:cNvSpPr>
+            <a:spLocks noGrp="1"/>
+          </p:cNvSpPr>
+          <p:nvPr>
+            <p:ph idx="1"/>
+          </p:nvPr>
+        </p:nvSpPr>
+        <p:spPr/>
+        <p:txBody>
           <a:bodyPr/>
           <a:lstStyle/>
           <a:p>
-            <a:pPr algn="ctr"/>
-            <a:r>
-              <a:rPr lang="en-US" b="1" dirty="0" err="1"/>
-              <a:t>Tại</a:t>
-            </a:r>
+            <a:r>
+              <a:rPr lang="en-US" dirty="0" err="1"/>
+              <a:t>Nghiệp</a:t>
+            </a:r>
+            <a:r>
+              <a:rPr lang="en-US" dirty="0"/>
+              <a:t> </a:t>
+            </a:r>
+            <a:r>
+              <a:rPr lang="en-US" dirty="0" err="1"/>
+              <a:t>vụ</a:t>
+            </a:r>
+            <a:r>
+              <a:rPr lang="en-US" dirty="0"/>
+              <a:t> </a:t>
+            </a:r>
+            <a:r>
+              <a:rPr lang="en-US" dirty="0" err="1"/>
+              <a:t>luôn</a:t>
+            </a:r>
+            <a:r>
+              <a:rPr lang="en-US" dirty="0"/>
+              <a:t> </a:t>
+            </a:r>
+            <a:r>
+              <a:rPr lang="en-US" dirty="0" err="1"/>
+              <a:t>thay</a:t>
+            </a:r>
+            <a:r>
+              <a:rPr lang="en-US" dirty="0"/>
+              <a:t> </a:t>
+            </a:r>
+            <a:r>
+              <a:rPr lang="en-US" dirty="0" err="1"/>
+              <a:t>đổi</a:t>
+            </a:r>
+            <a:endParaRPr lang="en-US" dirty="0"/>
+          </a:p>
+          <a:p>
+            <a:r>
+              <a:rPr lang="en-US" dirty="0"/>
+              <a:t>Logic </a:t>
+            </a:r>
+            <a:r>
+              <a:rPr lang="en-US" dirty="0" err="1"/>
+              <a:t>nghiệp</a:t>
+            </a:r>
+            <a:r>
+              <a:rPr lang="en-US" dirty="0"/>
+              <a:t> </a:t>
+            </a:r>
+            <a:r>
+              <a:rPr lang="en-US" dirty="0" err="1"/>
+              <a:t>vụ</a:t>
+            </a:r>
+            <a:r>
+              <a:rPr lang="en-US" dirty="0"/>
+              <a:t> </a:t>
+            </a:r>
+            <a:r>
+              <a:rPr lang="en-US" dirty="0" err="1"/>
+              <a:t>không</a:t>
+            </a:r>
+            <a:r>
+              <a:rPr lang="en-US" dirty="0"/>
+              <a:t> </a:t>
+            </a:r>
+            <a:r>
+              <a:rPr lang="en-US" dirty="0" err="1"/>
+              <a:t>có</a:t>
+            </a:r>
+            <a:r>
+              <a:rPr lang="en-US" dirty="0"/>
+              <a:t> </a:t>
+            </a:r>
+            <a:r>
+              <a:rPr lang="en-US" dirty="0" err="1"/>
+              <a:t>sự</a:t>
+            </a:r>
+            <a:r>
+              <a:rPr lang="en-US" dirty="0"/>
+              <a:t> </a:t>
+            </a:r>
+            <a:r>
+              <a:rPr lang="en-US" dirty="0" err="1"/>
+              <a:t>tập</a:t>
+            </a:r>
+            <a:r>
+              <a:rPr lang="en-US" dirty="0"/>
+              <a:t> </a:t>
+            </a:r>
+            <a:r>
+              <a:rPr lang="en-US" dirty="0" err="1"/>
+              <a:t>trung</a:t>
+            </a:r>
+            <a:endParaRPr lang="en-US" dirty="0"/>
+          </a:p>
+          <a:p>
+            <a:r>
+              <a:rPr lang="en-US" dirty="0" err="1"/>
+              <a:t>Phụ</a:t>
+            </a:r>
+            <a:r>
+              <a:rPr lang="en-US" dirty="0"/>
+              <a:t> </a:t>
+            </a:r>
+            <a:r>
+              <a:rPr lang="en-US" dirty="0" err="1"/>
+              <a:t>thuộc</a:t>
+            </a:r>
+            <a:r>
+              <a:rPr lang="en-US" dirty="0"/>
+              <a:t> </a:t>
+            </a:r>
+            <a:r>
+              <a:rPr lang="en-US" dirty="0" err="1"/>
+              <a:t>vào</a:t>
+            </a:r>
+            <a:r>
+              <a:rPr lang="en-US" dirty="0"/>
+              <a:t> database</a:t>
+            </a:r>
+          </a:p>
+          <a:p>
+            <a:r>
+              <a:rPr lang="en-US" dirty="0" err="1"/>
+              <a:t>Dữ</a:t>
+            </a:r>
+            <a:r>
+              <a:rPr lang="en-US" dirty="0"/>
+              <a:t> </a:t>
+            </a:r>
+            <a:r>
+              <a:rPr lang="en-US" dirty="0" err="1"/>
+              <a:t>liệu</a:t>
+            </a:r>
+            <a:r>
+              <a:rPr lang="en-US" dirty="0"/>
+              <a:t> </a:t>
+            </a:r>
+            <a:r>
+              <a:rPr lang="en-US" dirty="0" err="1"/>
+              <a:t>không</a:t>
+            </a:r>
+            <a:r>
+              <a:rPr lang="en-US" dirty="0"/>
+              <a:t> </a:t>
+            </a:r>
+            <a:r>
+              <a:rPr lang="en-US" dirty="0" err="1"/>
+              <a:t>đảm</a:t>
+            </a:r>
+            <a:r>
+              <a:rPr lang="en-US" dirty="0"/>
+              <a:t> </a:t>
+            </a:r>
+            <a:r>
+              <a:rPr lang="en-US" dirty="0" err="1"/>
+              <a:t>bảo</a:t>
+            </a:r>
+            <a:r>
+              <a:rPr lang="en-US" dirty="0"/>
+              <a:t> </a:t>
+            </a:r>
+            <a:r>
+              <a:rPr lang="en-US" dirty="0" err="1"/>
+              <a:t>và</a:t>
+            </a:r>
+            <a:r>
+              <a:rPr lang="en-US" dirty="0"/>
+              <a:t> </a:t>
+            </a:r>
+            <a:r>
+              <a:rPr lang="en-US" dirty="0" err="1"/>
+              <a:t>nhất</a:t>
+            </a:r>
+            <a:r>
+              <a:rPr lang="en-US" dirty="0"/>
+              <a:t> </a:t>
+            </a:r>
+            <a:r>
+              <a:rPr lang="en-US" dirty="0" err="1"/>
+              <a:t>quán</a:t>
+            </a:r>
+            <a:endParaRPr lang="en-US" dirty="0"/>
+          </a:p>
+          <a:p>
+            <a:pPr marL="0" indent="0">
+              <a:buNone/>
+            </a:pPr>
             <a:r>
               <a:rPr lang="en-US" b="1" dirty="0"/>
-              <a:t> </a:t>
-            </a:r>
-            <a:r>
-              <a:rPr lang="en-US" b="1" dirty="0" err="1"/>
-              <a:t>sao</a:t>
-            </a:r>
-            <a:r>
-              <a:rPr lang="en-US" b="1" dirty="0"/>
-              <a:t> </a:t>
-            </a:r>
-            <a:r>
-              <a:rPr lang="en-US" b="1" dirty="0" err="1"/>
-              <a:t>lại</a:t>
-            </a:r>
-            <a:r>
-              <a:rPr lang="en-US" b="1" dirty="0"/>
-              <a:t> </a:t>
-            </a:r>
-            <a:r>
-              <a:rPr lang="en-US" b="1" dirty="0" err="1"/>
-              <a:t>cần</a:t>
-            </a:r>
-            <a:r>
-              <a:rPr lang="en-US" b="1" dirty="0"/>
-              <a:t> Domain Driven Design (DDD)</a:t>
-            </a:r>
+              <a:t>Domain Driven Design</a:t>
+            </a:r>
+          </a:p>
+          <a:p>
+            <a:endParaRPr lang="en-US" dirty="0"/>
           </a:p>
         </p:txBody>
       </p:sp>
@@ -4001,87 +4870,72 @@
       </p:grpSpPr>
       <p:sp>
         <p:nvSpPr>
-          <p:cNvPr id="73" name="Rectangle 72">
-            <a:extLst>
-              <a:ext uri="{FF2B5EF4-FFF2-40B4-BE49-F238E27FC236}">
-                <a16:creationId xmlns:a16="http://schemas.microsoft.com/office/drawing/2014/main" id="{2B566528-1B12-4246-9431-5C2D7D081168}"/>
-              </a:ext>
-              <a:ext uri="{C183D7F6-B498-43B3-948B-1728B52AA6E4}">
-                <adec:decorative xmlns:adec="http://schemas.microsoft.com/office/drawing/2017/decorative" val="1"/>
-              </a:ext>
-            </a:extLst>
-          </p:cNvPr>
-          <p:cNvSpPr>
-            <a:spLocks noGrp="1" noRot="1" noChangeAspect="1" noMove="1" noResize="1" noEditPoints="1" noAdjustHandles="1" noChangeArrowheads="1" noChangeShapeType="1" noTextEdit="1"/>
-          </p:cNvSpPr>
-          <p:nvPr>
-            <p:extLst>
-              <p:ext uri="{386F3935-93C4-4BCD-93E2-E3B085C9AB24}">
-                <p16:designElem xmlns:p16="http://schemas.microsoft.com/office/powerpoint/2015/main" val="1"/>
-              </p:ext>
-            </p:extLst>
+          <p:cNvPr id="2" name="Title 1">
+            <a:extLst>
+              <a:ext uri="{FF2B5EF4-FFF2-40B4-BE49-F238E27FC236}">
+                <a16:creationId xmlns:a16="http://schemas.microsoft.com/office/drawing/2014/main" id="{4BBCD54A-5AE3-493B-8E8B-1C3F765D66DA}"/>
+              </a:ext>
+            </a:extLst>
+          </p:cNvPr>
+          <p:cNvSpPr>
+            <a:spLocks noGrp="1"/>
+          </p:cNvSpPr>
+          <p:nvPr>
+            <p:ph type="title"/>
           </p:nvPr>
         </p:nvSpPr>
         <p:spPr>
           <a:xfrm>
-            <a:off x="0" y="0"/>
-            <a:ext cx="12192000" cy="6858000"/>
+            <a:off x="4965430" y="629268"/>
+            <a:ext cx="6586491" cy="1286160"/>
           </a:xfrm>
-          <a:prstGeom prst="rect">
-            <a:avLst/>
-          </a:prstGeom>
-          <a:solidFill>
-            <a:schemeClr val="bg1"/>
-          </a:solidFill>
-          <a:ln>
-            <a:noFill/>
-          </a:ln>
         </p:spPr>
-        <p:style>
-          <a:lnRef idx="2">
-            <a:schemeClr val="accent1">
-              <a:shade val="50000"/>
-            </a:schemeClr>
-          </a:lnRef>
-          <a:fillRef idx="1">
-            <a:schemeClr val="accent1"/>
-          </a:fillRef>
-          <a:effectRef idx="0">
-            <a:schemeClr val="accent1"/>
-          </a:effectRef>
-          <a:fontRef idx="minor">
-            <a:schemeClr val="lt1"/>
-          </a:fontRef>
-        </p:style>
-        <p:txBody>
-          <a:bodyPr rtlCol="0" anchor="ctr"/>
+        <p:txBody>
+          <a:bodyPr anchor="b">
+            <a:normAutofit/>
+          </a:bodyPr>
           <a:lstStyle/>
           <a:p>
-            <a:pPr algn="ctr"/>
-            <a:endParaRPr lang="en-US" dirty="0"/>
-          </a:p>
-        </p:txBody>
-      </p:sp>
-      <p:sp>
-        <p:nvSpPr>
-          <p:cNvPr id="2" name="Title 1">
-            <a:extLst>
-              <a:ext uri="{FF2B5EF4-FFF2-40B4-BE49-F238E27FC236}">
-                <a16:creationId xmlns:a16="http://schemas.microsoft.com/office/drawing/2014/main" id="{C63915CB-6B52-404F-A60F-A5F056A3E6B8}"/>
-              </a:ext>
-            </a:extLst>
-          </p:cNvPr>
-          <p:cNvSpPr>
-            <a:spLocks noGrp="1"/>
-          </p:cNvSpPr>
-          <p:nvPr>
-            <p:ph type="title"/>
+            <a:r>
+              <a:rPr lang="en-US"/>
+              <a:t>Domain Driven Design </a:t>
+            </a:r>
+            <a:r>
+              <a:rPr lang="en-US" err="1"/>
+              <a:t>là</a:t>
+            </a:r>
+            <a:r>
+              <a:rPr lang="en-US"/>
+              <a:t> </a:t>
+            </a:r>
+            <a:r>
+              <a:rPr lang="en-US" err="1"/>
+              <a:t>gì</a:t>
+            </a:r>
+            <a:endParaRPr lang="en-US"/>
+          </a:p>
+        </p:txBody>
+      </p:sp>
+      <p:sp>
+        <p:nvSpPr>
+          <p:cNvPr id="8" name="Content Placeholder 7">
+            <a:extLst>
+              <a:ext uri="{FF2B5EF4-FFF2-40B4-BE49-F238E27FC236}">
+                <a16:creationId xmlns:a16="http://schemas.microsoft.com/office/drawing/2014/main" id="{8A888592-E7BC-47C4-9B12-1E120500AD72}"/>
+              </a:ext>
+            </a:extLst>
+          </p:cNvPr>
+          <p:cNvSpPr>
+            <a:spLocks noGrp="1"/>
+          </p:cNvSpPr>
+          <p:nvPr>
+            <p:ph idx="1"/>
           </p:nvPr>
         </p:nvSpPr>
         <p:spPr>
           <a:xfrm>
-            <a:off x="643467" y="321734"/>
-            <a:ext cx="10905066" cy="1135737"/>
+            <a:off x="4965431" y="2438400"/>
+            <a:ext cx="6586489" cy="3785419"/>
           </a:xfrm>
         </p:spPr>
         <p:txBody>
@@ -4091,225 +4945,168 @@
           <a:lstStyle/>
           <a:p>
             <a:r>
-              <a:rPr lang="en-US" sz="3600" dirty="0"/>
-              <a:t>Data Driven Design</a:t>
-            </a:r>
-          </a:p>
-        </p:txBody>
-      </p:sp>
-      <p:sp>
-        <p:nvSpPr>
-          <p:cNvPr id="1030" name="Content Placeholder 1029">
-            <a:extLst>
-              <a:ext uri="{FF2B5EF4-FFF2-40B4-BE49-F238E27FC236}">
-                <a16:creationId xmlns:a16="http://schemas.microsoft.com/office/drawing/2014/main" id="{1D891CCB-7ED9-4DFA-9AC4-61501B00ABDC}"/>
-              </a:ext>
-            </a:extLst>
-          </p:cNvPr>
-          <p:cNvSpPr>
-            <a:spLocks noGrp="1"/>
-          </p:cNvSpPr>
-          <p:nvPr>
-            <p:ph idx="1"/>
-          </p:nvPr>
-        </p:nvSpPr>
-        <p:spPr>
-          <a:xfrm>
-            <a:off x="643469" y="1782981"/>
-            <a:ext cx="4008384" cy="4393982"/>
-          </a:xfrm>
-        </p:spPr>
-        <p:txBody>
-          <a:bodyPr>
-            <a:normAutofit/>
-          </a:bodyPr>
-          <a:lstStyle/>
-          <a:p>
+              <a:rPr lang="en-US" sz="2000" dirty="0" err="1"/>
+              <a:t>Phương</a:t>
+            </a:r>
             <a:r>
               <a:rPr lang="en-US" sz="2000" dirty="0"/>
-              <a:t>Plumbing code </a:t>
-            </a:r>
-          </a:p>
-          <a:p>
+              <a:t> </a:t>
+            </a:r>
+            <a:r>
+              <a:rPr lang="en-US" sz="2000" dirty="0" err="1"/>
+              <a:t>pháp</a:t>
+            </a:r>
             <a:r>
               <a:rPr lang="en-US" sz="2000" dirty="0"/>
-              <a:t>Ball of mud</a:t>
-            </a:r>
-          </a:p>
-          <a:p>
+              <a:t> </a:t>
+            </a:r>
+            <a:r>
+              <a:rPr lang="en-US" sz="2000" dirty="0" err="1"/>
+              <a:t>thiết</a:t>
+            </a:r>
             <a:r>
               <a:rPr lang="en-US" sz="2000" dirty="0"/>
-              <a:t>Technical Expert</a:t>
-            </a:r>
-          </a:p>
-        </p:txBody>
-      </p:sp>
-      <p:grpSp>
-        <p:nvGrpSpPr>
-          <p:cNvPr id="75" name="Group 74">
-            <a:extLst>
-              <a:ext uri="{FF2B5EF4-FFF2-40B4-BE49-F238E27FC236}">
-                <a16:creationId xmlns:a16="http://schemas.microsoft.com/office/drawing/2014/main" id="{828A5161-06F1-46CF-8AD7-844680A59E13}"/>
-              </a:ext>
-              <a:ext uri="{C183D7F6-B498-43B3-948B-1728B52AA6E4}">
-                <adec:decorative xmlns:adec="http://schemas.microsoft.com/office/drawing/2017/decorative" val="1"/>
-              </a:ext>
-            </a:extLst>
-          </p:cNvPr>
-          <p:cNvGrpSpPr>
-            <a:grpSpLocks noGrp="1" noUngrp="1" noRot="1" noChangeAspect="1" noMove="1" noResize="1"/>
-          </p:cNvGrpSpPr>
-          <p:nvPr>
-            <p:extLst>
-              <p:ext uri="{386F3935-93C4-4BCD-93E2-E3B085C9AB24}">
-                <p16:designElem xmlns:p16="http://schemas.microsoft.com/office/powerpoint/2015/main" val="1"/>
-              </p:ext>
-            </p:extLst>
-          </p:nvPr>
-        </p:nvGrpSpPr>
-        <p:grpSpPr>
-          <a:xfrm>
-            <a:off x="0" y="4601497"/>
-            <a:ext cx="1014060" cy="2017580"/>
-            <a:chOff x="0" y="4601497"/>
-            <a:chExt cx="1014060" cy="2017580"/>
-          </a:xfrm>
-        </p:grpSpPr>
-        <p:sp>
-          <p:nvSpPr>
-            <p:cNvPr id="76" name="Isosceles Triangle 75">
-              <a:extLst>
-                <a:ext uri="{FF2B5EF4-FFF2-40B4-BE49-F238E27FC236}">
-                  <a16:creationId xmlns:a16="http://schemas.microsoft.com/office/drawing/2014/main" id="{D3F51FEB-38FB-4F6C-9F7B-2F2AFAB65463}"/>
-                </a:ext>
-                <a:ext uri="{C183D7F6-B498-43B3-948B-1728B52AA6E4}">
-                  <adec:decorative xmlns:adec="http://schemas.microsoft.com/office/drawing/2017/decorative" val="1"/>
-                </a:ext>
-              </a:extLst>
-            </p:cNvPr>
-            <p:cNvSpPr/>
-            <p:nvPr>
-              <p:extLst>
-                <p:ext uri="{386F3935-93C4-4BCD-93E2-E3B085C9AB24}">
-                  <p16:designElem xmlns:p16="http://schemas.microsoft.com/office/powerpoint/2015/main" val="1"/>
-                </p:ext>
-              </p:extLst>
-            </p:nvPr>
-          </p:nvSpPr>
-          <p:spPr>
-            <a:xfrm rot="5400000">
-              <a:off x="-501760" y="5103257"/>
-              <a:ext cx="2017580" cy="1014060"/>
-            </a:xfrm>
-            <a:prstGeom prst="triangle">
-              <a:avLst>
-                <a:gd name="adj" fmla="val 50000"/>
-              </a:avLst>
-            </a:prstGeom>
-            <a:solidFill>
-              <a:schemeClr val="accent1">
-                <a:alpha val="30000"/>
-              </a:schemeClr>
-            </a:solidFill>
-            <a:ln>
-              <a:noFill/>
-            </a:ln>
-          </p:spPr>
-          <p:style>
-            <a:lnRef idx="2">
-              <a:schemeClr val="accent1">
-                <a:shade val="50000"/>
-              </a:schemeClr>
-            </a:lnRef>
-            <a:fillRef idx="1">
-              <a:schemeClr val="accent1"/>
-            </a:fillRef>
-            <a:effectRef idx="0">
-              <a:schemeClr val="accent1"/>
-            </a:effectRef>
-            <a:fontRef idx="minor">
-              <a:schemeClr val="lt1"/>
-            </a:fontRef>
-          </p:style>
-          <p:txBody>
-            <a:bodyPr rtlCol="0" anchor="ctr"/>
-            <a:lstStyle/>
-            <a:p>
-              <a:pPr algn="ctr"/>
-              <a:endParaRPr lang="en-US"/>
-            </a:p>
-          </p:txBody>
-        </p:sp>
-        <p:sp>
-          <p:nvSpPr>
-            <p:cNvPr id="77" name="Rectangle 76">
-              <a:extLst>
-                <a:ext uri="{FF2B5EF4-FFF2-40B4-BE49-F238E27FC236}">
-                  <a16:creationId xmlns:a16="http://schemas.microsoft.com/office/drawing/2014/main" id="{1E547BA6-BAE0-43BB-A7CA-60F69CE252F0}"/>
-                </a:ext>
-                <a:ext uri="{C183D7F6-B498-43B3-948B-1728B52AA6E4}">
-                  <adec:decorative xmlns:adec="http://schemas.microsoft.com/office/drawing/2017/decorative" val="1"/>
-                </a:ext>
-              </a:extLst>
-            </p:cNvPr>
-            <p:cNvSpPr/>
-            <p:nvPr>
-              <p:extLst>
-                <p:ext uri="{386F3935-93C4-4BCD-93E2-E3B085C9AB24}">
-                  <p16:designElem xmlns:p16="http://schemas.microsoft.com/office/powerpoint/2015/main" val="1"/>
-                </p:ext>
-              </p:extLst>
-            </p:nvPr>
-          </p:nvSpPr>
-          <p:spPr>
-            <a:xfrm rot="2700000">
-              <a:off x="427916" y="5728708"/>
-              <a:ext cx="485578" cy="485578"/>
-            </a:xfrm>
-            <a:prstGeom prst="rect">
-              <a:avLst/>
-            </a:prstGeom>
-            <a:solidFill>
-              <a:schemeClr val="accent1">
-                <a:alpha val="30000"/>
-              </a:schemeClr>
-            </a:solidFill>
-            <a:ln>
-              <a:noFill/>
-            </a:ln>
-          </p:spPr>
-          <p:style>
-            <a:lnRef idx="2">
-              <a:schemeClr val="accent1">
-                <a:shade val="50000"/>
-              </a:schemeClr>
-            </a:lnRef>
-            <a:fillRef idx="1">
-              <a:schemeClr val="accent1"/>
-            </a:fillRef>
-            <a:effectRef idx="0">
-              <a:schemeClr val="accent1"/>
-            </a:effectRef>
-            <a:fontRef idx="minor">
-              <a:schemeClr val="lt1"/>
-            </a:fontRef>
-          </p:style>
-          <p:txBody>
-            <a:bodyPr rtlCol="0" anchor="ctr"/>
-            <a:lstStyle/>
-            <a:p>
-              <a:pPr algn="ctr"/>
-              <a:endParaRPr lang="en-US"/>
-            </a:p>
-          </p:txBody>
-        </p:sp>
-      </p:grpSp>
+              <a:t> </a:t>
+            </a:r>
+            <a:r>
+              <a:rPr lang="en-US" sz="2000" dirty="0" err="1"/>
+              <a:t>kế</a:t>
+            </a:r>
+            <a:r>
+              <a:rPr lang="en-US" sz="2000" dirty="0"/>
+              <a:t> </a:t>
+            </a:r>
+            <a:r>
+              <a:rPr lang="en-US" sz="2000" dirty="0" err="1"/>
+              <a:t>phần</a:t>
+            </a:r>
+            <a:r>
+              <a:rPr lang="en-US" sz="2000" dirty="0"/>
+              <a:t> </a:t>
+            </a:r>
+            <a:r>
+              <a:rPr lang="en-US" sz="2000" dirty="0" err="1"/>
+              <a:t>mềm</a:t>
+            </a:r>
+            <a:r>
+              <a:rPr lang="en-US" sz="2000" dirty="0"/>
+              <a:t> </a:t>
+            </a:r>
+            <a:r>
+              <a:rPr lang="en-US" sz="2000" dirty="0" err="1"/>
+              <a:t>lấy</a:t>
+            </a:r>
+            <a:r>
+              <a:rPr lang="en-US" sz="2000" dirty="0"/>
+              <a:t> </a:t>
+            </a:r>
+            <a:r>
+              <a:rPr lang="en-US" sz="2000" dirty="0" err="1"/>
+              <a:t>nghiệp</a:t>
+            </a:r>
+            <a:r>
+              <a:rPr lang="en-US" sz="2000" dirty="0"/>
+              <a:t> </a:t>
+            </a:r>
+            <a:r>
+              <a:rPr lang="en-US" sz="2000" dirty="0" err="1"/>
+              <a:t>vụ</a:t>
+            </a:r>
+            <a:r>
+              <a:rPr lang="en-US" sz="2000" dirty="0"/>
+              <a:t> (domain) </a:t>
+            </a:r>
+            <a:r>
+              <a:rPr lang="en-US" sz="2000" dirty="0" err="1"/>
+              <a:t>làm</a:t>
+            </a:r>
+            <a:r>
+              <a:rPr lang="en-US" sz="2000" dirty="0"/>
+              <a:t> </a:t>
+            </a:r>
+            <a:r>
+              <a:rPr lang="en-US" sz="2000" dirty="0" err="1"/>
+              <a:t>trung</a:t>
+            </a:r>
+            <a:r>
+              <a:rPr lang="en-US" sz="2000" dirty="0"/>
+              <a:t> </a:t>
+            </a:r>
+            <a:r>
+              <a:rPr lang="en-US" sz="2000" dirty="0" err="1"/>
+              <a:t>tâm</a:t>
+            </a:r>
+            <a:endParaRPr lang="en-US" sz="2000" dirty="0"/>
+          </a:p>
+          <a:p>
+            <a:r>
+              <a:rPr lang="en-US" sz="2000" dirty="0" err="1"/>
+              <a:t>Việc</a:t>
+            </a:r>
+            <a:r>
+              <a:rPr lang="en-US" sz="2000" dirty="0"/>
+              <a:t> </a:t>
+            </a:r>
+            <a:r>
+              <a:rPr lang="en-US" sz="2000" dirty="0" err="1"/>
+              <a:t>thiết</a:t>
+            </a:r>
+            <a:r>
+              <a:rPr lang="en-US" sz="2000" dirty="0"/>
+              <a:t> </a:t>
+            </a:r>
+            <a:r>
+              <a:rPr lang="en-US" sz="2000" dirty="0" err="1"/>
+              <a:t>kế</a:t>
+            </a:r>
+            <a:r>
+              <a:rPr lang="en-US" sz="2000" dirty="0"/>
+              <a:t> model </a:t>
+            </a:r>
+            <a:r>
+              <a:rPr lang="en-US" sz="2000" dirty="0" err="1"/>
+              <a:t>của</a:t>
+            </a:r>
+            <a:r>
+              <a:rPr lang="en-US" sz="2000" dirty="0"/>
+              <a:t> domain </a:t>
+            </a:r>
+            <a:r>
+              <a:rPr lang="en-US" sz="2000" dirty="0" err="1"/>
+              <a:t>là</a:t>
+            </a:r>
+            <a:r>
+              <a:rPr lang="en-US" sz="2000" dirty="0"/>
+              <a:t> </a:t>
+            </a:r>
+            <a:r>
+              <a:rPr lang="en-US" sz="2000" dirty="0" err="1"/>
+              <a:t>quan</a:t>
+            </a:r>
+            <a:r>
+              <a:rPr lang="en-US" sz="2000" dirty="0"/>
+              <a:t> </a:t>
+            </a:r>
+            <a:r>
+              <a:rPr lang="en-US" sz="2000" dirty="0" err="1"/>
+              <a:t>trọng</a:t>
+            </a:r>
+            <a:endParaRPr lang="en-US" sz="2000" dirty="0"/>
+          </a:p>
+          <a:p>
+            <a:pPr marL="0" indent="0">
+              <a:buNone/>
+            </a:pPr>
+            <a:endParaRPr lang="en-US" sz="2000" dirty="0"/>
+          </a:p>
+        </p:txBody>
+      </p:sp>
       <p:pic>
         <p:nvPicPr>
-          <p:cNvPr id="1026" name="Picture 2" descr="Three Tier (Three Layer) Architecture in Spring MVC Web Application">
-            <a:extLst>
-              <a:ext uri="{FF2B5EF4-FFF2-40B4-BE49-F238E27FC236}">
-                <a16:creationId xmlns:a16="http://schemas.microsoft.com/office/drawing/2014/main" id="{DFCAAF07-11FC-42EF-8CDA-24CF2B0387D2}"/>
+          <p:cNvPr id="2052" name="Picture 4" descr="Book Review: Domain-Driven Design | by Matt Carroll | Medium">
+            <a:extLst>
+              <a:ext uri="{FF2B5EF4-FFF2-40B4-BE49-F238E27FC236}">
+                <a16:creationId xmlns:a16="http://schemas.microsoft.com/office/drawing/2014/main" id="{FFA774C3-F524-4974-8BEE-C0A3072AB2DA}"/>
               </a:ext>
             </a:extLst>
           </p:cNvPr>
@@ -4326,18 +5123,19 @@
               </a:ext>
             </a:extLst>
           </a:blip>
-          <a:srcRect t="22435"/>
+          <a:srcRect l="5904" r="4568"/>
           <a:stretch/>
         </p:blipFill>
         <p:spPr bwMode="auto">
           <a:xfrm>
-            <a:off x="5295320" y="1779204"/>
-            <a:ext cx="6253212" cy="2970801"/>
+            <a:off x="20" y="10"/>
+            <a:ext cx="4635571" cy="6857990"/>
           </a:xfrm>
           <a:prstGeom prst="rect">
             <a:avLst/>
           </a:prstGeom>
           <a:noFill/>
+          <a:effectLst/>
           <a:extLst>
             <a:ext uri="{909E8E84-426E-40DD-AFC4-6F175D3DCCD1}">
               <a14:hiddenFill xmlns:a14="http://schemas.microsoft.com/office/drawing/2010/main">
@@ -4349,21 +5147,21 @@
           </a:extLst>
         </p:spPr>
       </p:pic>
-      <p:grpSp>
-        <p:nvGrpSpPr>
-          <p:cNvPr id="79" name="Group 78">
-            <a:extLst>
-              <a:ext uri="{FF2B5EF4-FFF2-40B4-BE49-F238E27FC236}">
-                <a16:creationId xmlns:a16="http://schemas.microsoft.com/office/drawing/2014/main" id="{5995D10D-E9C9-47DB-AE7E-801FEF38F5C9}"/>
+      <p:cxnSp>
+        <p:nvCxnSpPr>
+          <p:cNvPr id="73" name="Straight Connector 72">
+            <a:extLst>
+              <a:ext uri="{FF2B5EF4-FFF2-40B4-BE49-F238E27FC236}">
+                <a16:creationId xmlns:a16="http://schemas.microsoft.com/office/drawing/2014/main" id="{A7F400EE-A8A5-48AF-B4D6-291B52C6F0B0}"/>
               </a:ext>
               <a:ext uri="{C183D7F6-B498-43B3-948B-1728B52AA6E4}">
                 <adec:decorative xmlns:adec="http://schemas.microsoft.com/office/drawing/2017/decorative" val="1"/>
               </a:ext>
             </a:extLst>
           </p:cNvPr>
-          <p:cNvGrpSpPr>
-            <a:grpSpLocks noGrp="1" noUngrp="1" noRot="1" noChangeAspect="1" noMove="1" noResize="1"/>
-          </p:cNvGrpSpPr>
+          <p:cNvCxnSpPr>
+            <a:cxnSpLocks noGrp="1" noRot="1" noChangeAspect="1" noMove="1" noResize="1" noEditPoints="1" noAdjustHandles="1" noChangeArrowheads="1" noChangeShapeType="1"/>
+          </p:cNvCxnSpPr>
           <p:nvPr>
             <p:extLst>
               <p:ext uri="{386F3935-93C4-4BCD-93E2-E3B085C9AB24}">
@@ -4371,148 +5169,40 @@
               </p:ext>
             </p:extLst>
           </p:nvPr>
-        </p:nvGrpSpPr>
-        <p:grpSpPr>
+        </p:nvCxnSpPr>
+        <p:spPr>
           <a:xfrm>
-            <a:off x="11219290" y="1"/>
-            <a:ext cx="972709" cy="1935307"/>
-            <a:chOff x="10918968" y="713127"/>
-            <a:chExt cx="1273032" cy="2532832"/>
+            <a:off x="5080934" y="2115117"/>
+            <a:ext cx="6309360" cy="0"/>
           </a:xfrm>
-        </p:grpSpPr>
-        <p:sp>
-          <p:nvSpPr>
-            <p:cNvPr id="80" name="Rectangle 79">
-              <a:extLst>
-                <a:ext uri="{FF2B5EF4-FFF2-40B4-BE49-F238E27FC236}">
-                  <a16:creationId xmlns:a16="http://schemas.microsoft.com/office/drawing/2014/main" id="{CC1A72C6-3DE4-4EC3-9AD5-9E0D40D8CE8A}"/>
-                </a:ext>
-                <a:ext uri="{C183D7F6-B498-43B3-948B-1728B52AA6E4}">
-                  <adec:decorative xmlns:adec="http://schemas.microsoft.com/office/drawing/2017/decorative" val="1"/>
-                </a:ext>
-              </a:extLst>
-            </p:cNvPr>
-            <p:cNvSpPr/>
-            <p:nvPr>
-              <p:extLst>
-                <p:ext uri="{386F3935-93C4-4BCD-93E2-E3B085C9AB24}">
-                  <p16:designElem xmlns:p16="http://schemas.microsoft.com/office/powerpoint/2015/main" val="1"/>
-                </p:ext>
-              </p:extLst>
-            </p:nvPr>
-          </p:nvSpPr>
-          <p:spPr>
-            <a:xfrm rot="2700000">
-              <a:off x="11052629" y="2120024"/>
-              <a:ext cx="645368" cy="645368"/>
-            </a:xfrm>
-            <a:prstGeom prst="rect">
-              <a:avLst/>
-            </a:prstGeom>
+          <a:prstGeom prst="line">
+            <a:avLst/>
+          </a:prstGeom>
+          <a:ln w="19050">
             <a:solidFill>
-              <a:schemeClr val="accent4">
-                <a:alpha val="30000"/>
-              </a:schemeClr>
+              <a:srgbClr val="03CAE5"/>
             </a:solidFill>
-            <a:ln>
-              <a:noFill/>
-            </a:ln>
-          </p:spPr>
-          <p:style>
-            <a:lnRef idx="2">
-              <a:schemeClr val="accent1">
-                <a:shade val="50000"/>
-              </a:schemeClr>
-            </a:lnRef>
-            <a:fillRef idx="1">
-              <a:schemeClr val="accent1"/>
-            </a:fillRef>
-            <a:effectRef idx="0">
-              <a:schemeClr val="accent1"/>
-            </a:effectRef>
-            <a:fontRef idx="minor">
-              <a:schemeClr val="lt1"/>
-            </a:fontRef>
-          </p:style>
-          <p:txBody>
-            <a:bodyPr rtlCol="0" anchor="ctr"/>
-            <a:lstStyle/>
-            <a:p>
-              <a:pPr algn="ctr"/>
-              <a:endParaRPr lang="en-US"/>
-            </a:p>
-          </p:txBody>
-        </p:sp>
-        <p:sp>
-          <p:nvSpPr>
-            <p:cNvPr id="81" name="Isosceles Triangle 80">
-              <a:extLst>
-                <a:ext uri="{FF2B5EF4-FFF2-40B4-BE49-F238E27FC236}">
-                  <a16:creationId xmlns:a16="http://schemas.microsoft.com/office/drawing/2014/main" id="{0B0DA1F1-C391-4EDF-9FE0-23E86E137765}"/>
-                </a:ext>
-                <a:ext uri="{C183D7F6-B498-43B3-948B-1728B52AA6E4}">
-                  <adec:decorative xmlns:adec="http://schemas.microsoft.com/office/drawing/2017/decorative" val="1"/>
-                </a:ext>
-              </a:extLst>
-            </p:cNvPr>
-            <p:cNvSpPr/>
-            <p:nvPr>
-              <p:extLst>
-                <p:ext uri="{386F3935-93C4-4BCD-93E2-E3B085C9AB24}">
-                  <p16:designElem xmlns:p16="http://schemas.microsoft.com/office/powerpoint/2015/main" val="1"/>
-                </p:ext>
-              </p:extLst>
-            </p:nvPr>
-          </p:nvSpPr>
-          <p:spPr>
-            <a:xfrm rot="16200000">
-              <a:off x="10289068" y="1343027"/>
-              <a:ext cx="2532832" cy="1273032"/>
-            </a:xfrm>
-            <a:prstGeom prst="triangle">
-              <a:avLst>
-                <a:gd name="adj" fmla="val 50000"/>
-              </a:avLst>
-            </a:prstGeom>
-            <a:solidFill>
-              <a:schemeClr val="accent4">
-                <a:alpha val="30000"/>
-              </a:schemeClr>
-            </a:solidFill>
-            <a:ln>
-              <a:noFill/>
-            </a:ln>
-          </p:spPr>
-          <p:style>
-            <a:lnRef idx="2">
-              <a:schemeClr val="accent1">
-                <a:shade val="50000"/>
-              </a:schemeClr>
-            </a:lnRef>
-            <a:fillRef idx="1">
-              <a:schemeClr val="accent1"/>
-            </a:fillRef>
-            <a:effectRef idx="0">
-              <a:schemeClr val="accent1"/>
-            </a:effectRef>
-            <a:fontRef idx="minor">
-              <a:schemeClr val="lt1"/>
-            </a:fontRef>
-          </p:style>
-          <p:txBody>
-            <a:bodyPr rtlCol="0" anchor="ctr"/>
-            <a:lstStyle/>
-            <a:p>
-              <a:pPr algn="ctr"/>
-              <a:endParaRPr lang="en-US" dirty="0"/>
-            </a:p>
-          </p:txBody>
-        </p:sp>
-      </p:grpSp>
+          </a:ln>
+        </p:spPr>
+        <p:style>
+          <a:lnRef idx="1">
+            <a:schemeClr val="accent1"/>
+          </a:lnRef>
+          <a:fillRef idx="0">
+            <a:schemeClr val="accent1"/>
+          </a:fillRef>
+          <a:effectRef idx="0">
+            <a:schemeClr val="accent1"/>
+          </a:effectRef>
+          <a:fontRef idx="minor">
+            <a:schemeClr val="tx1"/>
+          </a:fontRef>
+        </p:style>
+      </p:cxnSp>
     </p:spTree>
     <p:extLst>
       <p:ext uri="{BB962C8B-B14F-4D97-AF65-F5344CB8AC3E}">
-        <p14:creationId xmlns:p14="http://schemas.microsoft.com/office/powerpoint/2010/main" val="3442977631"/>
+        <p14:creationId xmlns:p14="http://schemas.microsoft.com/office/powerpoint/2010/main" val="3072600446"/>
       </p:ext>
     </p:extLst>
   </p:cSld>
@@ -4523,549 +5213,6 @@
 </file>
 
 <file path=ppt/slides/slide4.xml><?xml version="1.0" encoding="utf-8"?>
-<p:sld xmlns:a="http://schemas.openxmlformats.org/drawingml/2006/main" xmlns:r="http://schemas.openxmlformats.org/officeDocument/2006/relationships" xmlns:p="http://schemas.openxmlformats.org/presentationml/2006/main">
-  <p:cSld>
-    <p:bg>
-      <p:bgPr>
-        <a:solidFill>
-          <a:schemeClr val="bg1"/>
-        </a:solidFill>
-        <a:effectLst/>
-      </p:bgPr>
-    </p:bg>
-    <p:spTree>
-      <p:nvGrpSpPr>
-        <p:cNvPr id="1" name=""/>
-        <p:cNvGrpSpPr/>
-        <p:nvPr/>
-      </p:nvGrpSpPr>
-      <p:grpSpPr>
-        <a:xfrm>
-          <a:off x="0" y="0"/>
-          <a:ext cx="0" cy="0"/>
-          <a:chOff x="0" y="0"/>
-          <a:chExt cx="0" cy="0"/>
-        </a:xfrm>
-      </p:grpSpPr>
-      <p:sp>
-        <p:nvSpPr>
-          <p:cNvPr id="85" name="Rectangle 84">
-            <a:extLst>
-              <a:ext uri="{FF2B5EF4-FFF2-40B4-BE49-F238E27FC236}">
-                <a16:creationId xmlns:a16="http://schemas.microsoft.com/office/drawing/2014/main" id="{2B566528-1B12-4246-9431-5C2D7D081168}"/>
-              </a:ext>
-              <a:ext uri="{C183D7F6-B498-43B3-948B-1728B52AA6E4}">
-                <adec:decorative xmlns:adec="http://schemas.microsoft.com/office/drawing/2017/decorative" val="1"/>
-              </a:ext>
-            </a:extLst>
-          </p:cNvPr>
-          <p:cNvSpPr>
-            <a:spLocks noGrp="1" noRot="1" noChangeAspect="1" noMove="1" noResize="1" noEditPoints="1" noAdjustHandles="1" noChangeArrowheads="1" noChangeShapeType="1" noTextEdit="1"/>
-          </p:cNvSpPr>
-          <p:nvPr>
-            <p:extLst>
-              <p:ext uri="{386F3935-93C4-4BCD-93E2-E3B085C9AB24}">
-                <p16:designElem xmlns:p16="http://schemas.microsoft.com/office/powerpoint/2015/main" val="1"/>
-              </p:ext>
-            </p:extLst>
-          </p:nvPr>
-        </p:nvSpPr>
-        <p:spPr>
-          <a:xfrm>
-            <a:off x="0" y="0"/>
-            <a:ext cx="12192000" cy="6858000"/>
-          </a:xfrm>
-          <a:prstGeom prst="rect">
-            <a:avLst/>
-          </a:prstGeom>
-          <a:solidFill>
-            <a:schemeClr val="bg1"/>
-          </a:solidFill>
-          <a:ln>
-            <a:noFill/>
-          </a:ln>
-        </p:spPr>
-        <p:style>
-          <a:lnRef idx="2">
-            <a:schemeClr val="accent1">
-              <a:shade val="50000"/>
-            </a:schemeClr>
-          </a:lnRef>
-          <a:fillRef idx="1">
-            <a:schemeClr val="accent1"/>
-          </a:fillRef>
-          <a:effectRef idx="0">
-            <a:schemeClr val="accent1"/>
-          </a:effectRef>
-          <a:fontRef idx="minor">
-            <a:schemeClr val="lt1"/>
-          </a:fontRef>
-        </p:style>
-        <p:txBody>
-          <a:bodyPr rtlCol="0" anchor="ctr"/>
-          <a:lstStyle/>
-          <a:p>
-            <a:pPr algn="ctr"/>
-            <a:endParaRPr lang="en-US" dirty="0"/>
-          </a:p>
-        </p:txBody>
-      </p:sp>
-      <p:sp>
-        <p:nvSpPr>
-          <p:cNvPr id="2" name="Title 1">
-            <a:extLst>
-              <a:ext uri="{FF2B5EF4-FFF2-40B4-BE49-F238E27FC236}">
-                <a16:creationId xmlns:a16="http://schemas.microsoft.com/office/drawing/2014/main" id="{441EABB6-E96D-4523-B553-EC9574A436BD}"/>
-              </a:ext>
-            </a:extLst>
-          </p:cNvPr>
-          <p:cNvSpPr>
-            <a:spLocks noGrp="1"/>
-          </p:cNvSpPr>
-          <p:nvPr>
-            <p:ph type="title"/>
-          </p:nvPr>
-        </p:nvSpPr>
-        <p:spPr>
-          <a:xfrm>
-            <a:off x="643467" y="321734"/>
-            <a:ext cx="10905066" cy="1135737"/>
-          </a:xfrm>
-        </p:spPr>
-        <p:txBody>
-          <a:bodyPr>
-            <a:normAutofit/>
-          </a:bodyPr>
-          <a:lstStyle/>
-          <a:p>
-            <a:r>
-              <a:rPr lang="en-US" sz="3600" dirty="0"/>
-              <a:t>Domain Driven Design</a:t>
-            </a:r>
-          </a:p>
-        </p:txBody>
-      </p:sp>
-      <p:sp>
-        <p:nvSpPr>
-          <p:cNvPr id="2054" name="Content Placeholder 2053">
-            <a:extLst>
-              <a:ext uri="{FF2B5EF4-FFF2-40B4-BE49-F238E27FC236}">
-                <a16:creationId xmlns:a16="http://schemas.microsoft.com/office/drawing/2014/main" id="{DD801C4B-868D-4DA0-8B2B-0A702CF23ADC}"/>
-              </a:ext>
-            </a:extLst>
-          </p:cNvPr>
-          <p:cNvSpPr>
-            <a:spLocks noGrp="1"/>
-          </p:cNvSpPr>
-          <p:nvPr>
-            <p:ph idx="1"/>
-          </p:nvPr>
-        </p:nvSpPr>
-        <p:spPr>
-          <a:xfrm>
-            <a:off x="643469" y="1782981"/>
-            <a:ext cx="4008384" cy="4393982"/>
-          </a:xfrm>
-        </p:spPr>
-        <p:txBody>
-          <a:bodyPr>
-            <a:normAutofit/>
-          </a:bodyPr>
-          <a:lstStyle/>
-          <a:p>
-            <a:r>
-              <a:rPr lang="en-US" sz="2000" dirty="0"/>
-              <a:t>Loosely Coupled</a:t>
-            </a:r>
-          </a:p>
-          <a:p>
-            <a:r>
-              <a:rPr lang="en-US" sz="2000" dirty="0"/>
-              <a:t>Domain Expert</a:t>
-            </a:r>
-          </a:p>
-        </p:txBody>
-      </p:sp>
-      <p:grpSp>
-        <p:nvGrpSpPr>
-          <p:cNvPr id="87" name="Group 86">
-            <a:extLst>
-              <a:ext uri="{FF2B5EF4-FFF2-40B4-BE49-F238E27FC236}">
-                <a16:creationId xmlns:a16="http://schemas.microsoft.com/office/drawing/2014/main" id="{828A5161-06F1-46CF-8AD7-844680A59E13}"/>
-              </a:ext>
-              <a:ext uri="{C183D7F6-B498-43B3-948B-1728B52AA6E4}">
-                <adec:decorative xmlns:adec="http://schemas.microsoft.com/office/drawing/2017/decorative" val="1"/>
-              </a:ext>
-            </a:extLst>
-          </p:cNvPr>
-          <p:cNvGrpSpPr>
-            <a:grpSpLocks noGrp="1" noUngrp="1" noRot="1" noChangeAspect="1" noMove="1" noResize="1"/>
-          </p:cNvGrpSpPr>
-          <p:nvPr>
-            <p:extLst>
-              <p:ext uri="{386F3935-93C4-4BCD-93E2-E3B085C9AB24}">
-                <p16:designElem xmlns:p16="http://schemas.microsoft.com/office/powerpoint/2015/main" val="1"/>
-              </p:ext>
-            </p:extLst>
-          </p:nvPr>
-        </p:nvGrpSpPr>
-        <p:grpSpPr>
-          <a:xfrm>
-            <a:off x="0" y="4601497"/>
-            <a:ext cx="1014060" cy="2017580"/>
-            <a:chOff x="0" y="4601497"/>
-            <a:chExt cx="1014060" cy="2017580"/>
-          </a:xfrm>
-        </p:grpSpPr>
-        <p:sp>
-          <p:nvSpPr>
-            <p:cNvPr id="88" name="Isosceles Triangle 87">
-              <a:extLst>
-                <a:ext uri="{FF2B5EF4-FFF2-40B4-BE49-F238E27FC236}">
-                  <a16:creationId xmlns:a16="http://schemas.microsoft.com/office/drawing/2014/main" id="{D3F51FEB-38FB-4F6C-9F7B-2F2AFAB65463}"/>
-                </a:ext>
-                <a:ext uri="{C183D7F6-B498-43B3-948B-1728B52AA6E4}">
-                  <adec:decorative xmlns:adec="http://schemas.microsoft.com/office/drawing/2017/decorative" val="1"/>
-                </a:ext>
-              </a:extLst>
-            </p:cNvPr>
-            <p:cNvSpPr/>
-            <p:nvPr>
-              <p:extLst>
-                <p:ext uri="{386F3935-93C4-4BCD-93E2-E3B085C9AB24}">
-                  <p16:designElem xmlns:p16="http://schemas.microsoft.com/office/powerpoint/2015/main" val="1"/>
-                </p:ext>
-              </p:extLst>
-            </p:nvPr>
-          </p:nvSpPr>
-          <p:spPr>
-            <a:xfrm rot="5400000">
-              <a:off x="-501760" y="5103257"/>
-              <a:ext cx="2017580" cy="1014060"/>
-            </a:xfrm>
-            <a:prstGeom prst="triangle">
-              <a:avLst>
-                <a:gd name="adj" fmla="val 50000"/>
-              </a:avLst>
-            </a:prstGeom>
-            <a:solidFill>
-              <a:schemeClr val="accent1">
-                <a:alpha val="30000"/>
-              </a:schemeClr>
-            </a:solidFill>
-            <a:ln>
-              <a:noFill/>
-            </a:ln>
-          </p:spPr>
-          <p:style>
-            <a:lnRef idx="2">
-              <a:schemeClr val="accent1">
-                <a:shade val="50000"/>
-              </a:schemeClr>
-            </a:lnRef>
-            <a:fillRef idx="1">
-              <a:schemeClr val="accent1"/>
-            </a:fillRef>
-            <a:effectRef idx="0">
-              <a:schemeClr val="accent1"/>
-            </a:effectRef>
-            <a:fontRef idx="minor">
-              <a:schemeClr val="lt1"/>
-            </a:fontRef>
-          </p:style>
-          <p:txBody>
-            <a:bodyPr rtlCol="0" anchor="ctr"/>
-            <a:lstStyle/>
-            <a:p>
-              <a:pPr algn="ctr"/>
-              <a:endParaRPr lang="en-US"/>
-            </a:p>
-          </p:txBody>
-        </p:sp>
-        <p:sp>
-          <p:nvSpPr>
-            <p:cNvPr id="89" name="Rectangle 88">
-              <a:extLst>
-                <a:ext uri="{FF2B5EF4-FFF2-40B4-BE49-F238E27FC236}">
-                  <a16:creationId xmlns:a16="http://schemas.microsoft.com/office/drawing/2014/main" id="{1E547BA6-BAE0-43BB-A7CA-60F69CE252F0}"/>
-                </a:ext>
-                <a:ext uri="{C183D7F6-B498-43B3-948B-1728B52AA6E4}">
-                  <adec:decorative xmlns:adec="http://schemas.microsoft.com/office/drawing/2017/decorative" val="1"/>
-                </a:ext>
-              </a:extLst>
-            </p:cNvPr>
-            <p:cNvSpPr/>
-            <p:nvPr>
-              <p:extLst>
-                <p:ext uri="{386F3935-93C4-4BCD-93E2-E3B085C9AB24}">
-                  <p16:designElem xmlns:p16="http://schemas.microsoft.com/office/powerpoint/2015/main" val="1"/>
-                </p:ext>
-              </p:extLst>
-            </p:nvPr>
-          </p:nvSpPr>
-          <p:spPr>
-            <a:xfrm rot="2700000">
-              <a:off x="427916" y="5728708"/>
-              <a:ext cx="485578" cy="485578"/>
-            </a:xfrm>
-            <a:prstGeom prst="rect">
-              <a:avLst/>
-            </a:prstGeom>
-            <a:solidFill>
-              <a:schemeClr val="accent1">
-                <a:alpha val="30000"/>
-              </a:schemeClr>
-            </a:solidFill>
-            <a:ln>
-              <a:noFill/>
-            </a:ln>
-          </p:spPr>
-          <p:style>
-            <a:lnRef idx="2">
-              <a:schemeClr val="accent1">
-                <a:shade val="50000"/>
-              </a:schemeClr>
-            </a:lnRef>
-            <a:fillRef idx="1">
-              <a:schemeClr val="accent1"/>
-            </a:fillRef>
-            <a:effectRef idx="0">
-              <a:schemeClr val="accent1"/>
-            </a:effectRef>
-            <a:fontRef idx="minor">
-              <a:schemeClr val="lt1"/>
-            </a:fontRef>
-          </p:style>
-          <p:txBody>
-            <a:bodyPr rtlCol="0" anchor="ctr"/>
-            <a:lstStyle/>
-            <a:p>
-              <a:pPr algn="ctr"/>
-              <a:endParaRPr lang="en-US"/>
-            </a:p>
-          </p:txBody>
-        </p:sp>
-      </p:grpSp>
-      <p:pic>
-        <p:nvPicPr>
-          <p:cNvPr id="4" name="Picture 6" descr="architect">
-            <a:extLst>
-              <a:ext uri="{FF2B5EF4-FFF2-40B4-BE49-F238E27FC236}">
-                <a16:creationId xmlns:a16="http://schemas.microsoft.com/office/drawing/2014/main" id="{83F1A67D-FD9C-4A0C-982E-0F325A28B935}"/>
-              </a:ext>
-            </a:extLst>
-          </p:cNvPr>
-          <p:cNvPicPr>
-            <a:picLocks noChangeAspect="1" noChangeArrowheads="1"/>
-          </p:cNvPicPr>
-          <p:nvPr/>
-        </p:nvPicPr>
-        <p:blipFill>
-          <a:blip r:embed="rId2">
-            <a:extLst>
-              <a:ext uri="{28A0092B-C50C-407E-A947-70E740481C1C}">
-                <a14:useLocalDpi xmlns:a14="http://schemas.microsoft.com/office/drawing/2010/main" val="0"/>
-              </a:ext>
-            </a:extLst>
-          </a:blip>
-          <a:stretch>
-            <a:fillRect/>
-          </a:stretch>
-        </p:blipFill>
-        <p:spPr bwMode="auto">
-          <a:xfrm>
-            <a:off x="5295320" y="2267744"/>
-            <a:ext cx="6253212" cy="3392366"/>
-          </a:xfrm>
-          <a:prstGeom prst="rect">
-            <a:avLst/>
-          </a:prstGeom>
-          <a:noFill/>
-          <a:extLst>
-            <a:ext uri="{909E8E84-426E-40DD-AFC4-6F175D3DCCD1}">
-              <a14:hiddenFill xmlns:a14="http://schemas.microsoft.com/office/drawing/2010/main">
-                <a:solidFill>
-                  <a:srgbClr val="FFFFFF"/>
-                </a:solidFill>
-              </a14:hiddenFill>
-            </a:ext>
-          </a:extLst>
-        </p:spPr>
-      </p:pic>
-      <p:grpSp>
-        <p:nvGrpSpPr>
-          <p:cNvPr id="91" name="Group 90">
-            <a:extLst>
-              <a:ext uri="{FF2B5EF4-FFF2-40B4-BE49-F238E27FC236}">
-                <a16:creationId xmlns:a16="http://schemas.microsoft.com/office/drawing/2014/main" id="{5995D10D-E9C9-47DB-AE7E-801FEF38F5C9}"/>
-              </a:ext>
-              <a:ext uri="{C183D7F6-B498-43B3-948B-1728B52AA6E4}">
-                <adec:decorative xmlns:adec="http://schemas.microsoft.com/office/drawing/2017/decorative" val="1"/>
-              </a:ext>
-            </a:extLst>
-          </p:cNvPr>
-          <p:cNvGrpSpPr>
-            <a:grpSpLocks noGrp="1" noUngrp="1" noRot="1" noChangeAspect="1" noMove="1" noResize="1"/>
-          </p:cNvGrpSpPr>
-          <p:nvPr>
-            <p:extLst>
-              <p:ext uri="{386F3935-93C4-4BCD-93E2-E3B085C9AB24}">
-                <p16:designElem xmlns:p16="http://schemas.microsoft.com/office/powerpoint/2015/main" val="1"/>
-              </p:ext>
-            </p:extLst>
-          </p:nvPr>
-        </p:nvGrpSpPr>
-        <p:grpSpPr>
-          <a:xfrm>
-            <a:off x="11219290" y="1"/>
-            <a:ext cx="972709" cy="1935307"/>
-            <a:chOff x="10918968" y="713127"/>
-            <a:chExt cx="1273032" cy="2532832"/>
-          </a:xfrm>
-        </p:grpSpPr>
-        <p:sp>
-          <p:nvSpPr>
-            <p:cNvPr id="92" name="Rectangle 91">
-              <a:extLst>
-                <a:ext uri="{FF2B5EF4-FFF2-40B4-BE49-F238E27FC236}">
-                  <a16:creationId xmlns:a16="http://schemas.microsoft.com/office/drawing/2014/main" id="{CC1A72C6-3DE4-4EC3-9AD5-9E0D40D8CE8A}"/>
-                </a:ext>
-                <a:ext uri="{C183D7F6-B498-43B3-948B-1728B52AA6E4}">
-                  <adec:decorative xmlns:adec="http://schemas.microsoft.com/office/drawing/2017/decorative" val="1"/>
-                </a:ext>
-              </a:extLst>
-            </p:cNvPr>
-            <p:cNvSpPr/>
-            <p:nvPr>
-              <p:extLst>
-                <p:ext uri="{386F3935-93C4-4BCD-93E2-E3B085C9AB24}">
-                  <p16:designElem xmlns:p16="http://schemas.microsoft.com/office/powerpoint/2015/main" val="1"/>
-                </p:ext>
-              </p:extLst>
-            </p:nvPr>
-          </p:nvSpPr>
-          <p:spPr>
-            <a:xfrm rot="2700000">
-              <a:off x="11052629" y="2120024"/>
-              <a:ext cx="645368" cy="645368"/>
-            </a:xfrm>
-            <a:prstGeom prst="rect">
-              <a:avLst/>
-            </a:prstGeom>
-            <a:solidFill>
-              <a:schemeClr val="accent4">
-                <a:alpha val="30000"/>
-              </a:schemeClr>
-            </a:solidFill>
-            <a:ln>
-              <a:noFill/>
-            </a:ln>
-          </p:spPr>
-          <p:style>
-            <a:lnRef idx="2">
-              <a:schemeClr val="accent1">
-                <a:shade val="50000"/>
-              </a:schemeClr>
-            </a:lnRef>
-            <a:fillRef idx="1">
-              <a:schemeClr val="accent1"/>
-            </a:fillRef>
-            <a:effectRef idx="0">
-              <a:schemeClr val="accent1"/>
-            </a:effectRef>
-            <a:fontRef idx="minor">
-              <a:schemeClr val="lt1"/>
-            </a:fontRef>
-          </p:style>
-          <p:txBody>
-            <a:bodyPr rtlCol="0" anchor="ctr"/>
-            <a:lstStyle/>
-            <a:p>
-              <a:pPr algn="ctr"/>
-              <a:endParaRPr lang="en-US"/>
-            </a:p>
-          </p:txBody>
-        </p:sp>
-        <p:sp>
-          <p:nvSpPr>
-            <p:cNvPr id="93" name="Isosceles Triangle 92">
-              <a:extLst>
-                <a:ext uri="{FF2B5EF4-FFF2-40B4-BE49-F238E27FC236}">
-                  <a16:creationId xmlns:a16="http://schemas.microsoft.com/office/drawing/2014/main" id="{0B0DA1F1-C391-4EDF-9FE0-23E86E137765}"/>
-                </a:ext>
-                <a:ext uri="{C183D7F6-B498-43B3-948B-1728B52AA6E4}">
-                  <adec:decorative xmlns:adec="http://schemas.microsoft.com/office/drawing/2017/decorative" val="1"/>
-                </a:ext>
-              </a:extLst>
-            </p:cNvPr>
-            <p:cNvSpPr/>
-            <p:nvPr>
-              <p:extLst>
-                <p:ext uri="{386F3935-93C4-4BCD-93E2-E3B085C9AB24}">
-                  <p16:designElem xmlns:p16="http://schemas.microsoft.com/office/powerpoint/2015/main" val="1"/>
-                </p:ext>
-              </p:extLst>
-            </p:nvPr>
-          </p:nvSpPr>
-          <p:spPr>
-            <a:xfrm rot="16200000">
-              <a:off x="10289068" y="1343027"/>
-              <a:ext cx="2532832" cy="1273032"/>
-            </a:xfrm>
-            <a:prstGeom prst="triangle">
-              <a:avLst>
-                <a:gd name="adj" fmla="val 50000"/>
-              </a:avLst>
-            </a:prstGeom>
-            <a:solidFill>
-              <a:schemeClr val="accent4">
-                <a:alpha val="30000"/>
-              </a:schemeClr>
-            </a:solidFill>
-            <a:ln>
-              <a:noFill/>
-            </a:ln>
-          </p:spPr>
-          <p:style>
-            <a:lnRef idx="2">
-              <a:schemeClr val="accent1">
-                <a:shade val="50000"/>
-              </a:schemeClr>
-            </a:lnRef>
-            <a:fillRef idx="1">
-              <a:schemeClr val="accent1"/>
-            </a:fillRef>
-            <a:effectRef idx="0">
-              <a:schemeClr val="accent1"/>
-            </a:effectRef>
-            <a:fontRef idx="minor">
-              <a:schemeClr val="lt1"/>
-            </a:fontRef>
-          </p:style>
-          <p:txBody>
-            <a:bodyPr rtlCol="0" anchor="ctr"/>
-            <a:lstStyle/>
-            <a:p>
-              <a:pPr algn="ctr"/>
-              <a:endParaRPr lang="en-US" dirty="0"/>
-            </a:p>
-          </p:txBody>
-        </p:sp>
-      </p:grpSp>
-    </p:spTree>
-    <p:extLst>
-      <p:ext uri="{BB962C8B-B14F-4D97-AF65-F5344CB8AC3E}">
-        <p14:creationId xmlns:p14="http://schemas.microsoft.com/office/powerpoint/2010/main" val="2232943842"/>
-      </p:ext>
-    </p:extLst>
-  </p:cSld>
-  <p:clrMapOvr>
-    <a:masterClrMapping/>
-  </p:clrMapOvr>
-</p:sld>
-</file>
-
-<file path=ppt/slides/slide5.xml><?xml version="1.0" encoding="utf-8"?>
 <p:sld xmlns:a="http://schemas.openxmlformats.org/drawingml/2006/main" xmlns:r="http://schemas.openxmlformats.org/officeDocument/2006/relationships" xmlns:p="http://schemas.openxmlformats.org/presentationml/2006/main">
   <p:cSld>
     <p:spTree>
@@ -5129,7 +5276,7 @@
 </p:sld>
 </file>
 
-<file path=ppt/slides/slide6.xml><?xml version="1.0" encoding="utf-8"?>
+<file path=ppt/slides/slide5.xml><?xml version="1.0" encoding="utf-8"?>
 <p:sld xmlns:a="http://schemas.openxmlformats.org/drawingml/2006/main" xmlns:r="http://schemas.openxmlformats.org/officeDocument/2006/relationships" xmlns:p="http://schemas.openxmlformats.org/presentationml/2006/main">
   <p:cSld>
     <p:bg>
@@ -5684,7 +5831,7 @@
 </p:sld>
 </file>
 
-<file path=ppt/slides/slide7.xml><?xml version="1.0" encoding="utf-8"?>
+<file path=ppt/slides/slide6.xml><?xml version="1.0" encoding="utf-8"?>
 <p:sld xmlns:a="http://schemas.openxmlformats.org/drawingml/2006/main" xmlns:r="http://schemas.openxmlformats.org/officeDocument/2006/relationships" xmlns:p="http://schemas.openxmlformats.org/presentationml/2006/main">
   <p:cSld>
     <p:bg>

--- a/DDD.pptx
+++ b/DDD.pptx
@@ -2,15 +2,20 @@
 <file path=ppt/presentation.xml><?xml version="1.0" encoding="utf-8"?>
 <p:presentation xmlns:a="http://schemas.openxmlformats.org/drawingml/2006/main" xmlns:r="http://schemas.openxmlformats.org/officeDocument/2006/relationships" xmlns:p="http://schemas.openxmlformats.org/presentationml/2006/main" saveSubsetFonts="1">
   <p:sldMasterIdLst>
-    <p:sldMasterId id="2147483648" r:id="rId1"/>
+    <p:sldMasterId id="2147483718" r:id="rId1"/>
   </p:sldMasterIdLst>
   <p:sldIdLst>
     <p:sldId id="256" r:id="rId2"/>
     <p:sldId id="257" r:id="rId3"/>
     <p:sldId id="264" r:id="rId4"/>
-    <p:sldId id="261" r:id="rId5"/>
+    <p:sldId id="269" r:id="rId5"/>
     <p:sldId id="262" r:id="rId6"/>
     <p:sldId id="263" r:id="rId7"/>
+    <p:sldId id="268" r:id="rId8"/>
+    <p:sldId id="270" r:id="rId9"/>
+    <p:sldId id="271" r:id="rId10"/>
+    <p:sldId id="273" r:id="rId11"/>
+    <p:sldId id="267" r:id="rId12"/>
   </p:sldIdLst>
   <p:sldSz cx="12192000" cy="6858000"/>
   <p:notesSz cx="6858000" cy="9144000"/>
@@ -110,6 +115,29 @@
     </a:lvl9pPr>
   </p:defaultTextStyle>
   <p:extLst>
+    <p:ext uri="{521415D9-36F7-43E2-AB2F-B90AF26B5E84}">
+      <p14:sectionLst xmlns:p14="http://schemas.microsoft.com/office/powerpoint/2010/main">
+        <p14:section name="Default Section" id="{9C698E56-C94D-4E99-9115-6FC84C6FBF94}">
+          <p14:sldIdLst>
+            <p14:sldId id="256"/>
+            <p14:sldId id="257"/>
+            <p14:sldId id="264"/>
+          </p14:sldIdLst>
+        </p14:section>
+        <p14:section name="Untitled Section" id="{C6531328-6D08-403C-8200-1F737CC321E9}">
+          <p14:sldIdLst>
+            <p14:sldId id="269"/>
+            <p14:sldId id="262"/>
+            <p14:sldId id="263"/>
+            <p14:sldId id="268"/>
+            <p14:sldId id="270"/>
+            <p14:sldId id="271"/>
+            <p14:sldId id="273"/>
+            <p14:sldId id="267"/>
+          </p14:sldIdLst>
+        </p14:section>
+      </p14:sectionLst>
+    </p:ext>
     <p:ext uri="{EFAFB233-063F-42B5-8137-9DF3F51BA10A}">
       <p15:sldGuideLst xmlns:p15="http://schemas.microsoft.com/office/powerpoint/2012/main"/>
     </p:ext>
@@ -909,13 +937,7 @@
       </p:grpSpPr>
       <p:sp>
         <p:nvSpPr>
-          <p:cNvPr id="2" name="Title 1">
-            <a:extLst>
-              <a:ext uri="{FF2B5EF4-FFF2-40B4-BE49-F238E27FC236}">
-                <a16:creationId xmlns:a16="http://schemas.microsoft.com/office/drawing/2014/main" id="{C0CD5121-B806-42E3-AB0B-0EE08A47D9C4}"/>
-              </a:ext>
-            </a:extLst>
-          </p:cNvPr>
+          <p:cNvPr id="2" name="Title 1"/>
           <p:cNvSpPr>
             <a:spLocks noGrp="1"/>
           </p:cNvSpPr>
@@ -938,21 +960,16 @@
           </a:lstStyle>
           <a:p>
             <a:r>
-              <a:rPr lang="en-US"/>
+              <a:rPr lang="en-US" smtClean="0"/>
               <a:t>Click to edit Master title style</a:t>
             </a:r>
-          </a:p>
-        </p:txBody>
-      </p:sp>
-      <p:sp>
-        <p:nvSpPr>
-          <p:cNvPr id="3" name="Subtitle 2">
-            <a:extLst>
-              <a:ext uri="{FF2B5EF4-FFF2-40B4-BE49-F238E27FC236}">
-                <a16:creationId xmlns:a16="http://schemas.microsoft.com/office/drawing/2014/main" id="{662480A4-413C-4B20-817D-84402F3DDD33}"/>
-              </a:ext>
-            </a:extLst>
-          </p:cNvPr>
+            <a:endParaRPr lang="en-US"/>
+          </a:p>
+        </p:txBody>
+      </p:sp>
+      <p:sp>
+        <p:nvSpPr>
+          <p:cNvPr id="3" name="Subtitle 2"/>
           <p:cNvSpPr>
             <a:spLocks noGrp="1"/>
           </p:cNvSpPr>
@@ -1008,21 +1025,16 @@
           </a:lstStyle>
           <a:p>
             <a:r>
-              <a:rPr lang="en-US"/>
+              <a:rPr lang="en-US" smtClean="0"/>
               <a:t>Click to edit Master subtitle style</a:t>
             </a:r>
-          </a:p>
-        </p:txBody>
-      </p:sp>
-      <p:sp>
-        <p:nvSpPr>
-          <p:cNvPr id="4" name="Date Placeholder 3">
-            <a:extLst>
-              <a:ext uri="{FF2B5EF4-FFF2-40B4-BE49-F238E27FC236}">
-                <a16:creationId xmlns:a16="http://schemas.microsoft.com/office/drawing/2014/main" id="{E422A6EF-A54C-4365-BE11-76ACB43FBC5B}"/>
-              </a:ext>
-            </a:extLst>
-          </p:cNvPr>
+            <a:endParaRPr lang="en-US"/>
+          </a:p>
+        </p:txBody>
+      </p:sp>
+      <p:sp>
+        <p:nvSpPr>
+          <p:cNvPr id="4" name="Date Placeholder 3"/>
           <p:cNvSpPr>
             <a:spLocks noGrp="1"/>
           </p:cNvSpPr>
@@ -1045,13 +1057,7 @@
       </p:sp>
       <p:sp>
         <p:nvSpPr>
-          <p:cNvPr id="5" name="Footer Placeholder 4">
-            <a:extLst>
-              <a:ext uri="{FF2B5EF4-FFF2-40B4-BE49-F238E27FC236}">
-                <a16:creationId xmlns:a16="http://schemas.microsoft.com/office/drawing/2014/main" id="{2762F7AA-BF5D-4D25-A109-1F540DB5A322}"/>
-              </a:ext>
-            </a:extLst>
-          </p:cNvPr>
+          <p:cNvPr id="5" name="Footer Placeholder 4"/>
           <p:cNvSpPr>
             <a:spLocks noGrp="1"/>
           </p:cNvSpPr>
@@ -1070,13 +1076,7 @@
       </p:sp>
       <p:sp>
         <p:nvSpPr>
-          <p:cNvPr id="6" name="Slide Number Placeholder 5">
-            <a:extLst>
-              <a:ext uri="{FF2B5EF4-FFF2-40B4-BE49-F238E27FC236}">
-                <a16:creationId xmlns:a16="http://schemas.microsoft.com/office/drawing/2014/main" id="{3F94EE95-990A-4F80-9801-02F31C2FC49F}"/>
-              </a:ext>
-            </a:extLst>
-          </p:cNvPr>
+          <p:cNvPr id="6" name="Slide Number Placeholder 5"/>
           <p:cNvSpPr>
             <a:spLocks noGrp="1"/>
           </p:cNvSpPr>
@@ -1100,7 +1100,7 @@
     </p:spTree>
     <p:extLst>
       <p:ext uri="{BB962C8B-B14F-4D97-AF65-F5344CB8AC3E}">
-        <p14:creationId xmlns:p14="http://schemas.microsoft.com/office/powerpoint/2010/main" val="675737858"/>
+        <p14:creationId xmlns:p14="http://schemas.microsoft.com/office/powerpoint/2010/main" val="2943649464"/>
       </p:ext>
     </p:extLst>
   </p:cSld>
@@ -1129,13 +1129,7 @@
       </p:grpSpPr>
       <p:sp>
         <p:nvSpPr>
-          <p:cNvPr id="2" name="Title 1">
-            <a:extLst>
-              <a:ext uri="{FF2B5EF4-FFF2-40B4-BE49-F238E27FC236}">
-                <a16:creationId xmlns:a16="http://schemas.microsoft.com/office/drawing/2014/main" id="{687707BA-5D1C-4702-A070-550EA95E0BCB}"/>
-              </a:ext>
-            </a:extLst>
-          </p:cNvPr>
+          <p:cNvPr id="2" name="Title 1"/>
           <p:cNvSpPr>
             <a:spLocks noGrp="1"/>
           </p:cNvSpPr>
@@ -1149,21 +1143,16 @@
           <a:lstStyle/>
           <a:p>
             <a:r>
-              <a:rPr lang="en-US"/>
+              <a:rPr lang="en-US" smtClean="0"/>
               <a:t>Click to edit Master title style</a:t>
             </a:r>
-          </a:p>
-        </p:txBody>
-      </p:sp>
-      <p:sp>
-        <p:nvSpPr>
-          <p:cNvPr id="3" name="Vertical Text Placeholder 2">
-            <a:extLst>
-              <a:ext uri="{FF2B5EF4-FFF2-40B4-BE49-F238E27FC236}">
-                <a16:creationId xmlns:a16="http://schemas.microsoft.com/office/drawing/2014/main" id="{F2136A91-179E-4EF7-AEBE-C11F08349FDF}"/>
-              </a:ext>
-            </a:extLst>
-          </p:cNvPr>
+            <a:endParaRPr lang="en-US"/>
+          </a:p>
+        </p:txBody>
+      </p:sp>
+      <p:sp>
+        <p:nvSpPr>
+          <p:cNvPr id="3" name="Vertical Text Placeholder 2"/>
           <p:cNvSpPr>
             <a:spLocks noGrp="1"/>
           </p:cNvSpPr>
@@ -1178,49 +1167,44 @@
           <a:p>
             <a:pPr lvl="0"/>
             <a:r>
-              <a:rPr lang="en-US"/>
-              <a:t>Click to edit Master text styles</a:t>
+              <a:rPr lang="en-US" smtClean="0"/>
+              <a:t>Edit Master text styles</a:t>
             </a:r>
           </a:p>
           <a:p>
             <a:pPr lvl="1"/>
             <a:r>
-              <a:rPr lang="en-US"/>
+              <a:rPr lang="en-US" smtClean="0"/>
               <a:t>Second level</a:t>
             </a:r>
           </a:p>
           <a:p>
             <a:pPr lvl="2"/>
             <a:r>
-              <a:rPr lang="en-US"/>
+              <a:rPr lang="en-US" smtClean="0"/>
               <a:t>Third level</a:t>
             </a:r>
           </a:p>
           <a:p>
             <a:pPr lvl="3"/>
             <a:r>
-              <a:rPr lang="en-US"/>
+              <a:rPr lang="en-US" smtClean="0"/>
               <a:t>Fourth level</a:t>
             </a:r>
           </a:p>
           <a:p>
             <a:pPr lvl="4"/>
             <a:r>
-              <a:rPr lang="en-US"/>
+              <a:rPr lang="en-US" smtClean="0"/>
               <a:t>Fifth level</a:t>
             </a:r>
-          </a:p>
-        </p:txBody>
-      </p:sp>
-      <p:sp>
-        <p:nvSpPr>
-          <p:cNvPr id="4" name="Date Placeholder 3">
-            <a:extLst>
-              <a:ext uri="{FF2B5EF4-FFF2-40B4-BE49-F238E27FC236}">
-                <a16:creationId xmlns:a16="http://schemas.microsoft.com/office/drawing/2014/main" id="{CB8EEC59-0F9B-47A7-87F0-F2F66DC009CB}"/>
-              </a:ext>
-            </a:extLst>
-          </p:cNvPr>
+            <a:endParaRPr lang="en-US"/>
+          </a:p>
+        </p:txBody>
+      </p:sp>
+      <p:sp>
+        <p:nvSpPr>
+          <p:cNvPr id="4" name="Date Placeholder 3"/>
           <p:cNvSpPr>
             <a:spLocks noGrp="1"/>
           </p:cNvSpPr>
@@ -1243,13 +1227,7 @@
       </p:sp>
       <p:sp>
         <p:nvSpPr>
-          <p:cNvPr id="5" name="Footer Placeholder 4">
-            <a:extLst>
-              <a:ext uri="{FF2B5EF4-FFF2-40B4-BE49-F238E27FC236}">
-                <a16:creationId xmlns:a16="http://schemas.microsoft.com/office/drawing/2014/main" id="{7E0BC0E1-91BB-451D-9AE1-5A8E3153EE2F}"/>
-              </a:ext>
-            </a:extLst>
-          </p:cNvPr>
+          <p:cNvPr id="5" name="Footer Placeholder 4"/>
           <p:cNvSpPr>
             <a:spLocks noGrp="1"/>
           </p:cNvSpPr>
@@ -1268,13 +1246,7 @@
       </p:sp>
       <p:sp>
         <p:nvSpPr>
-          <p:cNvPr id="6" name="Slide Number Placeholder 5">
-            <a:extLst>
-              <a:ext uri="{FF2B5EF4-FFF2-40B4-BE49-F238E27FC236}">
-                <a16:creationId xmlns:a16="http://schemas.microsoft.com/office/drawing/2014/main" id="{9F834957-061E-4E83-9762-AD7B26FA3713}"/>
-              </a:ext>
-            </a:extLst>
-          </p:cNvPr>
+          <p:cNvPr id="6" name="Slide Number Placeholder 5"/>
           <p:cNvSpPr>
             <a:spLocks noGrp="1"/>
           </p:cNvSpPr>
@@ -1298,7 +1270,7 @@
     </p:spTree>
     <p:extLst>
       <p:ext uri="{BB962C8B-B14F-4D97-AF65-F5344CB8AC3E}">
-        <p14:creationId xmlns:p14="http://schemas.microsoft.com/office/powerpoint/2010/main" val="1499027696"/>
+        <p14:creationId xmlns:p14="http://schemas.microsoft.com/office/powerpoint/2010/main" val="99588986"/>
       </p:ext>
     </p:extLst>
   </p:cSld>
@@ -1327,13 +1299,7 @@
       </p:grpSpPr>
       <p:sp>
         <p:nvSpPr>
-          <p:cNvPr id="2" name="Vertical Title 1">
-            <a:extLst>
-              <a:ext uri="{FF2B5EF4-FFF2-40B4-BE49-F238E27FC236}">
-                <a16:creationId xmlns:a16="http://schemas.microsoft.com/office/drawing/2014/main" id="{E2D0E938-F16C-444E-AE63-B1661E325640}"/>
-              </a:ext>
-            </a:extLst>
-          </p:cNvPr>
+          <p:cNvPr id="2" name="Vertical Title 1"/>
           <p:cNvSpPr>
             <a:spLocks noGrp="1"/>
           </p:cNvSpPr>
@@ -1352,21 +1318,16 @@
           <a:lstStyle/>
           <a:p>
             <a:r>
-              <a:rPr lang="en-US"/>
+              <a:rPr lang="en-US" smtClean="0"/>
               <a:t>Click to edit Master title style</a:t>
             </a:r>
-          </a:p>
-        </p:txBody>
-      </p:sp>
-      <p:sp>
-        <p:nvSpPr>
-          <p:cNvPr id="3" name="Vertical Text Placeholder 2">
-            <a:extLst>
-              <a:ext uri="{FF2B5EF4-FFF2-40B4-BE49-F238E27FC236}">
-                <a16:creationId xmlns:a16="http://schemas.microsoft.com/office/drawing/2014/main" id="{28CAEC9E-135C-45EB-949C-0B886F4B14D4}"/>
-              </a:ext>
-            </a:extLst>
-          </p:cNvPr>
+            <a:endParaRPr lang="en-US"/>
+          </a:p>
+        </p:txBody>
+      </p:sp>
+      <p:sp>
+        <p:nvSpPr>
+          <p:cNvPr id="3" name="Vertical Text Placeholder 2"/>
           <p:cNvSpPr>
             <a:spLocks noGrp="1"/>
           </p:cNvSpPr>
@@ -1386,49 +1347,44 @@
           <a:p>
             <a:pPr lvl="0"/>
             <a:r>
-              <a:rPr lang="en-US"/>
-              <a:t>Click to edit Master text styles</a:t>
+              <a:rPr lang="en-US" smtClean="0"/>
+              <a:t>Edit Master text styles</a:t>
             </a:r>
           </a:p>
           <a:p>
             <a:pPr lvl="1"/>
             <a:r>
-              <a:rPr lang="en-US"/>
+              <a:rPr lang="en-US" smtClean="0"/>
               <a:t>Second level</a:t>
             </a:r>
           </a:p>
           <a:p>
             <a:pPr lvl="2"/>
             <a:r>
-              <a:rPr lang="en-US"/>
+              <a:rPr lang="en-US" smtClean="0"/>
               <a:t>Third level</a:t>
             </a:r>
           </a:p>
           <a:p>
             <a:pPr lvl="3"/>
             <a:r>
-              <a:rPr lang="en-US"/>
+              <a:rPr lang="en-US" smtClean="0"/>
               <a:t>Fourth level</a:t>
             </a:r>
           </a:p>
           <a:p>
             <a:pPr lvl="4"/>
             <a:r>
-              <a:rPr lang="en-US"/>
+              <a:rPr lang="en-US" smtClean="0"/>
               <a:t>Fifth level</a:t>
             </a:r>
-          </a:p>
-        </p:txBody>
-      </p:sp>
-      <p:sp>
-        <p:nvSpPr>
-          <p:cNvPr id="4" name="Date Placeholder 3">
-            <a:extLst>
-              <a:ext uri="{FF2B5EF4-FFF2-40B4-BE49-F238E27FC236}">
-                <a16:creationId xmlns:a16="http://schemas.microsoft.com/office/drawing/2014/main" id="{BA965381-9DAE-450D-A978-B40CDA8F689A}"/>
-              </a:ext>
-            </a:extLst>
-          </p:cNvPr>
+            <a:endParaRPr lang="en-US"/>
+          </a:p>
+        </p:txBody>
+      </p:sp>
+      <p:sp>
+        <p:nvSpPr>
+          <p:cNvPr id="4" name="Date Placeholder 3"/>
           <p:cNvSpPr>
             <a:spLocks noGrp="1"/>
           </p:cNvSpPr>
@@ -1451,13 +1407,7 @@
       </p:sp>
       <p:sp>
         <p:nvSpPr>
-          <p:cNvPr id="5" name="Footer Placeholder 4">
-            <a:extLst>
-              <a:ext uri="{FF2B5EF4-FFF2-40B4-BE49-F238E27FC236}">
-                <a16:creationId xmlns:a16="http://schemas.microsoft.com/office/drawing/2014/main" id="{6CABA7A9-8C7E-4A19-AB64-FA67F25AB5A3}"/>
-              </a:ext>
-            </a:extLst>
-          </p:cNvPr>
+          <p:cNvPr id="5" name="Footer Placeholder 4"/>
           <p:cNvSpPr>
             <a:spLocks noGrp="1"/>
           </p:cNvSpPr>
@@ -1476,13 +1426,7 @@
       </p:sp>
       <p:sp>
         <p:nvSpPr>
-          <p:cNvPr id="6" name="Slide Number Placeholder 5">
-            <a:extLst>
-              <a:ext uri="{FF2B5EF4-FFF2-40B4-BE49-F238E27FC236}">
-                <a16:creationId xmlns:a16="http://schemas.microsoft.com/office/drawing/2014/main" id="{74205E7C-EEB3-4343-8420-7F42D311BBDB}"/>
-              </a:ext>
-            </a:extLst>
-          </p:cNvPr>
+          <p:cNvPr id="6" name="Slide Number Placeholder 5"/>
           <p:cNvSpPr>
             <a:spLocks noGrp="1"/>
           </p:cNvSpPr>
@@ -1506,7 +1450,7 @@
     </p:spTree>
     <p:extLst>
       <p:ext uri="{BB962C8B-B14F-4D97-AF65-F5344CB8AC3E}">
-        <p14:creationId xmlns:p14="http://schemas.microsoft.com/office/powerpoint/2010/main" val="3592174694"/>
+        <p14:creationId xmlns:p14="http://schemas.microsoft.com/office/powerpoint/2010/main" val="3139911634"/>
       </p:ext>
     </p:extLst>
   </p:cSld>
@@ -1535,13 +1479,7 @@
       </p:grpSpPr>
       <p:sp>
         <p:nvSpPr>
-          <p:cNvPr id="2" name="Title 1">
-            <a:extLst>
-              <a:ext uri="{FF2B5EF4-FFF2-40B4-BE49-F238E27FC236}">
-                <a16:creationId xmlns:a16="http://schemas.microsoft.com/office/drawing/2014/main" id="{EB85C4E6-81FC-44A4-9F93-B12671A71F2F}"/>
-              </a:ext>
-            </a:extLst>
-          </p:cNvPr>
+          <p:cNvPr id="2" name="Title 1"/>
           <p:cNvSpPr>
             <a:spLocks noGrp="1"/>
           </p:cNvSpPr>
@@ -1555,21 +1493,16 @@
           <a:lstStyle/>
           <a:p>
             <a:r>
-              <a:rPr lang="en-US"/>
+              <a:rPr lang="en-US" smtClean="0"/>
               <a:t>Click to edit Master title style</a:t>
             </a:r>
-          </a:p>
-        </p:txBody>
-      </p:sp>
-      <p:sp>
-        <p:nvSpPr>
-          <p:cNvPr id="3" name="Content Placeholder 2">
-            <a:extLst>
-              <a:ext uri="{FF2B5EF4-FFF2-40B4-BE49-F238E27FC236}">
-                <a16:creationId xmlns:a16="http://schemas.microsoft.com/office/drawing/2014/main" id="{2F2AC94B-1E3A-48CE-A77B-2AC9FA4AD8D4}"/>
-              </a:ext>
-            </a:extLst>
-          </p:cNvPr>
+            <a:endParaRPr lang="en-US"/>
+          </a:p>
+        </p:txBody>
+      </p:sp>
+      <p:sp>
+        <p:nvSpPr>
+          <p:cNvPr id="3" name="Content Placeholder 2"/>
           <p:cNvSpPr>
             <a:spLocks noGrp="1"/>
           </p:cNvSpPr>
@@ -1584,49 +1517,44 @@
           <a:p>
             <a:pPr lvl="0"/>
             <a:r>
-              <a:rPr lang="en-US"/>
-              <a:t>Click to edit Master text styles</a:t>
+              <a:rPr lang="en-US" smtClean="0"/>
+              <a:t>Edit Master text styles</a:t>
             </a:r>
           </a:p>
           <a:p>
             <a:pPr lvl="1"/>
             <a:r>
-              <a:rPr lang="en-US"/>
+              <a:rPr lang="en-US" smtClean="0"/>
               <a:t>Second level</a:t>
             </a:r>
           </a:p>
           <a:p>
             <a:pPr lvl="2"/>
             <a:r>
-              <a:rPr lang="en-US"/>
+              <a:rPr lang="en-US" smtClean="0"/>
               <a:t>Third level</a:t>
             </a:r>
           </a:p>
           <a:p>
             <a:pPr lvl="3"/>
             <a:r>
-              <a:rPr lang="en-US"/>
+              <a:rPr lang="en-US" smtClean="0"/>
               <a:t>Fourth level</a:t>
             </a:r>
           </a:p>
           <a:p>
             <a:pPr lvl="4"/>
             <a:r>
-              <a:rPr lang="en-US"/>
+              <a:rPr lang="en-US" smtClean="0"/>
               <a:t>Fifth level</a:t>
             </a:r>
-          </a:p>
-        </p:txBody>
-      </p:sp>
-      <p:sp>
-        <p:nvSpPr>
-          <p:cNvPr id="4" name="Date Placeholder 3">
-            <a:extLst>
-              <a:ext uri="{FF2B5EF4-FFF2-40B4-BE49-F238E27FC236}">
-                <a16:creationId xmlns:a16="http://schemas.microsoft.com/office/drawing/2014/main" id="{B71B4B89-51DC-49E9-87F6-BD2AC97F7C68}"/>
-              </a:ext>
-            </a:extLst>
-          </p:cNvPr>
+            <a:endParaRPr lang="en-US"/>
+          </a:p>
+        </p:txBody>
+      </p:sp>
+      <p:sp>
+        <p:nvSpPr>
+          <p:cNvPr id="4" name="Date Placeholder 3"/>
           <p:cNvSpPr>
             <a:spLocks noGrp="1"/>
           </p:cNvSpPr>
@@ -1649,13 +1577,7 @@
       </p:sp>
       <p:sp>
         <p:nvSpPr>
-          <p:cNvPr id="5" name="Footer Placeholder 4">
-            <a:extLst>
-              <a:ext uri="{FF2B5EF4-FFF2-40B4-BE49-F238E27FC236}">
-                <a16:creationId xmlns:a16="http://schemas.microsoft.com/office/drawing/2014/main" id="{E2BD7DB2-CC2E-4074-86DB-CEDE0F54B99C}"/>
-              </a:ext>
-            </a:extLst>
-          </p:cNvPr>
+          <p:cNvPr id="5" name="Footer Placeholder 4"/>
           <p:cNvSpPr>
             <a:spLocks noGrp="1"/>
           </p:cNvSpPr>
@@ -1674,13 +1596,7 @@
       </p:sp>
       <p:sp>
         <p:nvSpPr>
-          <p:cNvPr id="6" name="Slide Number Placeholder 5">
-            <a:extLst>
-              <a:ext uri="{FF2B5EF4-FFF2-40B4-BE49-F238E27FC236}">
-                <a16:creationId xmlns:a16="http://schemas.microsoft.com/office/drawing/2014/main" id="{51F98A6B-CA10-4357-AD27-236746164EF7}"/>
-              </a:ext>
-            </a:extLst>
-          </p:cNvPr>
+          <p:cNvPr id="6" name="Slide Number Placeholder 5"/>
           <p:cNvSpPr>
             <a:spLocks noGrp="1"/>
           </p:cNvSpPr>
@@ -1704,7 +1620,7 @@
     </p:spTree>
     <p:extLst>
       <p:ext uri="{BB962C8B-B14F-4D97-AF65-F5344CB8AC3E}">
-        <p14:creationId xmlns:p14="http://schemas.microsoft.com/office/powerpoint/2010/main" val="1700187767"/>
+        <p14:creationId xmlns:p14="http://schemas.microsoft.com/office/powerpoint/2010/main" val="1474192494"/>
       </p:ext>
     </p:extLst>
   </p:cSld>
@@ -1733,13 +1649,7 @@
       </p:grpSpPr>
       <p:sp>
         <p:nvSpPr>
-          <p:cNvPr id="2" name="Title 1">
-            <a:extLst>
-              <a:ext uri="{FF2B5EF4-FFF2-40B4-BE49-F238E27FC236}">
-                <a16:creationId xmlns:a16="http://schemas.microsoft.com/office/drawing/2014/main" id="{CC9D89E0-5F4B-45C2-8825-88CD6351DC3A}"/>
-              </a:ext>
-            </a:extLst>
-          </p:cNvPr>
+          <p:cNvPr id="2" name="Title 1"/>
           <p:cNvSpPr>
             <a:spLocks noGrp="1"/>
           </p:cNvSpPr>
@@ -1762,21 +1672,16 @@
           </a:lstStyle>
           <a:p>
             <a:r>
-              <a:rPr lang="en-US"/>
+              <a:rPr lang="en-US" smtClean="0"/>
               <a:t>Click to edit Master title style</a:t>
             </a:r>
-          </a:p>
-        </p:txBody>
-      </p:sp>
-      <p:sp>
-        <p:nvSpPr>
-          <p:cNvPr id="3" name="Text Placeholder 2">
-            <a:extLst>
-              <a:ext uri="{FF2B5EF4-FFF2-40B4-BE49-F238E27FC236}">
-                <a16:creationId xmlns:a16="http://schemas.microsoft.com/office/drawing/2014/main" id="{B7C7B6F6-3733-486A-8474-409C00F224B3}"/>
-              </a:ext>
-            </a:extLst>
-          </p:cNvPr>
+            <a:endParaRPr lang="en-US"/>
+          </a:p>
+        </p:txBody>
+      </p:sp>
+      <p:sp>
+        <p:nvSpPr>
+          <p:cNvPr id="3" name="Text Placeholder 2"/>
           <p:cNvSpPr>
             <a:spLocks noGrp="1"/>
           </p:cNvSpPr>
@@ -1887,21 +1792,15 @@
           <a:p>
             <a:pPr lvl="0"/>
             <a:r>
-              <a:rPr lang="en-US"/>
-              <a:t>Click to edit Master text styles</a:t>
-            </a:r>
-          </a:p>
-        </p:txBody>
-      </p:sp>
-      <p:sp>
-        <p:nvSpPr>
-          <p:cNvPr id="4" name="Date Placeholder 3">
-            <a:extLst>
-              <a:ext uri="{FF2B5EF4-FFF2-40B4-BE49-F238E27FC236}">
-                <a16:creationId xmlns:a16="http://schemas.microsoft.com/office/drawing/2014/main" id="{77C9A33F-5AF5-4CF5-886A-6F191F4F831C}"/>
-              </a:ext>
-            </a:extLst>
-          </p:cNvPr>
+              <a:rPr lang="en-US" smtClean="0"/>
+              <a:t>Edit Master text styles</a:t>
+            </a:r>
+          </a:p>
+        </p:txBody>
+      </p:sp>
+      <p:sp>
+        <p:nvSpPr>
+          <p:cNvPr id="4" name="Date Placeholder 3"/>
           <p:cNvSpPr>
             <a:spLocks noGrp="1"/>
           </p:cNvSpPr>
@@ -1924,13 +1823,7 @@
       </p:sp>
       <p:sp>
         <p:nvSpPr>
-          <p:cNvPr id="5" name="Footer Placeholder 4">
-            <a:extLst>
-              <a:ext uri="{FF2B5EF4-FFF2-40B4-BE49-F238E27FC236}">
-                <a16:creationId xmlns:a16="http://schemas.microsoft.com/office/drawing/2014/main" id="{4627521E-C2F4-4FBC-B310-E8D006550324}"/>
-              </a:ext>
-            </a:extLst>
-          </p:cNvPr>
+          <p:cNvPr id="5" name="Footer Placeholder 4"/>
           <p:cNvSpPr>
             <a:spLocks noGrp="1"/>
           </p:cNvSpPr>
@@ -1949,13 +1842,7 @@
       </p:sp>
       <p:sp>
         <p:nvSpPr>
-          <p:cNvPr id="6" name="Slide Number Placeholder 5">
-            <a:extLst>
-              <a:ext uri="{FF2B5EF4-FFF2-40B4-BE49-F238E27FC236}">
-                <a16:creationId xmlns:a16="http://schemas.microsoft.com/office/drawing/2014/main" id="{B922EE39-8988-4448-A25B-EC1ED9BF27A0}"/>
-              </a:ext>
-            </a:extLst>
-          </p:cNvPr>
+          <p:cNvPr id="6" name="Slide Number Placeholder 5"/>
           <p:cNvSpPr>
             <a:spLocks noGrp="1"/>
           </p:cNvSpPr>
@@ -1979,7 +1866,7 @@
     </p:spTree>
     <p:extLst>
       <p:ext uri="{BB962C8B-B14F-4D97-AF65-F5344CB8AC3E}">
-        <p14:creationId xmlns:p14="http://schemas.microsoft.com/office/powerpoint/2010/main" val="1517070975"/>
+        <p14:creationId xmlns:p14="http://schemas.microsoft.com/office/powerpoint/2010/main" val="3690689426"/>
       </p:ext>
     </p:extLst>
   </p:cSld>
@@ -2008,13 +1895,7 @@
       </p:grpSpPr>
       <p:sp>
         <p:nvSpPr>
-          <p:cNvPr id="2" name="Title 1">
-            <a:extLst>
-              <a:ext uri="{FF2B5EF4-FFF2-40B4-BE49-F238E27FC236}">
-                <a16:creationId xmlns:a16="http://schemas.microsoft.com/office/drawing/2014/main" id="{ACE7FC92-84C1-4655-B4A5-A383188D3468}"/>
-              </a:ext>
-            </a:extLst>
-          </p:cNvPr>
+          <p:cNvPr id="2" name="Title 1"/>
           <p:cNvSpPr>
             <a:spLocks noGrp="1"/>
           </p:cNvSpPr>
@@ -2028,21 +1909,16 @@
           <a:lstStyle/>
           <a:p>
             <a:r>
-              <a:rPr lang="en-US"/>
+              <a:rPr lang="en-US" smtClean="0"/>
               <a:t>Click to edit Master title style</a:t>
             </a:r>
-          </a:p>
-        </p:txBody>
-      </p:sp>
-      <p:sp>
-        <p:nvSpPr>
-          <p:cNvPr id="3" name="Content Placeholder 2">
-            <a:extLst>
-              <a:ext uri="{FF2B5EF4-FFF2-40B4-BE49-F238E27FC236}">
-                <a16:creationId xmlns:a16="http://schemas.microsoft.com/office/drawing/2014/main" id="{D4BF1E21-7252-4735-968E-91950765CFAE}"/>
-              </a:ext>
-            </a:extLst>
-          </p:cNvPr>
+            <a:endParaRPr lang="en-US"/>
+          </a:p>
+        </p:txBody>
+      </p:sp>
+      <p:sp>
+        <p:nvSpPr>
+          <p:cNvPr id="3" name="Content Placeholder 2"/>
           <p:cNvSpPr>
             <a:spLocks noGrp="1"/>
           </p:cNvSpPr>
@@ -2062,49 +1938,44 @@
           <a:p>
             <a:pPr lvl="0"/>
             <a:r>
-              <a:rPr lang="en-US"/>
-              <a:t>Click to edit Master text styles</a:t>
+              <a:rPr lang="en-US" smtClean="0"/>
+              <a:t>Edit Master text styles</a:t>
             </a:r>
           </a:p>
           <a:p>
             <a:pPr lvl="1"/>
             <a:r>
-              <a:rPr lang="en-US"/>
+              <a:rPr lang="en-US" smtClean="0"/>
               <a:t>Second level</a:t>
             </a:r>
           </a:p>
           <a:p>
             <a:pPr lvl="2"/>
             <a:r>
-              <a:rPr lang="en-US"/>
+              <a:rPr lang="en-US" smtClean="0"/>
               <a:t>Third level</a:t>
             </a:r>
           </a:p>
           <a:p>
             <a:pPr lvl="3"/>
             <a:r>
-              <a:rPr lang="en-US"/>
+              <a:rPr lang="en-US" smtClean="0"/>
               <a:t>Fourth level</a:t>
             </a:r>
           </a:p>
           <a:p>
             <a:pPr lvl="4"/>
             <a:r>
-              <a:rPr lang="en-US"/>
+              <a:rPr lang="en-US" smtClean="0"/>
               <a:t>Fifth level</a:t>
             </a:r>
-          </a:p>
-        </p:txBody>
-      </p:sp>
-      <p:sp>
-        <p:nvSpPr>
-          <p:cNvPr id="4" name="Content Placeholder 3">
-            <a:extLst>
-              <a:ext uri="{FF2B5EF4-FFF2-40B4-BE49-F238E27FC236}">
-                <a16:creationId xmlns:a16="http://schemas.microsoft.com/office/drawing/2014/main" id="{2C4D695D-B480-4276-9932-07EB199069B3}"/>
-              </a:ext>
-            </a:extLst>
-          </p:cNvPr>
+            <a:endParaRPr lang="en-US"/>
+          </a:p>
+        </p:txBody>
+      </p:sp>
+      <p:sp>
+        <p:nvSpPr>
+          <p:cNvPr id="4" name="Content Placeholder 3"/>
           <p:cNvSpPr>
             <a:spLocks noGrp="1"/>
           </p:cNvSpPr>
@@ -2124,49 +1995,44 @@
           <a:p>
             <a:pPr lvl="0"/>
             <a:r>
-              <a:rPr lang="en-US"/>
-              <a:t>Click to edit Master text styles</a:t>
+              <a:rPr lang="en-US" smtClean="0"/>
+              <a:t>Edit Master text styles</a:t>
             </a:r>
           </a:p>
           <a:p>
             <a:pPr lvl="1"/>
             <a:r>
-              <a:rPr lang="en-US"/>
+              <a:rPr lang="en-US" smtClean="0"/>
               <a:t>Second level</a:t>
             </a:r>
           </a:p>
           <a:p>
             <a:pPr lvl="2"/>
             <a:r>
-              <a:rPr lang="en-US"/>
+              <a:rPr lang="en-US" smtClean="0"/>
               <a:t>Third level</a:t>
             </a:r>
           </a:p>
           <a:p>
             <a:pPr lvl="3"/>
             <a:r>
-              <a:rPr lang="en-US"/>
+              <a:rPr lang="en-US" smtClean="0"/>
               <a:t>Fourth level</a:t>
             </a:r>
           </a:p>
           <a:p>
             <a:pPr lvl="4"/>
             <a:r>
-              <a:rPr lang="en-US"/>
+              <a:rPr lang="en-US" smtClean="0"/>
               <a:t>Fifth level</a:t>
             </a:r>
-          </a:p>
-        </p:txBody>
-      </p:sp>
-      <p:sp>
-        <p:nvSpPr>
-          <p:cNvPr id="5" name="Date Placeholder 4">
-            <a:extLst>
-              <a:ext uri="{FF2B5EF4-FFF2-40B4-BE49-F238E27FC236}">
-                <a16:creationId xmlns:a16="http://schemas.microsoft.com/office/drawing/2014/main" id="{5E32B922-F659-464A-98FC-AEE4146473E6}"/>
-              </a:ext>
-            </a:extLst>
-          </p:cNvPr>
+            <a:endParaRPr lang="en-US"/>
+          </a:p>
+        </p:txBody>
+      </p:sp>
+      <p:sp>
+        <p:nvSpPr>
+          <p:cNvPr id="5" name="Date Placeholder 4"/>
           <p:cNvSpPr>
             <a:spLocks noGrp="1"/>
           </p:cNvSpPr>
@@ -2189,13 +2055,7 @@
       </p:sp>
       <p:sp>
         <p:nvSpPr>
-          <p:cNvPr id="6" name="Footer Placeholder 5">
-            <a:extLst>
-              <a:ext uri="{FF2B5EF4-FFF2-40B4-BE49-F238E27FC236}">
-                <a16:creationId xmlns:a16="http://schemas.microsoft.com/office/drawing/2014/main" id="{EE0446C3-0D68-499A-AB75-5BE7259EA00F}"/>
-              </a:ext>
-            </a:extLst>
-          </p:cNvPr>
+          <p:cNvPr id="6" name="Footer Placeholder 5"/>
           <p:cNvSpPr>
             <a:spLocks noGrp="1"/>
           </p:cNvSpPr>
@@ -2214,13 +2074,7 @@
       </p:sp>
       <p:sp>
         <p:nvSpPr>
-          <p:cNvPr id="7" name="Slide Number Placeholder 6">
-            <a:extLst>
-              <a:ext uri="{FF2B5EF4-FFF2-40B4-BE49-F238E27FC236}">
-                <a16:creationId xmlns:a16="http://schemas.microsoft.com/office/drawing/2014/main" id="{0EFC5B87-6041-4219-AE3A-FFB4B9AC5FD6}"/>
-              </a:ext>
-            </a:extLst>
-          </p:cNvPr>
+          <p:cNvPr id="7" name="Slide Number Placeholder 6"/>
           <p:cNvSpPr>
             <a:spLocks noGrp="1"/>
           </p:cNvSpPr>
@@ -2244,7 +2098,7 @@
     </p:spTree>
     <p:extLst>
       <p:ext uri="{BB962C8B-B14F-4D97-AF65-F5344CB8AC3E}">
-        <p14:creationId xmlns:p14="http://schemas.microsoft.com/office/powerpoint/2010/main" val="4285626188"/>
+        <p14:creationId xmlns:p14="http://schemas.microsoft.com/office/powerpoint/2010/main" val="3572024119"/>
       </p:ext>
     </p:extLst>
   </p:cSld>
@@ -2273,13 +2127,7 @@
       </p:grpSpPr>
       <p:sp>
         <p:nvSpPr>
-          <p:cNvPr id="2" name="Title 1">
-            <a:extLst>
-              <a:ext uri="{FF2B5EF4-FFF2-40B4-BE49-F238E27FC236}">
-                <a16:creationId xmlns:a16="http://schemas.microsoft.com/office/drawing/2014/main" id="{6DEA0FBB-DDAB-4F08-8393-8EB43874FF37}"/>
-              </a:ext>
-            </a:extLst>
-          </p:cNvPr>
+          <p:cNvPr id="2" name="Title 1"/>
           <p:cNvSpPr>
             <a:spLocks noGrp="1"/>
           </p:cNvSpPr>
@@ -2298,21 +2146,16 @@
           <a:lstStyle/>
           <a:p>
             <a:r>
-              <a:rPr lang="en-US"/>
+              <a:rPr lang="en-US" smtClean="0"/>
               <a:t>Click to edit Master title style</a:t>
             </a:r>
-          </a:p>
-        </p:txBody>
-      </p:sp>
-      <p:sp>
-        <p:nvSpPr>
-          <p:cNvPr id="3" name="Text Placeholder 2">
-            <a:extLst>
-              <a:ext uri="{FF2B5EF4-FFF2-40B4-BE49-F238E27FC236}">
-                <a16:creationId xmlns:a16="http://schemas.microsoft.com/office/drawing/2014/main" id="{3A66A804-0A4F-4E9B-A055-97D6F53F7AC4}"/>
-              </a:ext>
-            </a:extLst>
-          </p:cNvPr>
+            <a:endParaRPr lang="en-US"/>
+          </a:p>
+        </p:txBody>
+      </p:sp>
+      <p:sp>
+        <p:nvSpPr>
+          <p:cNvPr id="3" name="Text Placeholder 2"/>
           <p:cNvSpPr>
             <a:spLocks noGrp="1"/>
           </p:cNvSpPr>
@@ -2369,21 +2212,15 @@
           <a:p>
             <a:pPr lvl="0"/>
             <a:r>
-              <a:rPr lang="en-US"/>
-              <a:t>Click to edit Master text styles</a:t>
-            </a:r>
-          </a:p>
-        </p:txBody>
-      </p:sp>
-      <p:sp>
-        <p:nvSpPr>
-          <p:cNvPr id="4" name="Content Placeholder 3">
-            <a:extLst>
-              <a:ext uri="{FF2B5EF4-FFF2-40B4-BE49-F238E27FC236}">
-                <a16:creationId xmlns:a16="http://schemas.microsoft.com/office/drawing/2014/main" id="{B1790710-79A3-4E84-90F2-B1917891B9CB}"/>
-              </a:ext>
-            </a:extLst>
-          </p:cNvPr>
+              <a:rPr lang="en-US" smtClean="0"/>
+              <a:t>Edit Master text styles</a:t>
+            </a:r>
+          </a:p>
+        </p:txBody>
+      </p:sp>
+      <p:sp>
+        <p:nvSpPr>
+          <p:cNvPr id="4" name="Content Placeholder 3"/>
           <p:cNvSpPr>
             <a:spLocks noGrp="1"/>
           </p:cNvSpPr>
@@ -2403,49 +2240,44 @@
           <a:p>
             <a:pPr lvl="0"/>
             <a:r>
-              <a:rPr lang="en-US"/>
-              <a:t>Click to edit Master text styles</a:t>
+              <a:rPr lang="en-US" smtClean="0"/>
+              <a:t>Edit Master text styles</a:t>
             </a:r>
           </a:p>
           <a:p>
             <a:pPr lvl="1"/>
             <a:r>
-              <a:rPr lang="en-US"/>
+              <a:rPr lang="en-US" smtClean="0"/>
               <a:t>Second level</a:t>
             </a:r>
           </a:p>
           <a:p>
             <a:pPr lvl="2"/>
             <a:r>
-              <a:rPr lang="en-US"/>
+              <a:rPr lang="en-US" smtClean="0"/>
               <a:t>Third level</a:t>
             </a:r>
           </a:p>
           <a:p>
             <a:pPr lvl="3"/>
             <a:r>
-              <a:rPr lang="en-US"/>
+              <a:rPr lang="en-US" smtClean="0"/>
               <a:t>Fourth level</a:t>
             </a:r>
           </a:p>
           <a:p>
             <a:pPr lvl="4"/>
             <a:r>
-              <a:rPr lang="en-US"/>
+              <a:rPr lang="en-US" smtClean="0"/>
               <a:t>Fifth level</a:t>
             </a:r>
-          </a:p>
-        </p:txBody>
-      </p:sp>
-      <p:sp>
-        <p:nvSpPr>
-          <p:cNvPr id="5" name="Text Placeholder 4">
-            <a:extLst>
-              <a:ext uri="{FF2B5EF4-FFF2-40B4-BE49-F238E27FC236}">
-                <a16:creationId xmlns:a16="http://schemas.microsoft.com/office/drawing/2014/main" id="{8CA943D3-9566-4EB9-926D-6378A44368EB}"/>
-              </a:ext>
-            </a:extLst>
-          </p:cNvPr>
+            <a:endParaRPr lang="en-US"/>
+          </a:p>
+        </p:txBody>
+      </p:sp>
+      <p:sp>
+        <p:nvSpPr>
+          <p:cNvPr id="5" name="Text Placeholder 4"/>
           <p:cNvSpPr>
             <a:spLocks noGrp="1"/>
           </p:cNvSpPr>
@@ -2502,21 +2334,15 @@
           <a:p>
             <a:pPr lvl="0"/>
             <a:r>
-              <a:rPr lang="en-US"/>
-              <a:t>Click to edit Master text styles</a:t>
-            </a:r>
-          </a:p>
-        </p:txBody>
-      </p:sp>
-      <p:sp>
-        <p:nvSpPr>
-          <p:cNvPr id="6" name="Content Placeholder 5">
-            <a:extLst>
-              <a:ext uri="{FF2B5EF4-FFF2-40B4-BE49-F238E27FC236}">
-                <a16:creationId xmlns:a16="http://schemas.microsoft.com/office/drawing/2014/main" id="{1293C72B-845D-4F46-AF6F-39B4D90EF3B6}"/>
-              </a:ext>
-            </a:extLst>
-          </p:cNvPr>
+              <a:rPr lang="en-US" smtClean="0"/>
+              <a:t>Edit Master text styles</a:t>
+            </a:r>
+          </a:p>
+        </p:txBody>
+      </p:sp>
+      <p:sp>
+        <p:nvSpPr>
+          <p:cNvPr id="6" name="Content Placeholder 5"/>
           <p:cNvSpPr>
             <a:spLocks noGrp="1"/>
           </p:cNvSpPr>
@@ -2536,49 +2362,44 @@
           <a:p>
             <a:pPr lvl="0"/>
             <a:r>
-              <a:rPr lang="en-US"/>
-              <a:t>Click to edit Master text styles</a:t>
+              <a:rPr lang="en-US" smtClean="0"/>
+              <a:t>Edit Master text styles</a:t>
             </a:r>
           </a:p>
           <a:p>
             <a:pPr lvl="1"/>
             <a:r>
-              <a:rPr lang="en-US"/>
+              <a:rPr lang="en-US" smtClean="0"/>
               <a:t>Second level</a:t>
             </a:r>
           </a:p>
           <a:p>
             <a:pPr lvl="2"/>
             <a:r>
-              <a:rPr lang="en-US"/>
+              <a:rPr lang="en-US" smtClean="0"/>
               <a:t>Third level</a:t>
             </a:r>
           </a:p>
           <a:p>
             <a:pPr lvl="3"/>
             <a:r>
-              <a:rPr lang="en-US"/>
+              <a:rPr lang="en-US" smtClean="0"/>
               <a:t>Fourth level</a:t>
             </a:r>
           </a:p>
           <a:p>
             <a:pPr lvl="4"/>
             <a:r>
-              <a:rPr lang="en-US"/>
+              <a:rPr lang="en-US" smtClean="0"/>
               <a:t>Fifth level</a:t>
             </a:r>
-          </a:p>
-        </p:txBody>
-      </p:sp>
-      <p:sp>
-        <p:nvSpPr>
-          <p:cNvPr id="7" name="Date Placeholder 6">
-            <a:extLst>
-              <a:ext uri="{FF2B5EF4-FFF2-40B4-BE49-F238E27FC236}">
-                <a16:creationId xmlns:a16="http://schemas.microsoft.com/office/drawing/2014/main" id="{15BF22FE-A40A-468D-9CE3-12F4C2B521C9}"/>
-              </a:ext>
-            </a:extLst>
-          </p:cNvPr>
+            <a:endParaRPr lang="en-US"/>
+          </a:p>
+        </p:txBody>
+      </p:sp>
+      <p:sp>
+        <p:nvSpPr>
+          <p:cNvPr id="7" name="Date Placeholder 6"/>
           <p:cNvSpPr>
             <a:spLocks noGrp="1"/>
           </p:cNvSpPr>
@@ -2601,13 +2422,7 @@
       </p:sp>
       <p:sp>
         <p:nvSpPr>
-          <p:cNvPr id="8" name="Footer Placeholder 7">
-            <a:extLst>
-              <a:ext uri="{FF2B5EF4-FFF2-40B4-BE49-F238E27FC236}">
-                <a16:creationId xmlns:a16="http://schemas.microsoft.com/office/drawing/2014/main" id="{52768324-D939-423A-B12E-4B91DC9E38D8}"/>
-              </a:ext>
-            </a:extLst>
-          </p:cNvPr>
+          <p:cNvPr id="8" name="Footer Placeholder 7"/>
           <p:cNvSpPr>
             <a:spLocks noGrp="1"/>
           </p:cNvSpPr>
@@ -2626,13 +2441,7 @@
       </p:sp>
       <p:sp>
         <p:nvSpPr>
-          <p:cNvPr id="9" name="Slide Number Placeholder 8">
-            <a:extLst>
-              <a:ext uri="{FF2B5EF4-FFF2-40B4-BE49-F238E27FC236}">
-                <a16:creationId xmlns:a16="http://schemas.microsoft.com/office/drawing/2014/main" id="{D98A2F85-691D-47D3-ABBF-E703315DCB30}"/>
-              </a:ext>
-            </a:extLst>
-          </p:cNvPr>
+          <p:cNvPr id="9" name="Slide Number Placeholder 8"/>
           <p:cNvSpPr>
             <a:spLocks noGrp="1"/>
           </p:cNvSpPr>
@@ -2656,7 +2465,7 @@
     </p:spTree>
     <p:extLst>
       <p:ext uri="{BB962C8B-B14F-4D97-AF65-F5344CB8AC3E}">
-        <p14:creationId xmlns:p14="http://schemas.microsoft.com/office/powerpoint/2010/main" val="3492794487"/>
+        <p14:creationId xmlns:p14="http://schemas.microsoft.com/office/powerpoint/2010/main" val="3325253772"/>
       </p:ext>
     </p:extLst>
   </p:cSld>
@@ -2685,13 +2494,7 @@
       </p:grpSpPr>
       <p:sp>
         <p:nvSpPr>
-          <p:cNvPr id="2" name="Title 1">
-            <a:extLst>
-              <a:ext uri="{FF2B5EF4-FFF2-40B4-BE49-F238E27FC236}">
-                <a16:creationId xmlns:a16="http://schemas.microsoft.com/office/drawing/2014/main" id="{4135BBE5-1DEE-4687-AADC-F2AA47CA8081}"/>
-              </a:ext>
-            </a:extLst>
-          </p:cNvPr>
+          <p:cNvPr id="2" name="Title 1"/>
           <p:cNvSpPr>
             <a:spLocks noGrp="1"/>
           </p:cNvSpPr>
@@ -2705,21 +2508,16 @@
           <a:lstStyle/>
           <a:p>
             <a:r>
-              <a:rPr lang="en-US"/>
+              <a:rPr lang="en-US" smtClean="0"/>
               <a:t>Click to edit Master title style</a:t>
             </a:r>
-          </a:p>
-        </p:txBody>
-      </p:sp>
-      <p:sp>
-        <p:nvSpPr>
-          <p:cNvPr id="3" name="Date Placeholder 2">
-            <a:extLst>
-              <a:ext uri="{FF2B5EF4-FFF2-40B4-BE49-F238E27FC236}">
-                <a16:creationId xmlns:a16="http://schemas.microsoft.com/office/drawing/2014/main" id="{1EC91C7D-60BB-41B5-8E39-98AA04D41E3D}"/>
-              </a:ext>
-            </a:extLst>
-          </p:cNvPr>
+            <a:endParaRPr lang="en-US"/>
+          </a:p>
+        </p:txBody>
+      </p:sp>
+      <p:sp>
+        <p:nvSpPr>
+          <p:cNvPr id="3" name="Date Placeholder 2"/>
           <p:cNvSpPr>
             <a:spLocks noGrp="1"/>
           </p:cNvSpPr>
@@ -2742,13 +2540,7 @@
       </p:sp>
       <p:sp>
         <p:nvSpPr>
-          <p:cNvPr id="4" name="Footer Placeholder 3">
-            <a:extLst>
-              <a:ext uri="{FF2B5EF4-FFF2-40B4-BE49-F238E27FC236}">
-                <a16:creationId xmlns:a16="http://schemas.microsoft.com/office/drawing/2014/main" id="{FE5D45E0-BED9-41F8-A37D-C6FC99FE1C88}"/>
-              </a:ext>
-            </a:extLst>
-          </p:cNvPr>
+          <p:cNvPr id="4" name="Footer Placeholder 3"/>
           <p:cNvSpPr>
             <a:spLocks noGrp="1"/>
           </p:cNvSpPr>
@@ -2767,13 +2559,7 @@
       </p:sp>
       <p:sp>
         <p:nvSpPr>
-          <p:cNvPr id="5" name="Slide Number Placeholder 4">
-            <a:extLst>
-              <a:ext uri="{FF2B5EF4-FFF2-40B4-BE49-F238E27FC236}">
-                <a16:creationId xmlns:a16="http://schemas.microsoft.com/office/drawing/2014/main" id="{B6CD20C2-2025-4C29-A87F-44E994DEA1A4}"/>
-              </a:ext>
-            </a:extLst>
-          </p:cNvPr>
+          <p:cNvPr id="5" name="Slide Number Placeholder 4"/>
           <p:cNvSpPr>
             <a:spLocks noGrp="1"/>
           </p:cNvSpPr>
@@ -2797,7 +2583,7 @@
     </p:spTree>
     <p:extLst>
       <p:ext uri="{BB962C8B-B14F-4D97-AF65-F5344CB8AC3E}">
-        <p14:creationId xmlns:p14="http://schemas.microsoft.com/office/powerpoint/2010/main" val="2253001565"/>
+        <p14:creationId xmlns:p14="http://schemas.microsoft.com/office/powerpoint/2010/main" val="97948181"/>
       </p:ext>
     </p:extLst>
   </p:cSld>
@@ -2826,13 +2612,7 @@
       </p:grpSpPr>
       <p:sp>
         <p:nvSpPr>
-          <p:cNvPr id="2" name="Date Placeholder 1">
-            <a:extLst>
-              <a:ext uri="{FF2B5EF4-FFF2-40B4-BE49-F238E27FC236}">
-                <a16:creationId xmlns:a16="http://schemas.microsoft.com/office/drawing/2014/main" id="{696A847D-E176-4580-B3CA-91449AF92362}"/>
-              </a:ext>
-            </a:extLst>
-          </p:cNvPr>
+          <p:cNvPr id="2" name="Date Placeholder 1"/>
           <p:cNvSpPr>
             <a:spLocks noGrp="1"/>
           </p:cNvSpPr>
@@ -2855,13 +2635,7 @@
       </p:sp>
       <p:sp>
         <p:nvSpPr>
-          <p:cNvPr id="3" name="Footer Placeholder 2">
-            <a:extLst>
-              <a:ext uri="{FF2B5EF4-FFF2-40B4-BE49-F238E27FC236}">
-                <a16:creationId xmlns:a16="http://schemas.microsoft.com/office/drawing/2014/main" id="{C1ACB9F9-DAFA-4EF1-AB5E-34746BFA93D5}"/>
-              </a:ext>
-            </a:extLst>
-          </p:cNvPr>
+          <p:cNvPr id="3" name="Footer Placeholder 2"/>
           <p:cNvSpPr>
             <a:spLocks noGrp="1"/>
           </p:cNvSpPr>
@@ -2880,13 +2654,7 @@
       </p:sp>
       <p:sp>
         <p:nvSpPr>
-          <p:cNvPr id="4" name="Slide Number Placeholder 3">
-            <a:extLst>
-              <a:ext uri="{FF2B5EF4-FFF2-40B4-BE49-F238E27FC236}">
-                <a16:creationId xmlns:a16="http://schemas.microsoft.com/office/drawing/2014/main" id="{8E96F303-1AA7-4EA7-930C-33A90DA08DF8}"/>
-              </a:ext>
-            </a:extLst>
-          </p:cNvPr>
+          <p:cNvPr id="4" name="Slide Number Placeholder 3"/>
           <p:cNvSpPr>
             <a:spLocks noGrp="1"/>
           </p:cNvSpPr>
@@ -2910,7 +2678,7 @@
     </p:spTree>
     <p:extLst>
       <p:ext uri="{BB962C8B-B14F-4D97-AF65-F5344CB8AC3E}">
-        <p14:creationId xmlns:p14="http://schemas.microsoft.com/office/powerpoint/2010/main" val="1698642633"/>
+        <p14:creationId xmlns:p14="http://schemas.microsoft.com/office/powerpoint/2010/main" val="264155044"/>
       </p:ext>
     </p:extLst>
   </p:cSld>
@@ -2939,13 +2707,7 @@
       </p:grpSpPr>
       <p:sp>
         <p:nvSpPr>
-          <p:cNvPr id="2" name="Title 1">
-            <a:extLst>
-              <a:ext uri="{FF2B5EF4-FFF2-40B4-BE49-F238E27FC236}">
-                <a16:creationId xmlns:a16="http://schemas.microsoft.com/office/drawing/2014/main" id="{1732E375-D6BD-454A-A9F5-F92CD829B068}"/>
-              </a:ext>
-            </a:extLst>
-          </p:cNvPr>
+          <p:cNvPr id="2" name="Title 1"/>
           <p:cNvSpPr>
             <a:spLocks noGrp="1"/>
           </p:cNvSpPr>
@@ -2968,21 +2730,16 @@
           </a:lstStyle>
           <a:p>
             <a:r>
-              <a:rPr lang="en-US"/>
+              <a:rPr lang="en-US" smtClean="0"/>
               <a:t>Click to edit Master title style</a:t>
             </a:r>
-          </a:p>
-        </p:txBody>
-      </p:sp>
-      <p:sp>
-        <p:nvSpPr>
-          <p:cNvPr id="3" name="Content Placeholder 2">
-            <a:extLst>
-              <a:ext uri="{FF2B5EF4-FFF2-40B4-BE49-F238E27FC236}">
-                <a16:creationId xmlns:a16="http://schemas.microsoft.com/office/drawing/2014/main" id="{1C8DC338-E90E-443B-8C2C-AF30F699FA9A}"/>
-              </a:ext>
-            </a:extLst>
-          </p:cNvPr>
+            <a:endParaRPr lang="en-US"/>
+          </a:p>
+        </p:txBody>
+      </p:sp>
+      <p:sp>
+        <p:nvSpPr>
+          <p:cNvPr id="3" name="Content Placeholder 2"/>
           <p:cNvSpPr>
             <a:spLocks noGrp="1"/>
           </p:cNvSpPr>
@@ -3030,49 +2787,44 @@
           <a:p>
             <a:pPr lvl="0"/>
             <a:r>
-              <a:rPr lang="en-US"/>
-              <a:t>Click to edit Master text styles</a:t>
+              <a:rPr lang="en-US" smtClean="0"/>
+              <a:t>Edit Master text styles</a:t>
             </a:r>
           </a:p>
           <a:p>
             <a:pPr lvl="1"/>
             <a:r>
-              <a:rPr lang="en-US"/>
+              <a:rPr lang="en-US" smtClean="0"/>
               <a:t>Second level</a:t>
             </a:r>
           </a:p>
           <a:p>
             <a:pPr lvl="2"/>
             <a:r>
-              <a:rPr lang="en-US"/>
+              <a:rPr lang="en-US" smtClean="0"/>
               <a:t>Third level</a:t>
             </a:r>
           </a:p>
           <a:p>
             <a:pPr lvl="3"/>
             <a:r>
-              <a:rPr lang="en-US"/>
+              <a:rPr lang="en-US" smtClean="0"/>
               <a:t>Fourth level</a:t>
             </a:r>
           </a:p>
           <a:p>
             <a:pPr lvl="4"/>
             <a:r>
-              <a:rPr lang="en-US"/>
+              <a:rPr lang="en-US" smtClean="0"/>
               <a:t>Fifth level</a:t>
             </a:r>
-          </a:p>
-        </p:txBody>
-      </p:sp>
-      <p:sp>
-        <p:nvSpPr>
-          <p:cNvPr id="4" name="Text Placeholder 3">
-            <a:extLst>
-              <a:ext uri="{FF2B5EF4-FFF2-40B4-BE49-F238E27FC236}">
-                <a16:creationId xmlns:a16="http://schemas.microsoft.com/office/drawing/2014/main" id="{DF787DB1-9FA9-4143-921C-D3AD95CCD751}"/>
-              </a:ext>
-            </a:extLst>
-          </p:cNvPr>
+            <a:endParaRPr lang="en-US"/>
+          </a:p>
+        </p:txBody>
+      </p:sp>
+      <p:sp>
+        <p:nvSpPr>
+          <p:cNvPr id="4" name="Text Placeholder 3"/>
           <p:cNvSpPr>
             <a:spLocks noGrp="1"/>
           </p:cNvSpPr>
@@ -3129,21 +2881,15 @@
           <a:p>
             <a:pPr lvl="0"/>
             <a:r>
-              <a:rPr lang="en-US"/>
-              <a:t>Click to edit Master text styles</a:t>
-            </a:r>
-          </a:p>
-        </p:txBody>
-      </p:sp>
-      <p:sp>
-        <p:nvSpPr>
-          <p:cNvPr id="5" name="Date Placeholder 4">
-            <a:extLst>
-              <a:ext uri="{FF2B5EF4-FFF2-40B4-BE49-F238E27FC236}">
-                <a16:creationId xmlns:a16="http://schemas.microsoft.com/office/drawing/2014/main" id="{2CDB4DBE-CF99-476F-9E32-C834BA00DB77}"/>
-              </a:ext>
-            </a:extLst>
-          </p:cNvPr>
+              <a:rPr lang="en-US" smtClean="0"/>
+              <a:t>Edit Master text styles</a:t>
+            </a:r>
+          </a:p>
+        </p:txBody>
+      </p:sp>
+      <p:sp>
+        <p:nvSpPr>
+          <p:cNvPr id="5" name="Date Placeholder 4"/>
           <p:cNvSpPr>
             <a:spLocks noGrp="1"/>
           </p:cNvSpPr>
@@ -3166,13 +2912,7 @@
       </p:sp>
       <p:sp>
         <p:nvSpPr>
-          <p:cNvPr id="6" name="Footer Placeholder 5">
-            <a:extLst>
-              <a:ext uri="{FF2B5EF4-FFF2-40B4-BE49-F238E27FC236}">
-                <a16:creationId xmlns:a16="http://schemas.microsoft.com/office/drawing/2014/main" id="{A160053A-FF9B-48E2-B5D2-70726F3323F9}"/>
-              </a:ext>
-            </a:extLst>
-          </p:cNvPr>
+          <p:cNvPr id="6" name="Footer Placeholder 5"/>
           <p:cNvSpPr>
             <a:spLocks noGrp="1"/>
           </p:cNvSpPr>
@@ -3191,13 +2931,7 @@
       </p:sp>
       <p:sp>
         <p:nvSpPr>
-          <p:cNvPr id="7" name="Slide Number Placeholder 6">
-            <a:extLst>
-              <a:ext uri="{FF2B5EF4-FFF2-40B4-BE49-F238E27FC236}">
-                <a16:creationId xmlns:a16="http://schemas.microsoft.com/office/drawing/2014/main" id="{A01C3DD7-5423-4E13-B3A4-93DC4009A0FD}"/>
-              </a:ext>
-            </a:extLst>
-          </p:cNvPr>
+          <p:cNvPr id="7" name="Slide Number Placeholder 6"/>
           <p:cNvSpPr>
             <a:spLocks noGrp="1"/>
           </p:cNvSpPr>
@@ -3221,7 +2955,7 @@
     </p:spTree>
     <p:extLst>
       <p:ext uri="{BB962C8B-B14F-4D97-AF65-F5344CB8AC3E}">
-        <p14:creationId xmlns:p14="http://schemas.microsoft.com/office/powerpoint/2010/main" val="1235746860"/>
+        <p14:creationId xmlns:p14="http://schemas.microsoft.com/office/powerpoint/2010/main" val="147587272"/>
       </p:ext>
     </p:extLst>
   </p:cSld>
@@ -3250,13 +2984,7 @@
       </p:grpSpPr>
       <p:sp>
         <p:nvSpPr>
-          <p:cNvPr id="2" name="Title 1">
-            <a:extLst>
-              <a:ext uri="{FF2B5EF4-FFF2-40B4-BE49-F238E27FC236}">
-                <a16:creationId xmlns:a16="http://schemas.microsoft.com/office/drawing/2014/main" id="{15973443-70D2-4A20-998B-36D7888BFADB}"/>
-              </a:ext>
-            </a:extLst>
-          </p:cNvPr>
+          <p:cNvPr id="2" name="Title 1"/>
           <p:cNvSpPr>
             <a:spLocks noGrp="1"/>
           </p:cNvSpPr>
@@ -3279,21 +3007,16 @@
           </a:lstStyle>
           <a:p>
             <a:r>
-              <a:rPr lang="en-US"/>
+              <a:rPr lang="en-US" smtClean="0"/>
               <a:t>Click to edit Master title style</a:t>
             </a:r>
-          </a:p>
-        </p:txBody>
-      </p:sp>
-      <p:sp>
-        <p:nvSpPr>
-          <p:cNvPr id="3" name="Picture Placeholder 2">
-            <a:extLst>
-              <a:ext uri="{FF2B5EF4-FFF2-40B4-BE49-F238E27FC236}">
-                <a16:creationId xmlns:a16="http://schemas.microsoft.com/office/drawing/2014/main" id="{044224B8-EBB0-4D2D-8FD6-58753572A920}"/>
-              </a:ext>
-            </a:extLst>
-          </p:cNvPr>
+            <a:endParaRPr lang="en-US"/>
+          </a:p>
+        </p:txBody>
+      </p:sp>
+      <p:sp>
+        <p:nvSpPr>
+          <p:cNvPr id="3" name="Picture Placeholder 2"/>
           <p:cNvSpPr>
             <a:spLocks noGrp="1"/>
           </p:cNvSpPr>
@@ -3354,13 +3077,7 @@
       </p:sp>
       <p:sp>
         <p:nvSpPr>
-          <p:cNvPr id="4" name="Text Placeholder 3">
-            <a:extLst>
-              <a:ext uri="{FF2B5EF4-FFF2-40B4-BE49-F238E27FC236}">
-                <a16:creationId xmlns:a16="http://schemas.microsoft.com/office/drawing/2014/main" id="{FE7F4695-4B97-4D40-A379-959D47092868}"/>
-              </a:ext>
-            </a:extLst>
-          </p:cNvPr>
+          <p:cNvPr id="4" name="Text Placeholder 3"/>
           <p:cNvSpPr>
             <a:spLocks noGrp="1"/>
           </p:cNvSpPr>
@@ -3417,21 +3134,15 @@
           <a:p>
             <a:pPr lvl="0"/>
             <a:r>
-              <a:rPr lang="en-US"/>
-              <a:t>Click to edit Master text styles</a:t>
-            </a:r>
-          </a:p>
-        </p:txBody>
-      </p:sp>
-      <p:sp>
-        <p:nvSpPr>
-          <p:cNvPr id="5" name="Date Placeholder 4">
-            <a:extLst>
-              <a:ext uri="{FF2B5EF4-FFF2-40B4-BE49-F238E27FC236}">
-                <a16:creationId xmlns:a16="http://schemas.microsoft.com/office/drawing/2014/main" id="{03BD305E-FE21-445E-831C-1D8B5C0B5788}"/>
-              </a:ext>
-            </a:extLst>
-          </p:cNvPr>
+              <a:rPr lang="en-US" smtClean="0"/>
+              <a:t>Edit Master text styles</a:t>
+            </a:r>
+          </a:p>
+        </p:txBody>
+      </p:sp>
+      <p:sp>
+        <p:nvSpPr>
+          <p:cNvPr id="5" name="Date Placeholder 4"/>
           <p:cNvSpPr>
             <a:spLocks noGrp="1"/>
           </p:cNvSpPr>
@@ -3454,13 +3165,7 @@
       </p:sp>
       <p:sp>
         <p:nvSpPr>
-          <p:cNvPr id="6" name="Footer Placeholder 5">
-            <a:extLst>
-              <a:ext uri="{FF2B5EF4-FFF2-40B4-BE49-F238E27FC236}">
-                <a16:creationId xmlns:a16="http://schemas.microsoft.com/office/drawing/2014/main" id="{2611A319-B6DF-4322-933D-AE85BD93720B}"/>
-              </a:ext>
-            </a:extLst>
-          </p:cNvPr>
+          <p:cNvPr id="6" name="Footer Placeholder 5"/>
           <p:cNvSpPr>
             <a:spLocks noGrp="1"/>
           </p:cNvSpPr>
@@ -3479,13 +3184,7 @@
       </p:sp>
       <p:sp>
         <p:nvSpPr>
-          <p:cNvPr id="7" name="Slide Number Placeholder 6">
-            <a:extLst>
-              <a:ext uri="{FF2B5EF4-FFF2-40B4-BE49-F238E27FC236}">
-                <a16:creationId xmlns:a16="http://schemas.microsoft.com/office/drawing/2014/main" id="{F1FF30A2-B1A6-43C4-ADE8-BA284CF0F5F7}"/>
-              </a:ext>
-            </a:extLst>
-          </p:cNvPr>
+          <p:cNvPr id="7" name="Slide Number Placeholder 6"/>
           <p:cNvSpPr>
             <a:spLocks noGrp="1"/>
           </p:cNvSpPr>
@@ -3509,7 +3208,7 @@
     </p:spTree>
     <p:extLst>
       <p:ext uri="{BB962C8B-B14F-4D97-AF65-F5344CB8AC3E}">
-        <p14:creationId xmlns:p14="http://schemas.microsoft.com/office/powerpoint/2010/main" val="151881105"/>
+        <p14:creationId xmlns:p14="http://schemas.microsoft.com/office/powerpoint/2010/main" val="1890198408"/>
       </p:ext>
     </p:extLst>
   </p:cSld>
@@ -3543,13 +3242,7 @@
       </p:grpSpPr>
       <p:sp>
         <p:nvSpPr>
-          <p:cNvPr id="2" name="Title Placeholder 1">
-            <a:extLst>
-              <a:ext uri="{FF2B5EF4-FFF2-40B4-BE49-F238E27FC236}">
-                <a16:creationId xmlns:a16="http://schemas.microsoft.com/office/drawing/2014/main" id="{7E28C069-CF14-4DA7-A345-ADFB86A34951}"/>
-              </a:ext>
-            </a:extLst>
-          </p:cNvPr>
+          <p:cNvPr id="2" name="Title Placeholder 1"/>
           <p:cNvSpPr>
             <a:spLocks noGrp="1"/>
           </p:cNvSpPr>
@@ -3573,21 +3266,16 @@
           <a:lstStyle/>
           <a:p>
             <a:r>
-              <a:rPr lang="en-US"/>
+              <a:rPr lang="en-US" smtClean="0"/>
               <a:t>Click to edit Master title style</a:t>
             </a:r>
-          </a:p>
-        </p:txBody>
-      </p:sp>
-      <p:sp>
-        <p:nvSpPr>
-          <p:cNvPr id="3" name="Text Placeholder 2">
-            <a:extLst>
-              <a:ext uri="{FF2B5EF4-FFF2-40B4-BE49-F238E27FC236}">
-                <a16:creationId xmlns:a16="http://schemas.microsoft.com/office/drawing/2014/main" id="{E0838197-87C2-4125-A3B0-E16F3B758F88}"/>
-              </a:ext>
-            </a:extLst>
-          </p:cNvPr>
+            <a:endParaRPr lang="en-US"/>
+          </a:p>
+        </p:txBody>
+      </p:sp>
+      <p:sp>
+        <p:nvSpPr>
+          <p:cNvPr id="3" name="Text Placeholder 2"/>
           <p:cNvSpPr>
             <a:spLocks noGrp="1"/>
           </p:cNvSpPr>
@@ -3612,49 +3300,44 @@
           <a:p>
             <a:pPr lvl="0"/>
             <a:r>
-              <a:rPr lang="en-US"/>
-              <a:t>Click to edit Master text styles</a:t>
+              <a:rPr lang="en-US" smtClean="0"/>
+              <a:t>Edit Master text styles</a:t>
             </a:r>
           </a:p>
           <a:p>
             <a:pPr lvl="1"/>
             <a:r>
-              <a:rPr lang="en-US"/>
+              <a:rPr lang="en-US" smtClean="0"/>
               <a:t>Second level</a:t>
             </a:r>
           </a:p>
           <a:p>
             <a:pPr lvl="2"/>
             <a:r>
-              <a:rPr lang="en-US"/>
+              <a:rPr lang="en-US" smtClean="0"/>
               <a:t>Third level</a:t>
             </a:r>
           </a:p>
           <a:p>
             <a:pPr lvl="3"/>
             <a:r>
-              <a:rPr lang="en-US"/>
+              <a:rPr lang="en-US" smtClean="0"/>
               <a:t>Fourth level</a:t>
             </a:r>
           </a:p>
           <a:p>
             <a:pPr lvl="4"/>
             <a:r>
-              <a:rPr lang="en-US"/>
+              <a:rPr lang="en-US" smtClean="0"/>
               <a:t>Fifth level</a:t>
             </a:r>
-          </a:p>
-        </p:txBody>
-      </p:sp>
-      <p:sp>
-        <p:nvSpPr>
-          <p:cNvPr id="4" name="Date Placeholder 3">
-            <a:extLst>
-              <a:ext uri="{FF2B5EF4-FFF2-40B4-BE49-F238E27FC236}">
-                <a16:creationId xmlns:a16="http://schemas.microsoft.com/office/drawing/2014/main" id="{65166114-0912-4B8D-99E0-4211FB5E6A0F}"/>
-              </a:ext>
-            </a:extLst>
-          </p:cNvPr>
+            <a:endParaRPr lang="en-US"/>
+          </a:p>
+        </p:txBody>
+      </p:sp>
+      <p:sp>
+        <p:nvSpPr>
+          <p:cNvPr id="4" name="Date Placeholder 3"/>
           <p:cNvSpPr>
             <a:spLocks noGrp="1"/>
           </p:cNvSpPr>
@@ -3695,13 +3378,7 @@
       </p:sp>
       <p:sp>
         <p:nvSpPr>
-          <p:cNvPr id="5" name="Footer Placeholder 4">
-            <a:extLst>
-              <a:ext uri="{FF2B5EF4-FFF2-40B4-BE49-F238E27FC236}">
-                <a16:creationId xmlns:a16="http://schemas.microsoft.com/office/drawing/2014/main" id="{879F4A2F-132B-42FC-8F45-1FB04AB6AF36}"/>
-              </a:ext>
-            </a:extLst>
-          </p:cNvPr>
+          <p:cNvPr id="5" name="Footer Placeholder 4"/>
           <p:cNvSpPr>
             <a:spLocks noGrp="1"/>
           </p:cNvSpPr>
@@ -3738,13 +3415,7 @@
       </p:sp>
       <p:sp>
         <p:nvSpPr>
-          <p:cNvPr id="6" name="Slide Number Placeholder 5">
-            <a:extLst>
-              <a:ext uri="{FF2B5EF4-FFF2-40B4-BE49-F238E27FC236}">
-                <a16:creationId xmlns:a16="http://schemas.microsoft.com/office/drawing/2014/main" id="{C6EFAA4C-6516-43D1-8690-23526E1B3B82}"/>
-              </a:ext>
-            </a:extLst>
-          </p:cNvPr>
+          <p:cNvPr id="6" name="Slide Number Placeholder 5"/>
           <p:cNvSpPr>
             <a:spLocks noGrp="1"/>
           </p:cNvSpPr>
@@ -3786,23 +3457,23 @@
     </p:spTree>
     <p:extLst>
       <p:ext uri="{BB962C8B-B14F-4D97-AF65-F5344CB8AC3E}">
-        <p14:creationId xmlns:p14="http://schemas.microsoft.com/office/powerpoint/2010/main" val="1397027945"/>
+        <p14:creationId xmlns:p14="http://schemas.microsoft.com/office/powerpoint/2010/main" val="998054288"/>
       </p:ext>
     </p:extLst>
   </p:cSld>
   <p:clrMap bg1="lt1" tx1="dk1" bg2="lt2" tx2="dk2" accent1="accent1" accent2="accent2" accent3="accent3" accent4="accent4" accent5="accent5" accent6="accent6" hlink="hlink" folHlink="folHlink"/>
   <p:sldLayoutIdLst>
-    <p:sldLayoutId id="2147483649" r:id="rId1"/>
-    <p:sldLayoutId id="2147483650" r:id="rId2"/>
-    <p:sldLayoutId id="2147483651" r:id="rId3"/>
-    <p:sldLayoutId id="2147483652" r:id="rId4"/>
-    <p:sldLayoutId id="2147483653" r:id="rId5"/>
-    <p:sldLayoutId id="2147483654" r:id="rId6"/>
-    <p:sldLayoutId id="2147483655" r:id="rId7"/>
-    <p:sldLayoutId id="2147483656" r:id="rId8"/>
-    <p:sldLayoutId id="2147483657" r:id="rId9"/>
-    <p:sldLayoutId id="2147483658" r:id="rId10"/>
-    <p:sldLayoutId id="2147483659" r:id="rId11"/>
+    <p:sldLayoutId id="2147483719" r:id="rId1"/>
+    <p:sldLayoutId id="2147483720" r:id="rId2"/>
+    <p:sldLayoutId id="2147483721" r:id="rId3"/>
+    <p:sldLayoutId id="2147483722" r:id="rId4"/>
+    <p:sldLayoutId id="2147483723" r:id="rId5"/>
+    <p:sldLayoutId id="2147483724" r:id="rId6"/>
+    <p:sldLayoutId id="2147483725" r:id="rId7"/>
+    <p:sldLayoutId id="2147483726" r:id="rId8"/>
+    <p:sldLayoutId id="2147483727" r:id="rId9"/>
+    <p:sldLayoutId id="2147483728" r:id="rId10"/>
+    <p:sldLayoutId id="2147483729" r:id="rId11"/>
   </p:sldLayoutIdLst>
   <p:txStyles>
     <p:titleStyle>
@@ -4114,176 +3785,6 @@
       </p:grpSpPr>
       <p:sp>
         <p:nvSpPr>
-          <p:cNvPr id="9" name="Rectangle 8">
-            <a:extLst>
-              <a:ext uri="{FF2B5EF4-FFF2-40B4-BE49-F238E27FC236}">
-                <a16:creationId xmlns:a16="http://schemas.microsoft.com/office/drawing/2014/main" id="{74426AB7-D619-4515-962A-BC83909EC015}"/>
-              </a:ext>
-              <a:ext uri="{C183D7F6-B498-43B3-948B-1728B52AA6E4}">
-                <adec:decorative xmlns:adec="http://schemas.microsoft.com/office/drawing/2017/decorative" val="1"/>
-              </a:ext>
-            </a:extLst>
-          </p:cNvPr>
-          <p:cNvSpPr>
-            <a:spLocks noGrp="1" noRot="1" noChangeAspect="1" noMove="1" noResize="1" noEditPoints="1" noAdjustHandles="1" noChangeArrowheads="1" noChangeShapeType="1" noTextEdit="1"/>
-          </p:cNvSpPr>
-          <p:nvPr>
-            <p:extLst>
-              <p:ext uri="{386F3935-93C4-4BCD-93E2-E3B085C9AB24}">
-                <p16:designElem xmlns:p16="http://schemas.microsoft.com/office/powerpoint/2015/main" val="1"/>
-              </p:ext>
-            </p:extLst>
-          </p:nvPr>
-        </p:nvSpPr>
-        <p:spPr>
-          <a:xfrm>
-            <a:off x="0" y="0"/>
-            <a:ext cx="12192000" cy="6858000"/>
-          </a:xfrm>
-          <a:prstGeom prst="rect">
-            <a:avLst/>
-          </a:prstGeom>
-          <a:solidFill>
-            <a:srgbClr val="4F475F"/>
-          </a:solidFill>
-          <a:ln>
-            <a:noFill/>
-          </a:ln>
-        </p:spPr>
-        <p:style>
-          <a:lnRef idx="2">
-            <a:schemeClr val="accent1">
-              <a:shade val="50000"/>
-            </a:schemeClr>
-          </a:lnRef>
-          <a:fillRef idx="1">
-            <a:schemeClr val="accent1"/>
-          </a:fillRef>
-          <a:effectRef idx="0">
-            <a:schemeClr val="accent1"/>
-          </a:effectRef>
-          <a:fontRef idx="minor">
-            <a:schemeClr val="lt1"/>
-          </a:fontRef>
-        </p:style>
-        <p:txBody>
-          <a:bodyPr rtlCol="0" anchor="ctr"/>
-          <a:lstStyle/>
-          <a:p>
-            <a:pPr algn="ctr"/>
-            <a:endParaRPr lang="en-US"/>
-          </a:p>
-        </p:txBody>
-      </p:sp>
-      <p:sp>
-        <p:nvSpPr>
-          <p:cNvPr id="11" name="Rectangle 10">
-            <a:extLst>
-              <a:ext uri="{FF2B5EF4-FFF2-40B4-BE49-F238E27FC236}">
-                <a16:creationId xmlns:a16="http://schemas.microsoft.com/office/drawing/2014/main" id="{DE47DF98-723F-4AAC-ABCF-CACBC438F78F}"/>
-              </a:ext>
-              <a:ext uri="{C183D7F6-B498-43B3-948B-1728B52AA6E4}">
-                <adec:decorative xmlns:adec="http://schemas.microsoft.com/office/drawing/2017/decorative" val="1"/>
-              </a:ext>
-            </a:extLst>
-          </p:cNvPr>
-          <p:cNvSpPr>
-            <a:spLocks noGrp="1" noRot="1" noChangeAspect="1" noMove="1" noResize="1" noEditPoints="1" noAdjustHandles="1" noChangeArrowheads="1" noChangeShapeType="1" noTextEdit="1"/>
-          </p:cNvSpPr>
-          <p:nvPr>
-            <p:extLst>
-              <p:ext uri="{386F3935-93C4-4BCD-93E2-E3B085C9AB24}">
-                <p16:designElem xmlns:p16="http://schemas.microsoft.com/office/powerpoint/2015/main" val="1"/>
-              </p:ext>
-            </p:extLst>
-          </p:nvPr>
-        </p:nvSpPr>
-        <p:spPr>
-          <a:xfrm>
-            <a:off x="243840" y="256540"/>
-            <a:ext cx="11704320" cy="6365239"/>
-          </a:xfrm>
-          <a:prstGeom prst="rect">
-            <a:avLst/>
-          </a:prstGeom>
-          <a:solidFill>
-            <a:srgbClr val="FFFFFF"/>
-          </a:solidFill>
-          <a:ln w="12700">
-            <a:noFill/>
-          </a:ln>
-        </p:spPr>
-        <p:style>
-          <a:lnRef idx="2">
-            <a:schemeClr val="accent1">
-              <a:shade val="50000"/>
-            </a:schemeClr>
-          </a:lnRef>
-          <a:fillRef idx="1">
-            <a:schemeClr val="accent1"/>
-          </a:fillRef>
-          <a:effectRef idx="0">
-            <a:schemeClr val="accent1"/>
-          </a:effectRef>
-          <a:fontRef idx="minor">
-            <a:schemeClr val="lt1"/>
-          </a:fontRef>
-        </p:style>
-      </p:sp>
-      <p:cxnSp>
-        <p:nvCxnSpPr>
-          <p:cNvPr id="13" name="Straight Connector 12">
-            <a:extLst>
-              <a:ext uri="{FF2B5EF4-FFF2-40B4-BE49-F238E27FC236}">
-                <a16:creationId xmlns:a16="http://schemas.microsoft.com/office/drawing/2014/main" id="{EA29FC7C-9308-4FDE-8DCA-405668055B0F}"/>
-              </a:ext>
-              <a:ext uri="{C183D7F6-B498-43B3-948B-1728B52AA6E4}">
-                <adec:decorative xmlns:adec="http://schemas.microsoft.com/office/drawing/2017/decorative" val="1"/>
-              </a:ext>
-            </a:extLst>
-          </p:cNvPr>
-          <p:cNvCxnSpPr>
-            <a:cxnSpLocks noGrp="1" noRot="1" noChangeAspect="1" noMove="1" noResize="1" noEditPoints="1" noAdjustHandles="1" noChangeArrowheads="1" noChangeShapeType="1"/>
-          </p:cNvCxnSpPr>
-          <p:nvPr>
-            <p:extLst>
-              <p:ext uri="{386F3935-93C4-4BCD-93E2-E3B085C9AB24}">
-                <p16:designElem xmlns:p16="http://schemas.microsoft.com/office/powerpoint/2015/main" val="1"/>
-              </p:ext>
-            </p:extLst>
-          </p:nvPr>
-        </p:nvCxnSpPr>
-        <p:spPr>
-          <a:xfrm>
-            <a:off x="2895600" y="5768204"/>
-            <a:ext cx="6400800" cy="0"/>
-          </a:xfrm>
-          <a:prstGeom prst="line">
-            <a:avLst/>
-          </a:prstGeom>
-          <a:ln>
-            <a:solidFill>
-              <a:srgbClr val="4F475F"/>
-            </a:solidFill>
-          </a:ln>
-        </p:spPr>
-        <p:style>
-          <a:lnRef idx="1">
-            <a:schemeClr val="accent1"/>
-          </a:lnRef>
-          <a:fillRef idx="0">
-            <a:schemeClr val="accent1"/>
-          </a:fillRef>
-          <a:effectRef idx="0">
-            <a:schemeClr val="accent1"/>
-          </a:effectRef>
-          <a:fontRef idx="minor">
-            <a:schemeClr val="tx1"/>
-          </a:fontRef>
-        </p:style>
-      </p:cxnSp>
-      <p:sp>
-        <p:nvSpPr>
           <p:cNvPr id="2" name="Title 1">
             <a:extLst>
               <a:ext uri="{FF2B5EF4-FFF2-40B4-BE49-F238E27FC236}">
@@ -4548,6 +4049,1087 @@
 </p:sld>
 </file>
 
+<file path=ppt/slides/slide10.xml><?xml version="1.0" encoding="utf-8"?>
+<p:sld xmlns:a="http://schemas.openxmlformats.org/drawingml/2006/main" xmlns:r="http://schemas.openxmlformats.org/officeDocument/2006/relationships" xmlns:p="http://schemas.openxmlformats.org/presentationml/2006/main">
+  <p:cSld>
+    <p:spTree>
+      <p:nvGrpSpPr>
+        <p:cNvPr id="1" name=""/>
+        <p:cNvGrpSpPr/>
+        <p:nvPr/>
+      </p:nvGrpSpPr>
+      <p:grpSpPr>
+        <a:xfrm>
+          <a:off x="0" y="0"/>
+          <a:ext cx="0" cy="0"/>
+          <a:chOff x="0" y="0"/>
+          <a:chExt cx="0" cy="0"/>
+        </a:xfrm>
+      </p:grpSpPr>
+      <p:sp>
+        <p:nvSpPr>
+          <p:cNvPr id="2" name="Title 1">
+            <a:extLst>
+              <a:ext uri="{FF2B5EF4-FFF2-40B4-BE49-F238E27FC236}">
+                <a16:creationId xmlns:a16="http://schemas.microsoft.com/office/drawing/2014/main" id="{4BBCD54A-5AE3-493B-8E8B-1C3F765D66DA}"/>
+              </a:ext>
+            </a:extLst>
+          </p:cNvPr>
+          <p:cNvSpPr>
+            <a:spLocks noGrp="1"/>
+          </p:cNvSpPr>
+          <p:nvPr>
+            <p:ph type="title"/>
+          </p:nvPr>
+        </p:nvSpPr>
+        <p:spPr>
+          <a:xfrm>
+            <a:off x="643467" y="321734"/>
+            <a:ext cx="10905066" cy="1135737"/>
+          </a:xfrm>
+        </p:spPr>
+        <p:txBody>
+          <a:bodyPr>
+            <a:normAutofit/>
+          </a:bodyPr>
+          <a:lstStyle/>
+          <a:p>
+            <a:r>
+              <a:rPr lang="en-US" sz="3600" dirty="0" smtClean="0"/>
+              <a:t>Entity – </a:t>
+            </a:r>
+            <a:r>
+              <a:rPr lang="en-US" sz="3600" dirty="0" err="1" smtClean="0"/>
+              <a:t>Thực</a:t>
+            </a:r>
+            <a:r>
+              <a:rPr lang="en-US" sz="3600" dirty="0" smtClean="0"/>
+              <a:t> </a:t>
+            </a:r>
+            <a:r>
+              <a:rPr lang="en-US" sz="3600" dirty="0" err="1" smtClean="0"/>
+              <a:t>thể</a:t>
+            </a:r>
+            <a:endParaRPr lang="en-US" sz="3600" dirty="0"/>
+          </a:p>
+        </p:txBody>
+      </p:sp>
+      <p:sp>
+        <p:nvSpPr>
+          <p:cNvPr id="8" name="Content Placeholder 7">
+            <a:extLst>
+              <a:ext uri="{FF2B5EF4-FFF2-40B4-BE49-F238E27FC236}">
+                <a16:creationId xmlns:a16="http://schemas.microsoft.com/office/drawing/2014/main" id="{8A888592-E7BC-47C4-9B12-1E120500AD72}"/>
+              </a:ext>
+            </a:extLst>
+          </p:cNvPr>
+          <p:cNvSpPr>
+            <a:spLocks noGrp="1"/>
+          </p:cNvSpPr>
+          <p:nvPr>
+            <p:ph idx="1"/>
+          </p:nvPr>
+        </p:nvSpPr>
+        <p:spPr>
+          <a:xfrm>
+            <a:off x="643469" y="1782981"/>
+            <a:ext cx="4008384" cy="4393982"/>
+          </a:xfrm>
+        </p:spPr>
+        <p:txBody>
+          <a:bodyPr>
+            <a:normAutofit/>
+          </a:bodyPr>
+          <a:lstStyle/>
+          <a:p>
+            <a:r>
+              <a:rPr lang="vi-VN" sz="2000" dirty="0">
+                <a:latin typeface="Calibri" panose="020F0502020204030204" pitchFamily="34" charset="0"/>
+                <a:cs typeface="Calibri" panose="020F0502020204030204" pitchFamily="34" charset="0"/>
+              </a:rPr>
+              <a:t>Ngôn ngữ được sử dụng trong cả kĩ thuật lẫn trong nghiệp vụ</a:t>
+            </a:r>
+          </a:p>
+          <a:p>
+            <a:r>
+              <a:rPr lang="vi-VN" sz="2000" dirty="0">
+                <a:latin typeface="Calibri" panose="020F0502020204030204" pitchFamily="34" charset="0"/>
+                <a:cs typeface="Calibri" panose="020F0502020204030204" pitchFamily="34" charset="0"/>
+              </a:rPr>
+              <a:t>Được phản ánh trong code</a:t>
+            </a:r>
+          </a:p>
+          <a:p>
+            <a:r>
+              <a:rPr lang="vi-VN" sz="2000" dirty="0">
+                <a:latin typeface="Calibri" panose="020F0502020204030204" pitchFamily="34" charset="0"/>
+                <a:cs typeface="Calibri" panose="020F0502020204030204" pitchFamily="34" charset="0"/>
+              </a:rPr>
+              <a:t>Được phản ánh trong tất cả tính năng của hệ thống</a:t>
+            </a:r>
+            <a:endParaRPr lang="en-US" sz="2000" dirty="0">
+              <a:latin typeface="Calibri" panose="020F0502020204030204" pitchFamily="34" charset="0"/>
+              <a:cs typeface="Calibri" panose="020F0502020204030204" pitchFamily="34" charset="0"/>
+            </a:endParaRPr>
+          </a:p>
+        </p:txBody>
+      </p:sp>
+      <p:pic>
+        <p:nvPicPr>
+          <p:cNvPr id="2052" name="Picture 4" descr="Strategic Domain Driven Design with Context Mapping"/>
+          <p:cNvPicPr>
+            <a:picLocks noChangeAspect="1" noChangeArrowheads="1"/>
+          </p:cNvPicPr>
+          <p:nvPr/>
+        </p:nvPicPr>
+        <p:blipFill>
+          <a:blip r:embed="rId2">
+            <a:extLst>
+              <a:ext uri="{28A0092B-C50C-407E-A947-70E740481C1C}">
+                <a14:useLocalDpi xmlns:a14="http://schemas.microsoft.com/office/drawing/2010/main" val="0"/>
+              </a:ext>
+            </a:extLst>
+          </a:blip>
+          <a:srcRect/>
+          <a:stretch>
+            <a:fillRect/>
+          </a:stretch>
+        </p:blipFill>
+        <p:spPr bwMode="auto">
+          <a:xfrm>
+            <a:off x="6543675" y="1457471"/>
+            <a:ext cx="4257675" cy="4295775"/>
+          </a:xfrm>
+          <a:prstGeom prst="rect">
+            <a:avLst/>
+          </a:prstGeom>
+          <a:noFill/>
+          <a:extLst>
+            <a:ext uri="{909E8E84-426E-40DD-AFC4-6F175D3DCCD1}">
+              <a14:hiddenFill xmlns:a14="http://schemas.microsoft.com/office/drawing/2010/main">
+                <a:solidFill>
+                  <a:srgbClr val="FFFFFF"/>
+                </a:solidFill>
+              </a14:hiddenFill>
+            </a:ext>
+          </a:extLst>
+        </p:spPr>
+      </p:pic>
+    </p:spTree>
+    <p:extLst>
+      <p:ext uri="{BB962C8B-B14F-4D97-AF65-F5344CB8AC3E}">
+        <p14:creationId xmlns:p14="http://schemas.microsoft.com/office/powerpoint/2010/main" val="1684404474"/>
+      </p:ext>
+    </p:extLst>
+  </p:cSld>
+  <p:clrMapOvr>
+    <a:masterClrMapping/>
+  </p:clrMapOvr>
+  <p:timing>
+    <p:tnLst>
+      <p:par>
+        <p:cTn id="1" dur="indefinite" restart="never" nodeType="tmRoot"/>
+      </p:par>
+    </p:tnLst>
+  </p:timing>
+</p:sld>
+</file>
+
+<file path=ppt/slides/slide11.xml><?xml version="1.0" encoding="utf-8"?>
+<p:sld xmlns:a="http://schemas.openxmlformats.org/drawingml/2006/main" xmlns:r="http://schemas.openxmlformats.org/officeDocument/2006/relationships" xmlns:p="http://schemas.openxmlformats.org/presentationml/2006/main">
+  <p:cSld>
+    <p:spTree>
+      <p:nvGrpSpPr>
+        <p:cNvPr id="1" name=""/>
+        <p:cNvGrpSpPr/>
+        <p:nvPr/>
+      </p:nvGrpSpPr>
+      <p:grpSpPr>
+        <a:xfrm>
+          <a:off x="0" y="0"/>
+          <a:ext cx="0" cy="0"/>
+          <a:chOff x="0" y="0"/>
+          <a:chExt cx="0" cy="0"/>
+        </a:xfrm>
+      </p:grpSpPr>
+      <p:sp>
+        <p:nvSpPr>
+          <p:cNvPr id="2" name="Title 1"/>
+          <p:cNvSpPr>
+            <a:spLocks noGrp="1"/>
+          </p:cNvSpPr>
+          <p:nvPr>
+            <p:ph type="title"/>
+          </p:nvPr>
+        </p:nvSpPr>
+        <p:spPr/>
+        <p:txBody>
+          <a:bodyPr/>
+          <a:lstStyle/>
+          <a:p>
+            <a:r>
+              <a:rPr lang="en-US" dirty="0" err="1" smtClean="0"/>
+              <a:t>Mối</a:t>
+            </a:r>
+            <a:r>
+              <a:rPr lang="en-US" dirty="0" smtClean="0"/>
+              <a:t> </a:t>
+            </a:r>
+            <a:r>
+              <a:rPr lang="en-US" dirty="0" err="1" smtClean="0"/>
+              <a:t>tương</a:t>
+            </a:r>
+            <a:r>
+              <a:rPr lang="en-US" dirty="0" smtClean="0"/>
+              <a:t> </a:t>
+            </a:r>
+            <a:r>
+              <a:rPr lang="en-US" dirty="0" err="1" smtClean="0"/>
+              <a:t>quan</a:t>
+            </a:r>
+            <a:endParaRPr lang="en-US" dirty="0"/>
+          </a:p>
+        </p:txBody>
+      </p:sp>
+      <p:grpSp>
+        <p:nvGrpSpPr>
+          <p:cNvPr id="15" name="Group 14"/>
+          <p:cNvGrpSpPr/>
+          <p:nvPr/>
+        </p:nvGrpSpPr>
+        <p:grpSpPr>
+          <a:xfrm>
+            <a:off x="3676650" y="1690688"/>
+            <a:ext cx="4838700" cy="4851401"/>
+            <a:chOff x="2654300" y="901700"/>
+            <a:chExt cx="5181600" cy="5143501"/>
+          </a:xfrm>
+        </p:grpSpPr>
+        <p:sp>
+          <p:nvSpPr>
+            <p:cNvPr id="16" name="Rectangle 15"/>
+            <p:cNvSpPr/>
+            <p:nvPr/>
+          </p:nvSpPr>
+          <p:spPr>
+            <a:xfrm>
+              <a:off x="3886200" y="901700"/>
+              <a:ext cx="3949700" cy="533400"/>
+            </a:xfrm>
+            <a:prstGeom prst="rect">
+              <a:avLst/>
+            </a:prstGeom>
+          </p:spPr>
+          <p:style>
+            <a:lnRef idx="2">
+              <a:schemeClr val="accent5">
+                <a:shade val="50000"/>
+              </a:schemeClr>
+            </a:lnRef>
+            <a:fillRef idx="1">
+              <a:schemeClr val="accent5"/>
+            </a:fillRef>
+            <a:effectRef idx="0">
+              <a:schemeClr val="accent5"/>
+            </a:effectRef>
+            <a:fontRef idx="minor">
+              <a:schemeClr val="lt1"/>
+            </a:fontRef>
+          </p:style>
+          <p:txBody>
+            <a:bodyPr rtlCol="0" anchor="ctr"/>
+            <a:lstStyle/>
+            <a:p>
+              <a:pPr algn="ctr"/>
+              <a:r>
+                <a:rPr lang="en-US" dirty="0"/>
+                <a:t>Strategic Design</a:t>
+              </a:r>
+              <a:endParaRPr lang="en-US" dirty="0"/>
+            </a:p>
+          </p:txBody>
+        </p:sp>
+        <p:sp>
+          <p:nvSpPr>
+            <p:cNvPr id="17" name="Rectangle 16"/>
+            <p:cNvSpPr/>
+            <p:nvPr/>
+          </p:nvSpPr>
+          <p:spPr>
+            <a:xfrm>
+              <a:off x="3886200" y="1562100"/>
+              <a:ext cx="1828800" cy="406400"/>
+            </a:xfrm>
+            <a:prstGeom prst="rect">
+              <a:avLst/>
+            </a:prstGeom>
+          </p:spPr>
+          <p:style>
+            <a:lnRef idx="2">
+              <a:schemeClr val="accent3">
+                <a:shade val="50000"/>
+              </a:schemeClr>
+            </a:lnRef>
+            <a:fillRef idx="1">
+              <a:schemeClr val="accent3"/>
+            </a:fillRef>
+            <a:effectRef idx="0">
+              <a:schemeClr val="accent3"/>
+            </a:effectRef>
+            <a:fontRef idx="minor">
+              <a:schemeClr val="lt1"/>
+            </a:fontRef>
+          </p:style>
+          <p:txBody>
+            <a:bodyPr rtlCol="0" anchor="ctr"/>
+            <a:lstStyle/>
+            <a:p>
+              <a:pPr algn="ctr"/>
+              <a:r>
+                <a:rPr lang="en-US" dirty="0" err="1" smtClean="0">
+                  <a:ln w="0"/>
+                  <a:solidFill>
+                    <a:schemeClr val="tx1"/>
+                  </a:solidFill>
+                  <a:effectLst>
+                    <a:outerShdw blurRad="38100" dist="19050" dir="2700000" algn="tl" rotWithShape="0">
+                      <a:schemeClr val="dk1">
+                        <a:alpha val="40000"/>
+                      </a:schemeClr>
+                    </a:outerShdw>
+                  </a:effectLst>
+                </a:rPr>
+                <a:t>Kém</a:t>
+              </a:r>
+              <a:r>
+                <a:rPr lang="en-US" dirty="0" smtClean="0">
+                  <a:ln w="0"/>
+                  <a:solidFill>
+                    <a:schemeClr val="tx1"/>
+                  </a:solidFill>
+                  <a:effectLst>
+                    <a:outerShdw blurRad="38100" dist="19050" dir="2700000" algn="tl" rotWithShape="0">
+                      <a:schemeClr val="dk1">
+                        <a:alpha val="40000"/>
+                      </a:schemeClr>
+                    </a:outerShdw>
+                  </a:effectLst>
+                </a:rPr>
+                <a:t> </a:t>
+              </a:r>
+              <a:r>
+                <a:rPr lang="en-US" dirty="0" err="1" smtClean="0">
+                  <a:ln w="0"/>
+                  <a:solidFill>
+                    <a:schemeClr val="tx1"/>
+                  </a:solidFill>
+                  <a:effectLst>
+                    <a:outerShdw blurRad="38100" dist="19050" dir="2700000" algn="tl" rotWithShape="0">
+                      <a:schemeClr val="dk1">
+                        <a:alpha val="40000"/>
+                      </a:schemeClr>
+                    </a:outerShdw>
+                  </a:effectLst>
+                </a:rPr>
+                <a:t>hiệu</a:t>
+              </a:r>
+              <a:r>
+                <a:rPr lang="en-US" dirty="0" smtClean="0">
+                  <a:ln w="0"/>
+                  <a:solidFill>
+                    <a:schemeClr val="tx1"/>
+                  </a:solidFill>
+                  <a:effectLst>
+                    <a:outerShdw blurRad="38100" dist="19050" dir="2700000" algn="tl" rotWithShape="0">
+                      <a:schemeClr val="dk1">
+                        <a:alpha val="40000"/>
+                      </a:schemeClr>
+                    </a:outerShdw>
+                  </a:effectLst>
+                </a:rPr>
+                <a:t> </a:t>
+              </a:r>
+              <a:r>
+                <a:rPr lang="en-US" dirty="0" err="1" smtClean="0">
+                  <a:ln w="0"/>
+                  <a:solidFill>
+                    <a:schemeClr val="tx1"/>
+                  </a:solidFill>
+                  <a:effectLst>
+                    <a:outerShdw blurRad="38100" dist="19050" dir="2700000" algn="tl" rotWithShape="0">
+                      <a:schemeClr val="dk1">
+                        <a:alpha val="40000"/>
+                      </a:schemeClr>
+                    </a:outerShdw>
+                  </a:effectLst>
+                </a:rPr>
+                <a:t>quả</a:t>
+              </a:r>
+              <a:endParaRPr lang="en-US" dirty="0">
+                <a:ln w="0"/>
+                <a:solidFill>
+                  <a:schemeClr val="tx1"/>
+                </a:solidFill>
+                <a:effectLst>
+                  <a:outerShdw blurRad="38100" dist="19050" dir="2700000" algn="tl" rotWithShape="0">
+                    <a:schemeClr val="dk1">
+                      <a:alpha val="40000"/>
+                    </a:schemeClr>
+                  </a:outerShdw>
+                </a:effectLst>
+              </a:endParaRPr>
+            </a:p>
+          </p:txBody>
+        </p:sp>
+        <p:sp>
+          <p:nvSpPr>
+            <p:cNvPr id="18" name="Rectangle 17"/>
+            <p:cNvSpPr/>
+            <p:nvPr/>
+          </p:nvSpPr>
+          <p:spPr>
+            <a:xfrm>
+              <a:off x="5969000" y="1562100"/>
+              <a:ext cx="1866900" cy="406400"/>
+            </a:xfrm>
+            <a:prstGeom prst="rect">
+              <a:avLst/>
+            </a:prstGeom>
+          </p:spPr>
+          <p:style>
+            <a:lnRef idx="2">
+              <a:schemeClr val="accent3">
+                <a:shade val="50000"/>
+              </a:schemeClr>
+            </a:lnRef>
+            <a:fillRef idx="1">
+              <a:schemeClr val="accent3"/>
+            </a:fillRef>
+            <a:effectRef idx="0">
+              <a:schemeClr val="accent3"/>
+            </a:effectRef>
+            <a:fontRef idx="minor">
+              <a:schemeClr val="lt1"/>
+            </a:fontRef>
+          </p:style>
+          <p:txBody>
+            <a:bodyPr rtlCol="0" anchor="ctr"/>
+            <a:lstStyle/>
+            <a:p>
+              <a:pPr algn="ctr"/>
+              <a:r>
+                <a:rPr lang="en-US" dirty="0" err="1" smtClean="0">
+                  <a:ln w="0"/>
+                  <a:solidFill>
+                    <a:schemeClr val="tx1"/>
+                  </a:solidFill>
+                  <a:effectLst>
+                    <a:outerShdw blurRad="38100" dist="19050" dir="2700000" algn="tl" rotWithShape="0">
+                      <a:schemeClr val="dk1">
+                        <a:alpha val="40000"/>
+                      </a:schemeClr>
+                    </a:outerShdw>
+                  </a:effectLst>
+                </a:rPr>
+                <a:t>Hiệu</a:t>
+              </a:r>
+              <a:r>
+                <a:rPr lang="en-US" dirty="0" smtClean="0">
+                  <a:ln w="0"/>
+                  <a:solidFill>
+                    <a:schemeClr val="tx1"/>
+                  </a:solidFill>
+                  <a:effectLst>
+                    <a:outerShdw blurRad="38100" dist="19050" dir="2700000" algn="tl" rotWithShape="0">
+                      <a:schemeClr val="dk1">
+                        <a:alpha val="40000"/>
+                      </a:schemeClr>
+                    </a:outerShdw>
+                  </a:effectLst>
+                </a:rPr>
+                <a:t> </a:t>
+              </a:r>
+              <a:r>
+                <a:rPr lang="en-US" dirty="0" err="1" smtClean="0">
+                  <a:ln w="0"/>
+                  <a:solidFill>
+                    <a:schemeClr val="tx1"/>
+                  </a:solidFill>
+                  <a:effectLst>
+                    <a:outerShdw blurRad="38100" dist="19050" dir="2700000" algn="tl" rotWithShape="0">
+                      <a:schemeClr val="dk1">
+                        <a:alpha val="40000"/>
+                      </a:schemeClr>
+                    </a:outerShdw>
+                  </a:effectLst>
+                </a:rPr>
+                <a:t>quả</a:t>
+              </a:r>
+              <a:endParaRPr lang="en-US" dirty="0">
+                <a:ln w="0"/>
+                <a:solidFill>
+                  <a:schemeClr val="tx1"/>
+                </a:solidFill>
+                <a:effectLst>
+                  <a:outerShdw blurRad="38100" dist="19050" dir="2700000" algn="tl" rotWithShape="0">
+                    <a:schemeClr val="dk1">
+                      <a:alpha val="40000"/>
+                    </a:schemeClr>
+                  </a:outerShdw>
+                </a:effectLst>
+              </a:endParaRPr>
+            </a:p>
+          </p:txBody>
+        </p:sp>
+        <p:sp>
+          <p:nvSpPr>
+            <p:cNvPr id="19" name="Rectangle 18"/>
+            <p:cNvSpPr/>
+            <p:nvPr/>
+          </p:nvSpPr>
+          <p:spPr>
+            <a:xfrm>
+              <a:off x="3886200" y="2095500"/>
+              <a:ext cx="1828800" cy="1828800"/>
+            </a:xfrm>
+            <a:prstGeom prst="rect">
+              <a:avLst/>
+            </a:prstGeom>
+          </p:spPr>
+          <p:style>
+            <a:lnRef idx="2">
+              <a:schemeClr val="accent4">
+                <a:shade val="50000"/>
+              </a:schemeClr>
+            </a:lnRef>
+            <a:fillRef idx="1">
+              <a:schemeClr val="accent4"/>
+            </a:fillRef>
+            <a:effectRef idx="0">
+              <a:schemeClr val="accent4"/>
+            </a:effectRef>
+            <a:fontRef idx="minor">
+              <a:schemeClr val="lt1"/>
+            </a:fontRef>
+          </p:style>
+          <p:txBody>
+            <a:bodyPr rtlCol="0" anchor="ctr"/>
+            <a:lstStyle/>
+            <a:p>
+              <a:pPr algn="ctr"/>
+              <a:r>
+                <a:rPr lang="en-US" sz="2400" b="1" dirty="0" err="1" smtClean="0">
+                  <a:effectLst>
+                    <a:outerShdw blurRad="38100" dist="38100" dir="2700000" algn="tl">
+                      <a:srgbClr val="000000">
+                        <a:alpha val="43137"/>
+                      </a:srgbClr>
+                    </a:outerShdw>
+                  </a:effectLst>
+                </a:rPr>
+                <a:t>Chết</a:t>
+              </a:r>
+              <a:r>
+                <a:rPr lang="en-US" sz="2400" b="1" dirty="0" smtClean="0">
+                  <a:effectLst>
+                    <a:outerShdw blurRad="38100" dist="38100" dir="2700000" algn="tl">
+                      <a:srgbClr val="000000">
+                        <a:alpha val="43137"/>
+                      </a:srgbClr>
+                    </a:outerShdw>
+                  </a:effectLst>
+                </a:rPr>
+                <a:t> </a:t>
+              </a:r>
+              <a:r>
+                <a:rPr lang="en-US" sz="2400" b="1" dirty="0" err="1" smtClean="0">
+                  <a:effectLst>
+                    <a:outerShdw blurRad="38100" dist="38100" dir="2700000" algn="tl">
+                      <a:srgbClr val="000000">
+                        <a:alpha val="43137"/>
+                      </a:srgbClr>
+                    </a:outerShdw>
+                  </a:effectLst>
+                </a:rPr>
+                <a:t>sớm</a:t>
+              </a:r>
+              <a:endParaRPr lang="en-US" sz="2400" b="1" dirty="0">
+                <a:effectLst>
+                  <a:outerShdw blurRad="38100" dist="38100" dir="2700000" algn="tl">
+                    <a:srgbClr val="000000">
+                      <a:alpha val="43137"/>
+                    </a:srgbClr>
+                  </a:outerShdw>
+                </a:effectLst>
+              </a:endParaRPr>
+            </a:p>
+          </p:txBody>
+        </p:sp>
+        <p:sp>
+          <p:nvSpPr>
+            <p:cNvPr id="20" name="Rectangle 19"/>
+            <p:cNvSpPr/>
+            <p:nvPr/>
+          </p:nvSpPr>
+          <p:spPr>
+            <a:xfrm>
+              <a:off x="6007100" y="2095500"/>
+              <a:ext cx="1828800" cy="1828800"/>
+            </a:xfrm>
+            <a:prstGeom prst="rect">
+              <a:avLst/>
+            </a:prstGeom>
+          </p:spPr>
+          <p:style>
+            <a:lnRef idx="2">
+              <a:schemeClr val="accent6">
+                <a:shade val="50000"/>
+              </a:schemeClr>
+            </a:lnRef>
+            <a:fillRef idx="1">
+              <a:schemeClr val="accent6"/>
+            </a:fillRef>
+            <a:effectRef idx="0">
+              <a:schemeClr val="accent6"/>
+            </a:effectRef>
+            <a:fontRef idx="minor">
+              <a:schemeClr val="lt1"/>
+            </a:fontRef>
+          </p:style>
+          <p:txBody>
+            <a:bodyPr rtlCol="0" anchor="ctr"/>
+            <a:lstStyle/>
+            <a:p>
+              <a:pPr algn="ctr"/>
+              <a:r>
+                <a:rPr lang="en-US" sz="2400" dirty="0" err="1" smtClean="0"/>
+                <a:t>Phát</a:t>
+              </a:r>
+              <a:r>
+                <a:rPr lang="en-US" sz="2400" dirty="0" smtClean="0"/>
+                <a:t> </a:t>
+              </a:r>
+              <a:r>
+                <a:rPr lang="en-US" sz="2400" dirty="0" err="1" smtClean="0"/>
+                <a:t>triển</a:t>
+              </a:r>
+              <a:endParaRPr lang="en-US" sz="2400" dirty="0"/>
+            </a:p>
+          </p:txBody>
+        </p:sp>
+        <p:sp>
+          <p:nvSpPr>
+            <p:cNvPr id="21" name="Rectangle 20"/>
+            <p:cNvSpPr/>
+            <p:nvPr/>
+          </p:nvSpPr>
+          <p:spPr>
+            <a:xfrm>
+              <a:off x="6007100" y="4191000"/>
+              <a:ext cx="1828800" cy="1828800"/>
+            </a:xfrm>
+            <a:prstGeom prst="rect">
+              <a:avLst/>
+            </a:prstGeom>
+          </p:spPr>
+          <p:style>
+            <a:lnRef idx="2">
+              <a:schemeClr val="accent1">
+                <a:shade val="50000"/>
+              </a:schemeClr>
+            </a:lnRef>
+            <a:fillRef idx="1">
+              <a:schemeClr val="accent1"/>
+            </a:fillRef>
+            <a:effectRef idx="0">
+              <a:schemeClr val="accent1"/>
+            </a:effectRef>
+            <a:fontRef idx="minor">
+              <a:schemeClr val="lt1"/>
+            </a:fontRef>
+          </p:style>
+          <p:txBody>
+            <a:bodyPr rtlCol="0" anchor="ctr"/>
+            <a:lstStyle/>
+            <a:p>
+              <a:pPr algn="ctr"/>
+              <a:r>
+                <a:rPr lang="en-US" sz="2400" dirty="0" err="1" smtClean="0"/>
+                <a:t>Sống</a:t>
+              </a:r>
+              <a:r>
+                <a:rPr lang="en-US" sz="2400" dirty="0" smtClean="0"/>
+                <a:t> </a:t>
+              </a:r>
+              <a:r>
+                <a:rPr lang="en-US" sz="2400" dirty="0" err="1" smtClean="0"/>
+                <a:t>tạm</a:t>
+              </a:r>
+              <a:endParaRPr lang="en-US" sz="2400" dirty="0"/>
+            </a:p>
+          </p:txBody>
+        </p:sp>
+        <p:sp>
+          <p:nvSpPr>
+            <p:cNvPr id="22" name="Rectangle 21"/>
+            <p:cNvSpPr/>
+            <p:nvPr/>
+          </p:nvSpPr>
+          <p:spPr>
+            <a:xfrm>
+              <a:off x="3886200" y="4191000"/>
+              <a:ext cx="1828800" cy="1828800"/>
+            </a:xfrm>
+            <a:prstGeom prst="rect">
+              <a:avLst/>
+            </a:prstGeom>
+          </p:spPr>
+          <p:style>
+            <a:lnRef idx="2">
+              <a:schemeClr val="accent2">
+                <a:shade val="50000"/>
+              </a:schemeClr>
+            </a:lnRef>
+            <a:fillRef idx="1">
+              <a:schemeClr val="accent2"/>
+            </a:fillRef>
+            <a:effectRef idx="0">
+              <a:schemeClr val="accent2"/>
+            </a:effectRef>
+            <a:fontRef idx="minor">
+              <a:schemeClr val="lt1"/>
+            </a:fontRef>
+          </p:style>
+          <p:txBody>
+            <a:bodyPr rtlCol="0" anchor="ctr"/>
+            <a:lstStyle/>
+            <a:p>
+              <a:pPr algn="ctr"/>
+              <a:r>
+                <a:rPr lang="en-US" sz="2400" dirty="0" err="1" smtClean="0"/>
+                <a:t>Chết</a:t>
+              </a:r>
+              <a:r>
+                <a:rPr lang="en-US" sz="2400" dirty="0" smtClean="0"/>
+                <a:t> </a:t>
+              </a:r>
+              <a:r>
+                <a:rPr lang="en-US" sz="2400" dirty="0" err="1" smtClean="0"/>
+                <a:t>từ</a:t>
+              </a:r>
+              <a:r>
+                <a:rPr lang="en-US" sz="2400" dirty="0" smtClean="0"/>
+                <a:t> </a:t>
+              </a:r>
+              <a:r>
+                <a:rPr lang="en-US" sz="2400" dirty="0" err="1" smtClean="0"/>
+                <a:t>từ</a:t>
+              </a:r>
+              <a:endParaRPr lang="en-US" sz="2400" dirty="0"/>
+            </a:p>
+          </p:txBody>
+        </p:sp>
+        <p:sp>
+          <p:nvSpPr>
+            <p:cNvPr id="23" name="Rectangle 22"/>
+            <p:cNvSpPr/>
+            <p:nvPr/>
+          </p:nvSpPr>
+          <p:spPr>
+            <a:xfrm rot="16200000" flipH="1">
+              <a:off x="946150" y="3803651"/>
+              <a:ext cx="3949700" cy="533399"/>
+            </a:xfrm>
+            <a:prstGeom prst="rect">
+              <a:avLst/>
+            </a:prstGeom>
+          </p:spPr>
+          <p:style>
+            <a:lnRef idx="2">
+              <a:schemeClr val="accent5">
+                <a:shade val="50000"/>
+              </a:schemeClr>
+            </a:lnRef>
+            <a:fillRef idx="1">
+              <a:schemeClr val="accent5"/>
+            </a:fillRef>
+            <a:effectRef idx="0">
+              <a:schemeClr val="accent5"/>
+            </a:effectRef>
+            <a:fontRef idx="minor">
+              <a:schemeClr val="lt1"/>
+            </a:fontRef>
+          </p:style>
+          <p:txBody>
+            <a:bodyPr rtlCol="0" anchor="ctr"/>
+            <a:lstStyle/>
+            <a:p>
+              <a:pPr algn="ctr"/>
+              <a:r>
+                <a:rPr lang="en-US" dirty="0"/>
+                <a:t>Tactical </a:t>
+              </a:r>
+              <a:r>
+                <a:rPr lang="en-US" dirty="0" smtClean="0"/>
+                <a:t>Design</a:t>
+              </a:r>
+              <a:endParaRPr lang="en-US" dirty="0"/>
+            </a:p>
+          </p:txBody>
+        </p:sp>
+        <p:sp>
+          <p:nvSpPr>
+            <p:cNvPr id="24" name="Rectangle 23"/>
+            <p:cNvSpPr/>
+            <p:nvPr/>
+          </p:nvSpPr>
+          <p:spPr>
+            <a:xfrm rot="16200000" flipH="1">
+              <a:off x="2622551" y="4927600"/>
+              <a:ext cx="1828800" cy="406400"/>
+            </a:xfrm>
+            <a:prstGeom prst="rect">
+              <a:avLst/>
+            </a:prstGeom>
+          </p:spPr>
+          <p:style>
+            <a:lnRef idx="2">
+              <a:schemeClr val="accent3">
+                <a:shade val="50000"/>
+              </a:schemeClr>
+            </a:lnRef>
+            <a:fillRef idx="1">
+              <a:schemeClr val="accent3"/>
+            </a:fillRef>
+            <a:effectRef idx="0">
+              <a:schemeClr val="accent3"/>
+            </a:effectRef>
+            <a:fontRef idx="minor">
+              <a:schemeClr val="lt1"/>
+            </a:fontRef>
+          </p:style>
+          <p:txBody>
+            <a:bodyPr rtlCol="0" anchor="ctr"/>
+            <a:lstStyle/>
+            <a:p>
+              <a:pPr algn="ctr"/>
+              <a:r>
+                <a:rPr lang="en-US" dirty="0" err="1" smtClean="0">
+                  <a:ln w="0"/>
+                  <a:solidFill>
+                    <a:schemeClr val="tx1"/>
+                  </a:solidFill>
+                  <a:effectLst>
+                    <a:outerShdw blurRad="38100" dist="19050" dir="2700000" algn="tl" rotWithShape="0">
+                      <a:schemeClr val="dk1">
+                        <a:alpha val="40000"/>
+                      </a:schemeClr>
+                    </a:outerShdw>
+                  </a:effectLst>
+                </a:rPr>
+                <a:t>Kém</a:t>
+              </a:r>
+              <a:r>
+                <a:rPr lang="en-US" dirty="0" smtClean="0">
+                  <a:ln w="0"/>
+                  <a:solidFill>
+                    <a:schemeClr val="tx1"/>
+                  </a:solidFill>
+                  <a:effectLst>
+                    <a:outerShdw blurRad="38100" dist="19050" dir="2700000" algn="tl" rotWithShape="0">
+                      <a:schemeClr val="dk1">
+                        <a:alpha val="40000"/>
+                      </a:schemeClr>
+                    </a:outerShdw>
+                  </a:effectLst>
+                </a:rPr>
+                <a:t> </a:t>
+              </a:r>
+              <a:r>
+                <a:rPr lang="en-US" dirty="0" err="1" smtClean="0">
+                  <a:ln w="0"/>
+                  <a:solidFill>
+                    <a:schemeClr val="tx1"/>
+                  </a:solidFill>
+                  <a:effectLst>
+                    <a:outerShdw blurRad="38100" dist="19050" dir="2700000" algn="tl" rotWithShape="0">
+                      <a:schemeClr val="dk1">
+                        <a:alpha val="40000"/>
+                      </a:schemeClr>
+                    </a:outerShdw>
+                  </a:effectLst>
+                </a:rPr>
+                <a:t>hiệu</a:t>
+              </a:r>
+              <a:r>
+                <a:rPr lang="en-US" dirty="0" smtClean="0">
+                  <a:ln w="0"/>
+                  <a:solidFill>
+                    <a:schemeClr val="tx1"/>
+                  </a:solidFill>
+                  <a:effectLst>
+                    <a:outerShdw blurRad="38100" dist="19050" dir="2700000" algn="tl" rotWithShape="0">
+                      <a:schemeClr val="dk1">
+                        <a:alpha val="40000"/>
+                      </a:schemeClr>
+                    </a:outerShdw>
+                  </a:effectLst>
+                </a:rPr>
+                <a:t> </a:t>
+              </a:r>
+              <a:r>
+                <a:rPr lang="en-US" dirty="0" err="1" smtClean="0">
+                  <a:ln w="0"/>
+                  <a:solidFill>
+                    <a:schemeClr val="tx1"/>
+                  </a:solidFill>
+                  <a:effectLst>
+                    <a:outerShdw blurRad="38100" dist="19050" dir="2700000" algn="tl" rotWithShape="0">
+                      <a:schemeClr val="dk1">
+                        <a:alpha val="40000"/>
+                      </a:schemeClr>
+                    </a:outerShdw>
+                  </a:effectLst>
+                </a:rPr>
+                <a:t>quả</a:t>
+              </a:r>
+              <a:endParaRPr lang="en-US" dirty="0">
+                <a:ln w="0"/>
+                <a:solidFill>
+                  <a:schemeClr val="tx1"/>
+                </a:solidFill>
+                <a:effectLst>
+                  <a:outerShdw blurRad="38100" dist="19050" dir="2700000" algn="tl" rotWithShape="0">
+                    <a:schemeClr val="dk1">
+                      <a:alpha val="40000"/>
+                    </a:schemeClr>
+                  </a:outerShdw>
+                </a:effectLst>
+              </a:endParaRPr>
+            </a:p>
+          </p:txBody>
+        </p:sp>
+        <p:sp>
+          <p:nvSpPr>
+            <p:cNvPr id="25" name="Rectangle 24"/>
+            <p:cNvSpPr/>
+            <p:nvPr/>
+          </p:nvSpPr>
+          <p:spPr>
+            <a:xfrm rot="16200000" flipH="1">
+              <a:off x="2603500" y="2825750"/>
+              <a:ext cx="1866900" cy="406400"/>
+            </a:xfrm>
+            <a:prstGeom prst="rect">
+              <a:avLst/>
+            </a:prstGeom>
+          </p:spPr>
+          <p:style>
+            <a:lnRef idx="2">
+              <a:schemeClr val="accent3">
+                <a:shade val="50000"/>
+              </a:schemeClr>
+            </a:lnRef>
+            <a:fillRef idx="1">
+              <a:schemeClr val="accent3"/>
+            </a:fillRef>
+            <a:effectRef idx="0">
+              <a:schemeClr val="accent3"/>
+            </a:effectRef>
+            <a:fontRef idx="minor">
+              <a:schemeClr val="lt1"/>
+            </a:fontRef>
+          </p:style>
+          <p:txBody>
+            <a:bodyPr rtlCol="0" anchor="ctr"/>
+            <a:lstStyle/>
+            <a:p>
+              <a:pPr algn="ctr"/>
+              <a:r>
+                <a:rPr lang="en-US" dirty="0" err="1" smtClean="0">
+                  <a:ln w="0"/>
+                  <a:solidFill>
+                    <a:schemeClr val="tx1"/>
+                  </a:solidFill>
+                  <a:effectLst>
+                    <a:outerShdw blurRad="38100" dist="19050" dir="2700000" algn="tl" rotWithShape="0">
+                      <a:schemeClr val="dk1">
+                        <a:alpha val="40000"/>
+                      </a:schemeClr>
+                    </a:outerShdw>
+                  </a:effectLst>
+                </a:rPr>
+                <a:t>Hiệu</a:t>
+              </a:r>
+              <a:r>
+                <a:rPr lang="en-US" dirty="0" smtClean="0">
+                  <a:ln w="0"/>
+                  <a:solidFill>
+                    <a:schemeClr val="tx1"/>
+                  </a:solidFill>
+                  <a:effectLst>
+                    <a:outerShdw blurRad="38100" dist="19050" dir="2700000" algn="tl" rotWithShape="0">
+                      <a:schemeClr val="dk1">
+                        <a:alpha val="40000"/>
+                      </a:schemeClr>
+                    </a:outerShdw>
+                  </a:effectLst>
+                </a:rPr>
+                <a:t> </a:t>
+              </a:r>
+              <a:r>
+                <a:rPr lang="en-US" dirty="0" err="1" smtClean="0">
+                  <a:ln w="0"/>
+                  <a:solidFill>
+                    <a:schemeClr val="tx1"/>
+                  </a:solidFill>
+                  <a:effectLst>
+                    <a:outerShdw blurRad="38100" dist="19050" dir="2700000" algn="tl" rotWithShape="0">
+                      <a:schemeClr val="dk1">
+                        <a:alpha val="40000"/>
+                      </a:schemeClr>
+                    </a:outerShdw>
+                  </a:effectLst>
+                </a:rPr>
+                <a:t>quả</a:t>
+              </a:r>
+              <a:endParaRPr lang="en-US" dirty="0">
+                <a:ln w="0"/>
+                <a:solidFill>
+                  <a:schemeClr val="tx1"/>
+                </a:solidFill>
+                <a:effectLst>
+                  <a:outerShdw blurRad="38100" dist="19050" dir="2700000" algn="tl" rotWithShape="0">
+                    <a:schemeClr val="dk1">
+                      <a:alpha val="40000"/>
+                    </a:schemeClr>
+                  </a:outerShdw>
+                </a:effectLst>
+              </a:endParaRPr>
+            </a:p>
+          </p:txBody>
+        </p:sp>
+      </p:grpSp>
+    </p:spTree>
+    <p:extLst>
+      <p:ext uri="{BB962C8B-B14F-4D97-AF65-F5344CB8AC3E}">
+        <p14:creationId xmlns:p14="http://schemas.microsoft.com/office/powerpoint/2010/main" val="3472501496"/>
+      </p:ext>
+    </p:extLst>
+  </p:cSld>
+  <p:clrMapOvr>
+    <a:masterClrMapping/>
+  </p:clrMapOvr>
+  <p:timing>
+    <p:tnLst>
+      <p:par>
+        <p:cTn id="1" dur="indefinite" restart="never" nodeType="tmRoot"/>
+      </p:par>
+    </p:tnLst>
+  </p:timing>
+</p:sld>
+</file>
+
 <file path=ppt/slides/slide2.xml><?xml version="1.0" encoding="utf-8"?>
 <p:sld xmlns:a="http://schemas.openxmlformats.org/drawingml/2006/main" xmlns:r="http://schemas.openxmlformats.org/officeDocument/2006/relationships" xmlns:p="http://schemas.openxmlformats.org/presentationml/2006/main">
   <p:cSld>
@@ -4589,12 +5171,7 @@
             <p:ph type="title"/>
           </p:nvPr>
         </p:nvSpPr>
-        <p:spPr>
-          <a:xfrm>
-            <a:off x="838200" y="365125"/>
-            <a:ext cx="10515600" cy="1325563"/>
-          </a:xfrm>
-        </p:spPr>
+        <p:spPr/>
         <p:txBody>
           <a:bodyPr vert="horz" lIns="91440" tIns="45720" rIns="91440" bIns="45720" rtlCol="0" anchor="ctr">
             <a:normAutofit/>
@@ -4840,6 +5417,13 @@
   <p:clrMapOvr>
     <a:masterClrMapping/>
   </p:clrMapOvr>
+  <p:timing>
+    <p:tnLst>
+      <p:par>
+        <p:cTn id="1" dur="indefinite" restart="never" nodeType="tmRoot"/>
+      </p:par>
+    </p:tnLst>
+  </p:timing>
 </p:sld>
 </file>
 
@@ -4897,22 +5481,22 @@
           <a:lstStyle/>
           <a:p>
             <a:r>
-              <a:rPr lang="en-US"/>
+              <a:rPr lang="en-US" dirty="0"/>
               <a:t>Domain Driven Design </a:t>
             </a:r>
             <a:r>
-              <a:rPr lang="en-US" err="1"/>
+              <a:rPr lang="en-US" dirty="0" err="1"/>
               <a:t>là</a:t>
             </a:r>
             <a:r>
-              <a:rPr lang="en-US"/>
+              <a:rPr lang="en-US" dirty="0"/>
               <a:t> </a:t>
             </a:r>
             <a:r>
-              <a:rPr lang="en-US" err="1"/>
+              <a:rPr lang="en-US" dirty="0" err="1"/>
               <a:t>gì</a:t>
             </a:r>
-            <a:endParaRPr lang="en-US"/>
+            <a:endParaRPr lang="en-US" dirty="0"/>
           </a:p>
         </p:txBody>
       </p:sp>
@@ -5088,8 +5672,67 @@
               <a:t> </a:t>
             </a:r>
             <a:r>
-              <a:rPr lang="en-US" sz="2000" dirty="0" err="1"/>
+              <a:rPr lang="en-US" sz="2000" dirty="0" err="1" smtClean="0"/>
               <a:t>trọng</a:t>
+            </a:r>
+            <a:endParaRPr lang="en-US" sz="2000" dirty="0" smtClean="0"/>
+          </a:p>
+          <a:p>
+            <a:r>
+              <a:rPr lang="en-US" sz="2000" dirty="0" err="1" smtClean="0"/>
+              <a:t>Không</a:t>
+            </a:r>
+            <a:r>
+              <a:rPr lang="en-US" sz="2000" dirty="0" smtClean="0"/>
+              <a:t> </a:t>
+            </a:r>
+            <a:r>
+              <a:rPr lang="en-US" sz="2000" dirty="0" err="1" smtClean="0"/>
+              <a:t>phù</a:t>
+            </a:r>
+            <a:r>
+              <a:rPr lang="en-US" sz="2000" dirty="0" smtClean="0"/>
+              <a:t> </a:t>
+            </a:r>
+            <a:r>
+              <a:rPr lang="en-US" sz="2000" dirty="0" err="1" smtClean="0"/>
+              <a:t>hợp</a:t>
+            </a:r>
+            <a:r>
+              <a:rPr lang="en-US" sz="2000" dirty="0" smtClean="0"/>
+              <a:t> </a:t>
+            </a:r>
+            <a:r>
+              <a:rPr lang="en-US" sz="2000" dirty="0" err="1" smtClean="0"/>
+              <a:t>cho</a:t>
+            </a:r>
+            <a:r>
+              <a:rPr lang="en-US" sz="2000" dirty="0" smtClean="0"/>
+              <a:t> </a:t>
+            </a:r>
+            <a:r>
+              <a:rPr lang="en-US" sz="2000" dirty="0" err="1" smtClean="0"/>
+              <a:t>dự</a:t>
+            </a:r>
+            <a:r>
+              <a:rPr lang="en-US" sz="2000" dirty="0" smtClean="0"/>
+              <a:t> </a:t>
+            </a:r>
+            <a:r>
+              <a:rPr lang="en-US" sz="2000" dirty="0" err="1" smtClean="0"/>
+              <a:t>án</a:t>
+            </a:r>
+            <a:r>
+              <a:rPr lang="en-US" sz="2000" dirty="0" smtClean="0"/>
+              <a:t> </a:t>
+            </a:r>
+            <a:r>
+              <a:rPr lang="en-US" sz="2000" dirty="0" err="1" smtClean="0"/>
+              <a:t>nhỏ</a:t>
+            </a:r>
+            <a:r>
+              <a:rPr lang="en-US" sz="2000" dirty="0" smtClean="0"/>
+              <a:t> </a:t>
             </a:r>
             <a:endParaRPr lang="en-US" sz="2000" dirty="0"/>
           </a:p>
@@ -5101,104 +5744,6 @@
           </a:p>
         </p:txBody>
       </p:sp>
-      <p:pic>
-        <p:nvPicPr>
-          <p:cNvPr id="2052" name="Picture 4" descr="Book Review: Domain-Driven Design | by Matt Carroll | Medium">
-            <a:extLst>
-              <a:ext uri="{FF2B5EF4-FFF2-40B4-BE49-F238E27FC236}">
-                <a16:creationId xmlns:a16="http://schemas.microsoft.com/office/drawing/2014/main" id="{FFA774C3-F524-4974-8BEE-C0A3072AB2DA}"/>
-              </a:ext>
-            </a:extLst>
-          </p:cNvPr>
-          <p:cNvPicPr>
-            <a:picLocks noChangeAspect="1" noChangeArrowheads="1"/>
-          </p:cNvPicPr>
-          <p:nvPr/>
-        </p:nvPicPr>
-        <p:blipFill rotWithShape="1">
-          <a:blip r:embed="rId2">
-            <a:extLst>
-              <a:ext uri="{28A0092B-C50C-407E-A947-70E740481C1C}">
-                <a14:useLocalDpi xmlns:a14="http://schemas.microsoft.com/office/drawing/2010/main" val="0"/>
-              </a:ext>
-            </a:extLst>
-          </a:blip>
-          <a:srcRect l="5904" r="4568"/>
-          <a:stretch/>
-        </p:blipFill>
-        <p:spPr bwMode="auto">
-          <a:xfrm>
-            <a:off x="20" y="10"/>
-            <a:ext cx="4635571" cy="6857990"/>
-          </a:xfrm>
-          <a:prstGeom prst="rect">
-            <a:avLst/>
-          </a:prstGeom>
-          <a:noFill/>
-          <a:effectLst/>
-          <a:extLst>
-            <a:ext uri="{909E8E84-426E-40DD-AFC4-6F175D3DCCD1}">
-              <a14:hiddenFill xmlns:a14="http://schemas.microsoft.com/office/drawing/2010/main">
-                <a:solidFill>
-                  <a:srgbClr val="FFFFFF"/>
-                </a:solidFill>
-              </a14:hiddenFill>
-            </a:ext>
-          </a:extLst>
-        </p:spPr>
-      </p:pic>
-      <p:cxnSp>
-        <p:nvCxnSpPr>
-          <p:cNvPr id="73" name="Straight Connector 72">
-            <a:extLst>
-              <a:ext uri="{FF2B5EF4-FFF2-40B4-BE49-F238E27FC236}">
-                <a16:creationId xmlns:a16="http://schemas.microsoft.com/office/drawing/2014/main" id="{A7F400EE-A8A5-48AF-B4D6-291B52C6F0B0}"/>
-              </a:ext>
-              <a:ext uri="{C183D7F6-B498-43B3-948B-1728B52AA6E4}">
-                <adec:decorative xmlns:adec="http://schemas.microsoft.com/office/drawing/2017/decorative" val="1"/>
-              </a:ext>
-            </a:extLst>
-          </p:cNvPr>
-          <p:cNvCxnSpPr>
-            <a:cxnSpLocks noGrp="1" noRot="1" noChangeAspect="1" noMove="1" noResize="1" noEditPoints="1" noAdjustHandles="1" noChangeArrowheads="1" noChangeShapeType="1"/>
-          </p:cNvCxnSpPr>
-          <p:nvPr>
-            <p:extLst>
-              <p:ext uri="{386F3935-93C4-4BCD-93E2-E3B085C9AB24}">
-                <p16:designElem xmlns:p16="http://schemas.microsoft.com/office/powerpoint/2015/main" val="1"/>
-              </p:ext>
-            </p:extLst>
-          </p:nvPr>
-        </p:nvCxnSpPr>
-        <p:spPr>
-          <a:xfrm>
-            <a:off x="5080934" y="2115117"/>
-            <a:ext cx="6309360" cy="0"/>
-          </a:xfrm>
-          <a:prstGeom prst="line">
-            <a:avLst/>
-          </a:prstGeom>
-          <a:ln w="19050">
-            <a:solidFill>
-              <a:srgbClr val="03CAE5"/>
-            </a:solidFill>
-          </a:ln>
-        </p:spPr>
-        <p:style>
-          <a:lnRef idx="1">
-            <a:schemeClr val="accent1"/>
-          </a:lnRef>
-          <a:fillRef idx="0">
-            <a:schemeClr val="accent1"/>
-          </a:fillRef>
-          <a:effectRef idx="0">
-            <a:schemeClr val="accent1"/>
-          </a:effectRef>
-          <a:fontRef idx="minor">
-            <a:schemeClr val="tx1"/>
-          </a:fontRef>
-        </p:style>
-      </p:cxnSp>
     </p:spTree>
     <p:extLst>
       <p:ext uri="{BB962C8B-B14F-4D97-AF65-F5344CB8AC3E}">
@@ -5209,6 +5754,13 @@
   <p:clrMapOvr>
     <a:masterClrMapping/>
   </p:clrMapOvr>
+  <p:timing>
+    <p:tnLst>
+      <p:par>
+        <p:cTn id="1" dur="indefinite" restart="never" nodeType="tmRoot"/>
+      </p:par>
+    </p:tnLst>
+  </p:timing>
 </p:sld>
 </file>
 
@@ -5231,48 +5783,85 @@
       </p:grpSpPr>
       <p:sp>
         <p:nvSpPr>
-          <p:cNvPr id="2" name="Title 1">
+          <p:cNvPr id="2" name="Title 1"/>
+          <p:cNvSpPr>
+            <a:spLocks noGrp="1"/>
+          </p:cNvSpPr>
+          <p:nvPr>
+            <p:ph type="title"/>
+          </p:nvPr>
+        </p:nvSpPr>
+        <p:spPr/>
+        <p:txBody>
+          <a:bodyPr/>
+          <a:lstStyle/>
+          <a:p>
+            <a:r>
+              <a:rPr lang="en-US" dirty="0" smtClean="0"/>
+              <a:t>Strategic Design </a:t>
+            </a:r>
+            <a:endParaRPr lang="en-US" dirty="0"/>
+          </a:p>
+        </p:txBody>
+      </p:sp>
+      <p:pic>
+        <p:nvPicPr>
+          <p:cNvPr id="6150" name="Picture 6" descr="Building Blocks of DDD | Domain driven design, Software design, Design"/>
+          <p:cNvPicPr>
+            <a:picLocks noGrp="1" noChangeAspect="1" noChangeArrowheads="1"/>
+          </p:cNvPicPr>
+          <p:nvPr>
+            <p:ph idx="1"/>
+          </p:nvPr>
+        </p:nvPicPr>
+        <p:blipFill rotWithShape="1">
+          <a:blip r:embed="rId2">
             <a:extLst>
-              <a:ext uri="{FF2B5EF4-FFF2-40B4-BE49-F238E27FC236}">
-                <a16:creationId xmlns:a16="http://schemas.microsoft.com/office/drawing/2014/main" id="{57E09870-5D2D-421C-A12F-74500DB92A40}"/>
+              <a:ext uri="{28A0092B-C50C-407E-A947-70E740481C1C}">
+                <a14:useLocalDpi xmlns:a14="http://schemas.microsoft.com/office/drawing/2010/main" val="0"/>
               </a:ext>
             </a:extLst>
-          </p:cNvPr>
-          <p:cNvSpPr>
-            <a:spLocks noGrp="1"/>
-          </p:cNvSpPr>
-          <p:nvPr>
-            <p:ph type="title"/>
-          </p:nvPr>
-        </p:nvSpPr>
-        <p:spPr>
+          </a:blip>
+          <a:srcRect t="7077"/>
+          <a:stretch/>
+        </p:blipFill>
+        <p:spPr bwMode="auto">
           <a:xfrm>
-            <a:off x="838200" y="365125"/>
-            <a:ext cx="10515600" cy="5811838"/>
+            <a:off x="3351443" y="1930399"/>
+            <a:ext cx="5489113" cy="4043363"/>
           </a:xfrm>
+          <a:prstGeom prst="rect">
+            <a:avLst/>
+          </a:prstGeom>
+          <a:noFill/>
+          <a:extLst>
+            <a:ext uri="{909E8E84-426E-40DD-AFC4-6F175D3DCCD1}">
+              <a14:hiddenFill xmlns:a14="http://schemas.microsoft.com/office/drawing/2010/main">
+                <a:solidFill>
+                  <a:srgbClr val="FFFFFF"/>
+                </a:solidFill>
+              </a14:hiddenFill>
+            </a:ext>
+          </a:extLst>
         </p:spPr>
-        <p:txBody>
-          <a:bodyPr/>
-          <a:lstStyle/>
-          <a:p>
-            <a:pPr algn="ctr"/>
-            <a:r>
-              <a:rPr lang="en-US" b="1" dirty="0"/>
-              <a:t>Strategic Design </a:t>
-            </a:r>
-          </a:p>
-        </p:txBody>
-      </p:sp>
+      </p:pic>
     </p:spTree>
     <p:extLst>
       <p:ext uri="{BB962C8B-B14F-4D97-AF65-F5344CB8AC3E}">
-        <p14:creationId xmlns:p14="http://schemas.microsoft.com/office/powerpoint/2010/main" val="1222381952"/>
+        <p14:creationId xmlns:p14="http://schemas.microsoft.com/office/powerpoint/2010/main" val="3764491515"/>
       </p:ext>
     </p:extLst>
   </p:cSld>
   <p:clrMapOvr>
     <a:masterClrMapping/>
   </p:clrMapOvr>
+  <p:timing>
+    <p:tnLst>
+      <p:par>
+        <p:cTn id="1" dur="indefinite" restart="never" nodeType="tmRoot"/>
+      </p:par>
+    </p:tnLst>
+  </p:timing>
 </p:sld>
 </file>
 
@@ -5303,69 +5892,6 @@
       </p:grpSpPr>
       <p:sp>
         <p:nvSpPr>
-          <p:cNvPr id="11" name="Rectangle 10">
-            <a:extLst>
-              <a:ext uri="{FF2B5EF4-FFF2-40B4-BE49-F238E27FC236}">
-                <a16:creationId xmlns:a16="http://schemas.microsoft.com/office/drawing/2014/main" id="{2B566528-1B12-4246-9431-5C2D7D081168}"/>
-              </a:ext>
-              <a:ext uri="{C183D7F6-B498-43B3-948B-1728B52AA6E4}">
-                <adec:decorative xmlns:adec="http://schemas.microsoft.com/office/drawing/2017/decorative" val="1"/>
-              </a:ext>
-            </a:extLst>
-          </p:cNvPr>
-          <p:cNvSpPr>
-            <a:spLocks noGrp="1" noRot="1" noChangeAspect="1" noMove="1" noResize="1" noEditPoints="1" noAdjustHandles="1" noChangeArrowheads="1" noChangeShapeType="1" noTextEdit="1"/>
-          </p:cNvSpPr>
-          <p:nvPr>
-            <p:extLst>
-              <p:ext uri="{386F3935-93C4-4BCD-93E2-E3B085C9AB24}">
-                <p16:designElem xmlns:p16="http://schemas.microsoft.com/office/powerpoint/2015/main" val="1"/>
-              </p:ext>
-            </p:extLst>
-          </p:nvPr>
-        </p:nvSpPr>
-        <p:spPr>
-          <a:xfrm>
-            <a:off x="0" y="0"/>
-            <a:ext cx="12192000" cy="6858000"/>
-          </a:xfrm>
-          <a:prstGeom prst="rect">
-            <a:avLst/>
-          </a:prstGeom>
-          <a:solidFill>
-            <a:schemeClr val="bg1"/>
-          </a:solidFill>
-          <a:ln>
-            <a:noFill/>
-          </a:ln>
-        </p:spPr>
-        <p:style>
-          <a:lnRef idx="2">
-            <a:schemeClr val="accent1">
-              <a:shade val="50000"/>
-            </a:schemeClr>
-          </a:lnRef>
-          <a:fillRef idx="1">
-            <a:schemeClr val="accent1"/>
-          </a:fillRef>
-          <a:effectRef idx="0">
-            <a:schemeClr val="accent1"/>
-          </a:effectRef>
-          <a:fontRef idx="minor">
-            <a:schemeClr val="lt1"/>
-          </a:fontRef>
-        </p:style>
-        <p:txBody>
-          <a:bodyPr rtlCol="0" anchor="ctr"/>
-          <a:lstStyle/>
-          <a:p>
-            <a:pPr algn="ctr"/>
-            <a:endParaRPr lang="en-US" dirty="0"/>
-          </a:p>
-        </p:txBody>
-      </p:sp>
-      <p:sp>
-        <p:nvSpPr>
           <p:cNvPr id="2" name="Title 1">
             <a:extLst>
               <a:ext uri="{FF2B5EF4-FFF2-40B4-BE49-F238E27FC236}">
@@ -5449,375 +5975,78 @@
           <a:lstStyle/>
           <a:p>
             <a:r>
-              <a:rPr lang="vi-VN" sz="2000" dirty="0"/>
+              <a:rPr lang="vi-VN" sz="2000" dirty="0">
+                <a:latin typeface="Calibri" panose="020F0502020204030204" pitchFamily="34" charset="0"/>
+                <a:cs typeface="Calibri" panose="020F0502020204030204" pitchFamily="34" charset="0"/>
+              </a:rPr>
               <a:t>Ngôn ngữ được sử dụng trong cả kĩ thuật lẫn trong nghiệp vụ</a:t>
             </a:r>
           </a:p>
           <a:p>
             <a:r>
-              <a:rPr lang="vi-VN" sz="2000" dirty="0"/>
+              <a:rPr lang="vi-VN" sz="2000" dirty="0">
+                <a:latin typeface="Calibri" panose="020F0502020204030204" pitchFamily="34" charset="0"/>
+                <a:cs typeface="Calibri" panose="020F0502020204030204" pitchFamily="34" charset="0"/>
+              </a:rPr>
               <a:t>Được phản ánh trong code</a:t>
             </a:r>
           </a:p>
           <a:p>
             <a:r>
-              <a:rPr lang="vi-VN" sz="2000" dirty="0"/>
+              <a:rPr lang="vi-VN" sz="2000" dirty="0">
+                <a:latin typeface="Calibri" panose="020F0502020204030204" pitchFamily="34" charset="0"/>
+                <a:cs typeface="Calibri" panose="020F0502020204030204" pitchFamily="34" charset="0"/>
+              </a:rPr>
               <a:t>Được phản ánh trong tất cả tính năng của hệ thống</a:t>
             </a:r>
-            <a:endParaRPr lang="en-US" sz="2000" dirty="0"/>
-          </a:p>
-        </p:txBody>
-      </p:sp>
-      <p:grpSp>
-        <p:nvGrpSpPr>
-          <p:cNvPr id="13" name="Group 12">
-            <a:extLst>
-              <a:ext uri="{FF2B5EF4-FFF2-40B4-BE49-F238E27FC236}">
-                <a16:creationId xmlns:a16="http://schemas.microsoft.com/office/drawing/2014/main" id="{828A5161-06F1-46CF-8AD7-844680A59E13}"/>
-              </a:ext>
-              <a:ext uri="{C183D7F6-B498-43B3-948B-1728B52AA6E4}">
-                <adec:decorative xmlns:adec="http://schemas.microsoft.com/office/drawing/2017/decorative" val="1"/>
-              </a:ext>
-            </a:extLst>
-          </p:cNvPr>
-          <p:cNvGrpSpPr>
-            <a:grpSpLocks noGrp="1" noUngrp="1" noRot="1" noChangeAspect="1" noMove="1" noResize="1"/>
-          </p:cNvGrpSpPr>
-          <p:nvPr>
-            <p:extLst>
-              <p:ext uri="{386F3935-93C4-4BCD-93E2-E3B085C9AB24}">
-                <p16:designElem xmlns:p16="http://schemas.microsoft.com/office/powerpoint/2015/main" val="1"/>
-              </p:ext>
-            </p:extLst>
-          </p:nvPr>
-        </p:nvGrpSpPr>
-        <p:grpSpPr>
-          <a:xfrm>
-            <a:off x="0" y="4601497"/>
-            <a:ext cx="1014060" cy="2017580"/>
-            <a:chOff x="0" y="4601497"/>
-            <a:chExt cx="1014060" cy="2017580"/>
-          </a:xfrm>
-        </p:grpSpPr>
-        <p:sp>
-          <p:nvSpPr>
-            <p:cNvPr id="14" name="Isosceles Triangle 13">
-              <a:extLst>
-                <a:ext uri="{FF2B5EF4-FFF2-40B4-BE49-F238E27FC236}">
-                  <a16:creationId xmlns:a16="http://schemas.microsoft.com/office/drawing/2014/main" id="{D3F51FEB-38FB-4F6C-9F7B-2F2AFAB65463}"/>
-                </a:ext>
-                <a:ext uri="{C183D7F6-B498-43B3-948B-1728B52AA6E4}">
-                  <adec:decorative xmlns:adec="http://schemas.microsoft.com/office/drawing/2017/decorative" val="1"/>
-                </a:ext>
-              </a:extLst>
-            </p:cNvPr>
-            <p:cNvSpPr/>
-            <p:nvPr>
-              <p:extLst>
-                <p:ext uri="{386F3935-93C4-4BCD-93E2-E3B085C9AB24}">
-                  <p16:designElem xmlns:p16="http://schemas.microsoft.com/office/powerpoint/2015/main" val="1"/>
-                </p:ext>
-              </p:extLst>
-            </p:nvPr>
-          </p:nvSpPr>
-          <p:spPr>
-            <a:xfrm rot="5400000">
-              <a:off x="-501760" y="5103257"/>
-              <a:ext cx="2017580" cy="1014060"/>
-            </a:xfrm>
-            <a:prstGeom prst="triangle">
-              <a:avLst>
-                <a:gd name="adj" fmla="val 50000"/>
-              </a:avLst>
-            </a:prstGeom>
-            <a:solidFill>
-              <a:schemeClr val="accent1">
-                <a:alpha val="30000"/>
-              </a:schemeClr>
-            </a:solidFill>
-            <a:ln>
-              <a:noFill/>
-            </a:ln>
-          </p:spPr>
-          <p:style>
-            <a:lnRef idx="2">
-              <a:schemeClr val="accent1">
-                <a:shade val="50000"/>
-              </a:schemeClr>
-            </a:lnRef>
-            <a:fillRef idx="1">
-              <a:schemeClr val="accent1"/>
-            </a:fillRef>
-            <a:effectRef idx="0">
-              <a:schemeClr val="accent1"/>
-            </a:effectRef>
-            <a:fontRef idx="minor">
-              <a:schemeClr val="lt1"/>
-            </a:fontRef>
-          </p:style>
-          <p:txBody>
-            <a:bodyPr rtlCol="0" anchor="ctr"/>
-            <a:lstStyle/>
-            <a:p>
-              <a:pPr algn="ctr"/>
-              <a:endParaRPr lang="en-US"/>
-            </a:p>
-          </p:txBody>
-        </p:sp>
-        <p:sp>
-          <p:nvSpPr>
-            <p:cNvPr id="15" name="Rectangle 14">
-              <a:extLst>
-                <a:ext uri="{FF2B5EF4-FFF2-40B4-BE49-F238E27FC236}">
-                  <a16:creationId xmlns:a16="http://schemas.microsoft.com/office/drawing/2014/main" id="{1E547BA6-BAE0-43BB-A7CA-60F69CE252F0}"/>
-                </a:ext>
-                <a:ext uri="{C183D7F6-B498-43B3-948B-1728B52AA6E4}">
-                  <adec:decorative xmlns:adec="http://schemas.microsoft.com/office/drawing/2017/decorative" val="1"/>
-                </a:ext>
-              </a:extLst>
-            </p:cNvPr>
-            <p:cNvSpPr/>
-            <p:nvPr>
-              <p:extLst>
-                <p:ext uri="{386F3935-93C4-4BCD-93E2-E3B085C9AB24}">
-                  <p16:designElem xmlns:p16="http://schemas.microsoft.com/office/powerpoint/2015/main" val="1"/>
-                </p:ext>
-              </p:extLst>
-            </p:nvPr>
-          </p:nvSpPr>
-          <p:spPr>
-            <a:xfrm rot="2700000">
-              <a:off x="427916" y="5728708"/>
-              <a:ext cx="485578" cy="485578"/>
-            </a:xfrm>
-            <a:prstGeom prst="rect">
-              <a:avLst/>
-            </a:prstGeom>
-            <a:solidFill>
-              <a:schemeClr val="accent1">
-                <a:alpha val="30000"/>
-              </a:schemeClr>
-            </a:solidFill>
-            <a:ln>
-              <a:noFill/>
-            </a:ln>
-          </p:spPr>
-          <p:style>
-            <a:lnRef idx="2">
-              <a:schemeClr val="accent1">
-                <a:shade val="50000"/>
-              </a:schemeClr>
-            </a:lnRef>
-            <a:fillRef idx="1">
-              <a:schemeClr val="accent1"/>
-            </a:fillRef>
-            <a:effectRef idx="0">
-              <a:schemeClr val="accent1"/>
-            </a:effectRef>
-            <a:fontRef idx="minor">
-              <a:schemeClr val="lt1"/>
-            </a:fontRef>
-          </p:style>
-          <p:txBody>
-            <a:bodyPr rtlCol="0" anchor="ctr"/>
-            <a:lstStyle/>
-            <a:p>
-              <a:pPr algn="ctr"/>
-              <a:endParaRPr lang="en-US"/>
-            </a:p>
-          </p:txBody>
-        </p:sp>
-      </p:grpSp>
+            <a:endParaRPr lang="en-US" sz="2000" dirty="0">
+              <a:latin typeface="Calibri" panose="020F0502020204030204" pitchFamily="34" charset="0"/>
+              <a:cs typeface="Calibri" panose="020F0502020204030204" pitchFamily="34" charset="0"/>
+            </a:endParaRPr>
+          </a:p>
+        </p:txBody>
+      </p:sp>
       <p:pic>
         <p:nvPicPr>
-          <p:cNvPr id="4" name="Content Placeholder 3">
-            <a:extLst>
-              <a:ext uri="{FF2B5EF4-FFF2-40B4-BE49-F238E27FC236}">
-                <a16:creationId xmlns:a16="http://schemas.microsoft.com/office/drawing/2014/main" id="{1EDA647C-E6AB-4F43-8814-FA9B712FE24D}"/>
-              </a:ext>
-            </a:extLst>
-          </p:cNvPr>
+          <p:cNvPr id="2052" name="Picture 4" descr="Strategic Domain Driven Design with Context Mapping"/>
           <p:cNvPicPr>
-            <a:picLocks noChangeAspect="1"/>
+            <a:picLocks noChangeAspect="1" noChangeArrowheads="1"/>
           </p:cNvPicPr>
           <p:nvPr/>
         </p:nvPicPr>
         <p:blipFill>
-          <a:blip r:embed="rId2"/>
+          <a:blip r:embed="rId2">
+            <a:extLst>
+              <a:ext uri="{28A0092B-C50C-407E-A947-70E740481C1C}">
+                <a14:useLocalDpi xmlns:a14="http://schemas.microsoft.com/office/drawing/2010/main" val="0"/>
+              </a:ext>
+            </a:extLst>
+          </a:blip>
+          <a:srcRect/>
           <a:stretch>
             <a:fillRect/>
           </a:stretch>
         </p:blipFill>
-        <p:spPr>
+        <p:spPr bwMode="auto">
           <a:xfrm>
-            <a:off x="5513998" y="1782981"/>
-            <a:ext cx="5815856" cy="4361892"/>
+            <a:off x="6543675" y="1457471"/>
+            <a:ext cx="4257675" cy="4295775"/>
           </a:xfrm>
           <a:prstGeom prst="rect">
             <a:avLst/>
           </a:prstGeom>
+          <a:noFill/>
+          <a:extLst>
+            <a:ext uri="{909E8E84-426E-40DD-AFC4-6F175D3DCCD1}">
+              <a14:hiddenFill xmlns:a14="http://schemas.microsoft.com/office/drawing/2010/main">
+                <a:solidFill>
+                  <a:srgbClr val="FFFFFF"/>
+                </a:solidFill>
+              </a14:hiddenFill>
+            </a:ext>
+          </a:extLst>
         </p:spPr>
       </p:pic>
-      <p:grpSp>
-        <p:nvGrpSpPr>
-          <p:cNvPr id="17" name="Group 16">
-            <a:extLst>
-              <a:ext uri="{FF2B5EF4-FFF2-40B4-BE49-F238E27FC236}">
-                <a16:creationId xmlns:a16="http://schemas.microsoft.com/office/drawing/2014/main" id="{5995D10D-E9C9-47DB-AE7E-801FEF38F5C9}"/>
-              </a:ext>
-              <a:ext uri="{C183D7F6-B498-43B3-948B-1728B52AA6E4}">
-                <adec:decorative xmlns:adec="http://schemas.microsoft.com/office/drawing/2017/decorative" val="1"/>
-              </a:ext>
-            </a:extLst>
-          </p:cNvPr>
-          <p:cNvGrpSpPr>
-            <a:grpSpLocks noGrp="1" noUngrp="1" noRot="1" noChangeAspect="1" noMove="1" noResize="1"/>
-          </p:cNvGrpSpPr>
-          <p:nvPr>
-            <p:extLst>
-              <p:ext uri="{386F3935-93C4-4BCD-93E2-E3B085C9AB24}">
-                <p16:designElem xmlns:p16="http://schemas.microsoft.com/office/powerpoint/2015/main" val="1"/>
-              </p:ext>
-            </p:extLst>
-          </p:nvPr>
-        </p:nvGrpSpPr>
-        <p:grpSpPr>
-          <a:xfrm>
-            <a:off x="11219290" y="1"/>
-            <a:ext cx="972709" cy="1935307"/>
-            <a:chOff x="10918968" y="713127"/>
-            <a:chExt cx="1273032" cy="2532832"/>
-          </a:xfrm>
-        </p:grpSpPr>
-        <p:sp>
-          <p:nvSpPr>
-            <p:cNvPr id="18" name="Rectangle 17">
-              <a:extLst>
-                <a:ext uri="{FF2B5EF4-FFF2-40B4-BE49-F238E27FC236}">
-                  <a16:creationId xmlns:a16="http://schemas.microsoft.com/office/drawing/2014/main" id="{CC1A72C6-3DE4-4EC3-9AD5-9E0D40D8CE8A}"/>
-                </a:ext>
-                <a:ext uri="{C183D7F6-B498-43B3-948B-1728B52AA6E4}">
-                  <adec:decorative xmlns:adec="http://schemas.microsoft.com/office/drawing/2017/decorative" val="1"/>
-                </a:ext>
-              </a:extLst>
-            </p:cNvPr>
-            <p:cNvSpPr/>
-            <p:nvPr>
-              <p:extLst>
-                <p:ext uri="{386F3935-93C4-4BCD-93E2-E3B085C9AB24}">
-                  <p16:designElem xmlns:p16="http://schemas.microsoft.com/office/powerpoint/2015/main" val="1"/>
-                </p:ext>
-              </p:extLst>
-            </p:nvPr>
-          </p:nvSpPr>
-          <p:spPr>
-            <a:xfrm rot="2700000">
-              <a:off x="11052629" y="2120024"/>
-              <a:ext cx="645368" cy="645368"/>
-            </a:xfrm>
-            <a:prstGeom prst="rect">
-              <a:avLst/>
-            </a:prstGeom>
-            <a:solidFill>
-              <a:schemeClr val="accent4">
-                <a:alpha val="30000"/>
-              </a:schemeClr>
-            </a:solidFill>
-            <a:ln>
-              <a:noFill/>
-            </a:ln>
-          </p:spPr>
-          <p:style>
-            <a:lnRef idx="2">
-              <a:schemeClr val="accent1">
-                <a:shade val="50000"/>
-              </a:schemeClr>
-            </a:lnRef>
-            <a:fillRef idx="1">
-              <a:schemeClr val="accent1"/>
-            </a:fillRef>
-            <a:effectRef idx="0">
-              <a:schemeClr val="accent1"/>
-            </a:effectRef>
-            <a:fontRef idx="minor">
-              <a:schemeClr val="lt1"/>
-            </a:fontRef>
-          </p:style>
-          <p:txBody>
-            <a:bodyPr rtlCol="0" anchor="ctr"/>
-            <a:lstStyle/>
-            <a:p>
-              <a:pPr algn="ctr"/>
-              <a:endParaRPr lang="en-US"/>
-            </a:p>
-          </p:txBody>
-        </p:sp>
-        <p:sp>
-          <p:nvSpPr>
-            <p:cNvPr id="19" name="Isosceles Triangle 18">
-              <a:extLst>
-                <a:ext uri="{FF2B5EF4-FFF2-40B4-BE49-F238E27FC236}">
-                  <a16:creationId xmlns:a16="http://schemas.microsoft.com/office/drawing/2014/main" id="{0B0DA1F1-C391-4EDF-9FE0-23E86E137765}"/>
-                </a:ext>
-                <a:ext uri="{C183D7F6-B498-43B3-948B-1728B52AA6E4}">
-                  <adec:decorative xmlns:adec="http://schemas.microsoft.com/office/drawing/2017/decorative" val="1"/>
-                </a:ext>
-              </a:extLst>
-            </p:cNvPr>
-            <p:cNvSpPr/>
-            <p:nvPr>
-              <p:extLst>
-                <p:ext uri="{386F3935-93C4-4BCD-93E2-E3B085C9AB24}">
-                  <p16:designElem xmlns:p16="http://schemas.microsoft.com/office/powerpoint/2015/main" val="1"/>
-                </p:ext>
-              </p:extLst>
-            </p:nvPr>
-          </p:nvSpPr>
-          <p:spPr>
-            <a:xfrm rot="16200000">
-              <a:off x="10289068" y="1343027"/>
-              <a:ext cx="2532832" cy="1273032"/>
-            </a:xfrm>
-            <a:prstGeom prst="triangle">
-              <a:avLst>
-                <a:gd name="adj" fmla="val 50000"/>
-              </a:avLst>
-            </a:prstGeom>
-            <a:solidFill>
-              <a:schemeClr val="accent4">
-                <a:alpha val="30000"/>
-              </a:schemeClr>
-            </a:solidFill>
-            <a:ln>
-              <a:noFill/>
-            </a:ln>
-          </p:spPr>
-          <p:style>
-            <a:lnRef idx="2">
-              <a:schemeClr val="accent1">
-                <a:shade val="50000"/>
-              </a:schemeClr>
-            </a:lnRef>
-            <a:fillRef idx="1">
-              <a:schemeClr val="accent1"/>
-            </a:fillRef>
-            <a:effectRef idx="0">
-              <a:schemeClr val="accent1"/>
-            </a:effectRef>
-            <a:fontRef idx="minor">
-              <a:schemeClr val="lt1"/>
-            </a:fontRef>
-          </p:style>
-          <p:txBody>
-            <a:bodyPr rtlCol="0" anchor="ctr"/>
-            <a:lstStyle/>
-            <a:p>
-              <a:pPr algn="ctr"/>
-              <a:endParaRPr lang="en-US" dirty="0"/>
-            </a:p>
-          </p:txBody>
-        </p:sp>
-      </p:grpSp>
     </p:spTree>
     <p:extLst>
       <p:ext uri="{BB962C8B-B14F-4D97-AF65-F5344CB8AC3E}">
@@ -5828,6 +6057,13 @@
   <p:clrMapOvr>
     <a:masterClrMapping/>
   </p:clrMapOvr>
+  <p:timing>
+    <p:tnLst>
+      <p:par>
+        <p:cTn id="1" dur="indefinite" restart="never" nodeType="tmRoot"/>
+      </p:par>
+    </p:tnLst>
+  </p:timing>
 </p:sld>
 </file>
 
@@ -5858,41 +6094,639 @@
       </p:grpSpPr>
       <p:sp>
         <p:nvSpPr>
-          <p:cNvPr id="71" name="Rectangle 70">
+          <p:cNvPr id="2" name="Title 1">
             <a:extLst>
               <a:ext uri="{FF2B5EF4-FFF2-40B4-BE49-F238E27FC236}">
-                <a16:creationId xmlns:a16="http://schemas.microsoft.com/office/drawing/2014/main" id="{2B566528-1B12-4246-9431-5C2D7D081168}"/>
-              </a:ext>
-              <a:ext uri="{C183D7F6-B498-43B3-948B-1728B52AA6E4}">
-                <adec:decorative xmlns:adec="http://schemas.microsoft.com/office/drawing/2017/decorative" val="1"/>
+                <a16:creationId xmlns:a16="http://schemas.microsoft.com/office/drawing/2014/main" id="{A58323F3-CF4A-4A13-8D9D-42DD7E191C0D}"/>
               </a:ext>
             </a:extLst>
           </p:cNvPr>
           <p:cNvSpPr>
-            <a:spLocks noGrp="1" noRot="1" noChangeAspect="1" noMove="1" noResize="1" noEditPoints="1" noAdjustHandles="1" noChangeArrowheads="1" noChangeShapeType="1" noTextEdit="1"/>
-          </p:cNvSpPr>
-          <p:nvPr>
-            <p:extLst>
-              <p:ext uri="{386F3935-93C4-4BCD-93E2-E3B085C9AB24}">
-                <p16:designElem xmlns:p16="http://schemas.microsoft.com/office/powerpoint/2015/main" val="1"/>
-              </p:ext>
-            </p:extLst>
+            <a:spLocks noGrp="1"/>
+          </p:cNvSpPr>
+          <p:nvPr>
+            <p:ph type="title"/>
           </p:nvPr>
         </p:nvSpPr>
         <p:spPr>
           <a:xfrm>
-            <a:off x="0" y="0"/>
-            <a:ext cx="12192000" cy="6858000"/>
+            <a:off x="643467" y="321734"/>
+            <a:ext cx="10905066" cy="1135737"/>
+          </a:xfrm>
+        </p:spPr>
+        <p:txBody>
+          <a:bodyPr>
+            <a:normAutofit/>
+          </a:bodyPr>
+          <a:lstStyle/>
+          <a:p>
+            <a:r>
+              <a:rPr lang="en-US" sz="3600" dirty="0"/>
+              <a:t>Bounded Context - </a:t>
+            </a:r>
+            <a:r>
+              <a:rPr lang="en-US" sz="3600" dirty="0" err="1"/>
+              <a:t>N</a:t>
+            </a:r>
+            <a:r>
+              <a:rPr lang="en-US" sz="3600" dirty="0" err="1" smtClean="0"/>
+              <a:t>gữ</a:t>
+            </a:r>
+            <a:r>
+              <a:rPr lang="en-US" sz="3600" dirty="0" smtClean="0"/>
+              <a:t> </a:t>
+            </a:r>
+            <a:r>
+              <a:rPr lang="en-US" sz="3600" dirty="0" err="1"/>
+              <a:t>cảnh</a:t>
+            </a:r>
+            <a:r>
+              <a:rPr lang="en-US" sz="3600" dirty="0"/>
+              <a:t> </a:t>
+            </a:r>
+            <a:r>
+              <a:rPr lang="en-US" sz="3600" dirty="0" err="1"/>
+              <a:t>giới</a:t>
+            </a:r>
+            <a:r>
+              <a:rPr lang="en-US" sz="3600" dirty="0"/>
+              <a:t> </a:t>
+            </a:r>
+            <a:r>
+              <a:rPr lang="en-US" sz="3600" dirty="0" err="1"/>
+              <a:t>hạn</a:t>
+            </a:r>
+            <a:endParaRPr lang="en-US" sz="3600" dirty="0"/>
+          </a:p>
+        </p:txBody>
+      </p:sp>
+      <p:sp>
+        <p:nvSpPr>
+          <p:cNvPr id="8" name="Content Placeholder 7">
+            <a:extLst>
+              <a:ext uri="{FF2B5EF4-FFF2-40B4-BE49-F238E27FC236}">
+                <a16:creationId xmlns:a16="http://schemas.microsoft.com/office/drawing/2014/main" id="{4A951A6A-C1AA-4981-80C7-5D7B19953C3B}"/>
+              </a:ext>
+            </a:extLst>
+          </p:cNvPr>
+          <p:cNvSpPr>
+            <a:spLocks noGrp="1"/>
+          </p:cNvSpPr>
+          <p:nvPr>
+            <p:ph idx="1"/>
+          </p:nvPr>
+        </p:nvSpPr>
+        <p:spPr>
+          <a:xfrm>
+            <a:off x="643469" y="1782981"/>
+            <a:ext cx="4008384" cy="4393982"/>
+          </a:xfrm>
+        </p:spPr>
+        <p:txBody>
+          <a:bodyPr>
+            <a:normAutofit/>
+          </a:bodyPr>
+          <a:lstStyle/>
+          <a:p>
+            <a:r>
+              <a:rPr lang="vi-VN" sz="2000" dirty="0">
+                <a:latin typeface="Calibri" panose="020F0502020204030204" pitchFamily="34" charset="0"/>
+                <a:cs typeface="Calibri" panose="020F0502020204030204" pitchFamily="34" charset="0"/>
+              </a:rPr>
+              <a:t>Domain độc lập</a:t>
+            </a:r>
+          </a:p>
+          <a:p>
+            <a:r>
+              <a:rPr lang="vi-VN" sz="2000" dirty="0">
+                <a:latin typeface="Calibri" panose="020F0502020204030204" pitchFamily="34" charset="0"/>
+                <a:cs typeface="Calibri" panose="020F0502020204030204" pitchFamily="34" charset="0"/>
+              </a:rPr>
+              <a:t>Được kết nối với nhau thông qua Context Map</a:t>
+            </a:r>
+          </a:p>
+          <a:p>
+            <a:r>
+              <a:rPr lang="vi-VN" sz="2000" dirty="0">
+                <a:latin typeface="Calibri" panose="020F0502020204030204" pitchFamily="34" charset="0"/>
+                <a:cs typeface="Calibri" panose="020F0502020204030204" pitchFamily="34" charset="0"/>
+              </a:rPr>
+              <a:t>Phù hợp để áp dụng cho microservice</a:t>
+            </a:r>
+            <a:endParaRPr lang="en-US" sz="2000" dirty="0">
+              <a:latin typeface="Calibri" panose="020F0502020204030204" pitchFamily="34" charset="0"/>
+              <a:cs typeface="Calibri" panose="020F0502020204030204" pitchFamily="34" charset="0"/>
+            </a:endParaRPr>
+          </a:p>
+        </p:txBody>
+      </p:sp>
+      <p:pic>
+        <p:nvPicPr>
+          <p:cNvPr id="4100" name="Picture 4" descr="Bounded Context Example"/>
+          <p:cNvPicPr>
+            <a:picLocks noChangeAspect="1" noChangeArrowheads="1"/>
+          </p:cNvPicPr>
+          <p:nvPr/>
+        </p:nvPicPr>
+        <p:blipFill>
+          <a:blip r:embed="rId2">
+            <a:extLst>
+              <a:ext uri="{28A0092B-C50C-407E-A947-70E740481C1C}">
+                <a14:useLocalDpi xmlns:a14="http://schemas.microsoft.com/office/drawing/2010/main" val="0"/>
+              </a:ext>
+            </a:extLst>
+          </a:blip>
+          <a:srcRect/>
+          <a:stretch>
+            <a:fillRect/>
+          </a:stretch>
+        </p:blipFill>
+        <p:spPr bwMode="auto">
+          <a:xfrm>
+            <a:off x="6096000" y="1457471"/>
+            <a:ext cx="4610100" cy="2981326"/>
           </a:xfrm>
           <a:prstGeom prst="rect">
             <a:avLst/>
           </a:prstGeom>
-          <a:solidFill>
-            <a:schemeClr val="bg1"/>
-          </a:solidFill>
-          <a:ln>
-            <a:noFill/>
-          </a:ln>
+          <a:noFill/>
+          <a:extLst>
+            <a:ext uri="{909E8E84-426E-40DD-AFC4-6F175D3DCCD1}">
+              <a14:hiddenFill xmlns:a14="http://schemas.microsoft.com/office/drawing/2010/main">
+                <a:solidFill>
+                  <a:srgbClr val="FFFFFF"/>
+                </a:solidFill>
+              </a14:hiddenFill>
+            </a:ext>
+          </a:extLst>
+        </p:spPr>
+      </p:pic>
+    </p:spTree>
+    <p:extLst>
+      <p:ext uri="{BB962C8B-B14F-4D97-AF65-F5344CB8AC3E}">
+        <p14:creationId xmlns:p14="http://schemas.microsoft.com/office/powerpoint/2010/main" val="2676628640"/>
+      </p:ext>
+    </p:extLst>
+  </p:cSld>
+  <p:clrMapOvr>
+    <a:masterClrMapping/>
+  </p:clrMapOvr>
+  <p:timing>
+    <p:tnLst>
+      <p:par>
+        <p:cTn id="1" dur="indefinite" restart="never" nodeType="tmRoot"/>
+      </p:par>
+    </p:tnLst>
+  </p:timing>
+</p:sld>
+</file>
+
+<file path=ppt/slides/slide7.xml><?xml version="1.0" encoding="utf-8"?>
+<p:sld xmlns:a="http://schemas.openxmlformats.org/drawingml/2006/main" xmlns:r="http://schemas.openxmlformats.org/officeDocument/2006/relationships" xmlns:p="http://schemas.openxmlformats.org/presentationml/2006/main">
+  <p:cSld>
+    <p:spTree>
+      <p:nvGrpSpPr>
+        <p:cNvPr id="1" name=""/>
+        <p:cNvGrpSpPr/>
+        <p:nvPr/>
+      </p:nvGrpSpPr>
+      <p:grpSpPr>
+        <a:xfrm>
+          <a:off x="0" y="0"/>
+          <a:ext cx="0" cy="0"/>
+          <a:chOff x="0" y="0"/>
+          <a:chExt cx="0" cy="0"/>
+        </a:xfrm>
+      </p:grpSpPr>
+      <p:sp>
+        <p:nvSpPr>
+          <p:cNvPr id="4" name="TextBox 3"/>
+          <p:cNvSpPr txBox="1"/>
+          <p:nvPr/>
+        </p:nvSpPr>
+        <p:spPr>
+          <a:xfrm>
+            <a:off x="2183772" y="373489"/>
+            <a:ext cx="1580369" cy="369332"/>
+          </a:xfrm>
+          <a:prstGeom prst="rect">
+            <a:avLst/>
+          </a:prstGeom>
+        </p:spPr>
+        <p:style>
+          <a:lnRef idx="2">
+            <a:schemeClr val="accent1"/>
+          </a:lnRef>
+          <a:fillRef idx="1">
+            <a:schemeClr val="lt1"/>
+          </a:fillRef>
+          <a:effectRef idx="0">
+            <a:schemeClr val="accent1"/>
+          </a:effectRef>
+          <a:fontRef idx="minor">
+            <a:schemeClr val="dk1"/>
+          </a:fontRef>
+        </p:style>
+        <p:txBody>
+          <a:bodyPr wrap="none" rtlCol="0">
+            <a:spAutoFit/>
+          </a:bodyPr>
+          <a:lstStyle/>
+          <a:p>
+            <a:r>
+              <a:rPr lang="en-US" dirty="0" smtClean="0"/>
+              <a:t>Problem Space</a:t>
+            </a:r>
+            <a:endParaRPr lang="en-US" dirty="0"/>
+          </a:p>
+        </p:txBody>
+      </p:sp>
+      <p:sp>
+        <p:nvSpPr>
+          <p:cNvPr id="5" name="TextBox 4"/>
+          <p:cNvSpPr txBox="1"/>
+          <p:nvPr/>
+        </p:nvSpPr>
+        <p:spPr>
+          <a:xfrm>
+            <a:off x="8293100" y="373489"/>
+            <a:ext cx="1564852" cy="369332"/>
+          </a:xfrm>
+          <a:prstGeom prst="rect">
+            <a:avLst/>
+          </a:prstGeom>
+        </p:spPr>
+        <p:style>
+          <a:lnRef idx="2">
+            <a:schemeClr val="accent1"/>
+          </a:lnRef>
+          <a:fillRef idx="1">
+            <a:schemeClr val="lt1"/>
+          </a:fillRef>
+          <a:effectRef idx="0">
+            <a:schemeClr val="accent1"/>
+          </a:effectRef>
+          <a:fontRef idx="minor">
+            <a:schemeClr val="dk1"/>
+          </a:fontRef>
+        </p:style>
+        <p:txBody>
+          <a:bodyPr wrap="none" rtlCol="0">
+            <a:spAutoFit/>
+          </a:bodyPr>
+          <a:lstStyle/>
+          <a:p>
+            <a:r>
+              <a:rPr lang="en-US" dirty="0" smtClean="0"/>
+              <a:t>Solution Space</a:t>
+            </a:r>
+            <a:endParaRPr lang="en-US" dirty="0"/>
+          </a:p>
+        </p:txBody>
+      </p:sp>
+      <p:cxnSp>
+        <p:nvCxnSpPr>
+          <p:cNvPr id="7" name="Straight Connector 6"/>
+          <p:cNvCxnSpPr/>
+          <p:nvPr/>
+        </p:nvCxnSpPr>
+        <p:spPr>
+          <a:xfrm>
+            <a:off x="6030013" y="863600"/>
+            <a:ext cx="15187" cy="5651500"/>
+          </a:xfrm>
+          <a:prstGeom prst="line">
+            <a:avLst/>
+          </a:prstGeom>
+        </p:spPr>
+        <p:style>
+          <a:lnRef idx="1">
+            <a:schemeClr val="dk1"/>
+          </a:lnRef>
+          <a:fillRef idx="0">
+            <a:schemeClr val="dk1"/>
+          </a:fillRef>
+          <a:effectRef idx="0">
+            <a:schemeClr val="dk1"/>
+          </a:effectRef>
+          <a:fontRef idx="minor">
+            <a:schemeClr val="tx1"/>
+          </a:fontRef>
+        </p:style>
+      </p:cxnSp>
+      <p:grpSp>
+        <p:nvGrpSpPr>
+          <p:cNvPr id="26" name="Group 25"/>
+          <p:cNvGrpSpPr/>
+          <p:nvPr/>
+        </p:nvGrpSpPr>
+        <p:grpSpPr>
+          <a:xfrm>
+            <a:off x="179334" y="1175008"/>
+            <a:ext cx="5589243" cy="1885434"/>
+            <a:chOff x="232298" y="1498600"/>
+            <a:chExt cx="5589243" cy="1885434"/>
+          </a:xfrm>
+        </p:grpSpPr>
+        <p:sp>
+          <p:nvSpPr>
+            <p:cNvPr id="8" name="Rectangle 7"/>
+            <p:cNvSpPr/>
+            <p:nvPr/>
+          </p:nvSpPr>
+          <p:spPr>
+            <a:xfrm>
+              <a:off x="2163941" y="1498600"/>
+              <a:ext cx="1600200" cy="723900"/>
+            </a:xfrm>
+            <a:prstGeom prst="rect">
+              <a:avLst/>
+            </a:prstGeom>
+          </p:spPr>
+          <p:style>
+            <a:lnRef idx="2">
+              <a:schemeClr val="accent2">
+                <a:shade val="50000"/>
+              </a:schemeClr>
+            </a:lnRef>
+            <a:fillRef idx="1">
+              <a:schemeClr val="accent2"/>
+            </a:fillRef>
+            <a:effectRef idx="0">
+              <a:schemeClr val="accent2"/>
+            </a:effectRef>
+            <a:fontRef idx="minor">
+              <a:schemeClr val="lt1"/>
+            </a:fontRef>
+          </p:style>
+          <p:txBody>
+            <a:bodyPr rtlCol="0" anchor="ctr"/>
+            <a:lstStyle/>
+            <a:p>
+              <a:pPr algn="ctr"/>
+              <a:r>
+                <a:rPr lang="en-US" dirty="0" smtClean="0"/>
+                <a:t>Domain</a:t>
+              </a:r>
+              <a:endParaRPr lang="en-US" dirty="0"/>
+            </a:p>
+          </p:txBody>
+        </p:sp>
+        <p:sp>
+          <p:nvSpPr>
+            <p:cNvPr id="10" name="Rectangle 9"/>
+            <p:cNvSpPr/>
+            <p:nvPr/>
+          </p:nvSpPr>
+          <p:spPr>
+            <a:xfrm>
+              <a:off x="2163941" y="2660134"/>
+              <a:ext cx="1600200" cy="723900"/>
+            </a:xfrm>
+            <a:prstGeom prst="rect">
+              <a:avLst/>
+            </a:prstGeom>
+          </p:spPr>
+          <p:style>
+            <a:lnRef idx="2">
+              <a:schemeClr val="accent2">
+                <a:shade val="50000"/>
+              </a:schemeClr>
+            </a:lnRef>
+            <a:fillRef idx="1">
+              <a:schemeClr val="accent2"/>
+            </a:fillRef>
+            <a:effectRef idx="0">
+              <a:schemeClr val="accent2"/>
+            </a:effectRef>
+            <a:fontRef idx="minor">
+              <a:schemeClr val="lt1"/>
+            </a:fontRef>
+          </p:style>
+          <p:txBody>
+            <a:bodyPr rtlCol="0" anchor="ctr"/>
+            <a:lstStyle/>
+            <a:p>
+              <a:pPr algn="ctr"/>
+              <a:r>
+                <a:rPr lang="en-US" dirty="0" smtClean="0"/>
+                <a:t>Subdomain</a:t>
+              </a:r>
+              <a:endParaRPr lang="en-US" dirty="0"/>
+            </a:p>
+          </p:txBody>
+        </p:sp>
+        <p:sp>
+          <p:nvSpPr>
+            <p:cNvPr id="11" name="Rectangle 10"/>
+            <p:cNvSpPr/>
+            <p:nvPr/>
+          </p:nvSpPr>
+          <p:spPr>
+            <a:xfrm>
+              <a:off x="4221341" y="2660134"/>
+              <a:ext cx="1600200" cy="723900"/>
+            </a:xfrm>
+            <a:prstGeom prst="rect">
+              <a:avLst/>
+            </a:prstGeom>
+          </p:spPr>
+          <p:style>
+            <a:lnRef idx="2">
+              <a:schemeClr val="accent2">
+                <a:shade val="50000"/>
+              </a:schemeClr>
+            </a:lnRef>
+            <a:fillRef idx="1">
+              <a:schemeClr val="accent2"/>
+            </a:fillRef>
+            <a:effectRef idx="0">
+              <a:schemeClr val="accent2"/>
+            </a:effectRef>
+            <a:fontRef idx="minor">
+              <a:schemeClr val="lt1"/>
+            </a:fontRef>
+          </p:style>
+          <p:txBody>
+            <a:bodyPr rtlCol="0" anchor="ctr"/>
+            <a:lstStyle/>
+            <a:p>
+              <a:pPr algn="ctr"/>
+              <a:r>
+                <a:rPr lang="en-US" dirty="0" smtClean="0"/>
+                <a:t>Subdomain</a:t>
+              </a:r>
+              <a:endParaRPr lang="en-US" dirty="0"/>
+            </a:p>
+          </p:txBody>
+        </p:sp>
+        <p:sp>
+          <p:nvSpPr>
+            <p:cNvPr id="12" name="Rectangle 11"/>
+            <p:cNvSpPr/>
+            <p:nvPr/>
+          </p:nvSpPr>
+          <p:spPr>
+            <a:xfrm>
+              <a:off x="232298" y="2660134"/>
+              <a:ext cx="1600200" cy="723900"/>
+            </a:xfrm>
+            <a:prstGeom prst="rect">
+              <a:avLst/>
+            </a:prstGeom>
+          </p:spPr>
+          <p:style>
+            <a:lnRef idx="2">
+              <a:schemeClr val="accent2">
+                <a:shade val="50000"/>
+              </a:schemeClr>
+            </a:lnRef>
+            <a:fillRef idx="1">
+              <a:schemeClr val="accent2"/>
+            </a:fillRef>
+            <a:effectRef idx="0">
+              <a:schemeClr val="accent2"/>
+            </a:effectRef>
+            <a:fontRef idx="minor">
+              <a:schemeClr val="lt1"/>
+            </a:fontRef>
+          </p:style>
+          <p:txBody>
+            <a:bodyPr rtlCol="0" anchor="ctr"/>
+            <a:lstStyle/>
+            <a:p>
+              <a:pPr algn="ctr"/>
+              <a:r>
+                <a:rPr lang="en-US" dirty="0" smtClean="0"/>
+                <a:t>Subdomain</a:t>
+              </a:r>
+              <a:endParaRPr lang="en-US" dirty="0"/>
+            </a:p>
+          </p:txBody>
+        </p:sp>
+        <p:cxnSp>
+          <p:nvCxnSpPr>
+            <p:cNvPr id="18" name="Straight Arrow Connector 17"/>
+            <p:cNvCxnSpPr>
+              <a:stCxn id="8" idx="2"/>
+              <a:endCxn id="10" idx="0"/>
+            </p:cNvCxnSpPr>
+            <p:nvPr/>
+          </p:nvCxnSpPr>
+          <p:spPr>
+            <a:xfrm>
+              <a:off x="2964041" y="2222500"/>
+              <a:ext cx="0" cy="437634"/>
+            </a:xfrm>
+            <a:prstGeom prst="straightConnector1">
+              <a:avLst/>
+            </a:prstGeom>
+            <a:ln>
+              <a:tailEnd type="triangle"/>
+            </a:ln>
+          </p:spPr>
+          <p:style>
+            <a:lnRef idx="1">
+              <a:schemeClr val="dk1"/>
+            </a:lnRef>
+            <a:fillRef idx="0">
+              <a:schemeClr val="dk1"/>
+            </a:fillRef>
+            <a:effectRef idx="0">
+              <a:schemeClr val="dk1"/>
+            </a:effectRef>
+            <a:fontRef idx="minor">
+              <a:schemeClr val="tx1"/>
+            </a:fontRef>
+          </p:style>
+        </p:cxnSp>
+        <p:cxnSp>
+          <p:nvCxnSpPr>
+            <p:cNvPr id="22" name="Straight Arrow Connector 21"/>
+            <p:cNvCxnSpPr>
+              <a:stCxn id="8" idx="1"/>
+              <a:endCxn id="12" idx="0"/>
+            </p:cNvCxnSpPr>
+            <p:nvPr/>
+          </p:nvCxnSpPr>
+          <p:spPr>
+            <a:xfrm flipH="1">
+              <a:off x="1032398" y="1860550"/>
+              <a:ext cx="1131543" cy="799584"/>
+            </a:xfrm>
+            <a:prstGeom prst="straightConnector1">
+              <a:avLst/>
+            </a:prstGeom>
+            <a:ln>
+              <a:tailEnd type="triangle"/>
+            </a:ln>
+          </p:spPr>
+          <p:style>
+            <a:lnRef idx="1">
+              <a:schemeClr val="dk1"/>
+            </a:lnRef>
+            <a:fillRef idx="0">
+              <a:schemeClr val="dk1"/>
+            </a:fillRef>
+            <a:effectRef idx="0">
+              <a:schemeClr val="dk1"/>
+            </a:effectRef>
+            <a:fontRef idx="minor">
+              <a:schemeClr val="tx1"/>
+            </a:fontRef>
+          </p:style>
+        </p:cxnSp>
+        <p:cxnSp>
+          <p:nvCxnSpPr>
+            <p:cNvPr id="24" name="Straight Arrow Connector 23"/>
+            <p:cNvCxnSpPr>
+              <a:stCxn id="8" idx="3"/>
+              <a:endCxn id="11" idx="0"/>
+            </p:cNvCxnSpPr>
+            <p:nvPr/>
+          </p:nvCxnSpPr>
+          <p:spPr>
+            <a:xfrm>
+              <a:off x="3764141" y="1860550"/>
+              <a:ext cx="1257300" cy="799584"/>
+            </a:xfrm>
+            <a:prstGeom prst="straightConnector1">
+              <a:avLst/>
+            </a:prstGeom>
+            <a:ln>
+              <a:tailEnd type="triangle"/>
+            </a:ln>
+          </p:spPr>
+          <p:style>
+            <a:lnRef idx="1">
+              <a:schemeClr val="dk1"/>
+            </a:lnRef>
+            <a:fillRef idx="0">
+              <a:schemeClr val="dk1"/>
+            </a:fillRef>
+            <a:effectRef idx="0">
+              <a:schemeClr val="dk1"/>
+            </a:effectRef>
+            <a:fontRef idx="minor">
+              <a:schemeClr val="tx1"/>
+            </a:fontRef>
+          </p:style>
+        </p:cxnSp>
+      </p:grpSp>
+      <p:sp>
+        <p:nvSpPr>
+          <p:cNvPr id="27" name="Flowchart: Process 26"/>
+          <p:cNvSpPr/>
+          <p:nvPr/>
+        </p:nvSpPr>
+        <p:spPr>
+          <a:xfrm>
+            <a:off x="8121028" y="1168916"/>
+            <a:ext cx="2006600" cy="539750"/>
+          </a:xfrm>
+          <a:prstGeom prst="flowChartProcess">
+            <a:avLst/>
+          </a:prstGeom>
         </p:spPr>
         <p:style>
           <a:lnRef idx="2">
@@ -5915,270 +6749,630 @@
           <a:lstStyle/>
           <a:p>
             <a:pPr algn="ctr"/>
+            <a:r>
+              <a:rPr lang="en-US" dirty="0" smtClean="0"/>
+              <a:t>Domain Model</a:t>
+            </a:r>
             <a:endParaRPr lang="en-US" dirty="0"/>
           </a:p>
         </p:txBody>
       </p:sp>
       <p:sp>
         <p:nvSpPr>
-          <p:cNvPr id="2" name="Title 1">
-            <a:extLst>
-              <a:ext uri="{FF2B5EF4-FFF2-40B4-BE49-F238E27FC236}">
-                <a16:creationId xmlns:a16="http://schemas.microsoft.com/office/drawing/2014/main" id="{A58323F3-CF4A-4A13-8D9D-42DD7E191C0D}"/>
-              </a:ext>
-            </a:extLst>
-          </p:cNvPr>
-          <p:cNvSpPr>
-            <a:spLocks noGrp="1"/>
-          </p:cNvSpPr>
-          <p:nvPr>
-            <p:ph type="title"/>
-          </p:nvPr>
+          <p:cNvPr id="33" name="Rectangle 32"/>
+          <p:cNvSpPr/>
+          <p:nvPr/>
         </p:nvSpPr>
         <p:spPr>
           <a:xfrm>
-            <a:off x="643467" y="321734"/>
-            <a:ext cx="10905066" cy="1135737"/>
+            <a:off x="6361456" y="2209800"/>
+            <a:ext cx="5525744" cy="3967718"/>
           </a:xfrm>
+          <a:prstGeom prst="rect">
+            <a:avLst/>
+          </a:prstGeom>
+          <a:noFill/>
+          <a:ln w="9525" cap="flat" cmpd="sng" algn="ctr">
+            <a:solidFill>
+              <a:schemeClr val="dk1"/>
+            </a:solidFill>
+            <a:prstDash val="solid"/>
+            <a:round/>
+            <a:headEnd type="none" w="med" len="med"/>
+            <a:tailEnd type="none" w="med" len="med"/>
+          </a:ln>
+          <a:effectLst>
+            <a:outerShdw blurRad="50800" dist="38100" dir="2700000" algn="tl" rotWithShape="0">
+              <a:prstClr val="black">
+                <a:alpha val="40000"/>
+              </a:prstClr>
+            </a:outerShdw>
+          </a:effectLst>
         </p:spPr>
-        <p:txBody>
-          <a:bodyPr>
-            <a:normAutofit/>
+        <p:style>
+          <a:lnRef idx="0">
+            <a:scrgbClr r="0" g="0" b="0"/>
+          </a:lnRef>
+          <a:fillRef idx="0">
+            <a:scrgbClr r="0" g="0" b="0"/>
+          </a:fillRef>
+          <a:effectRef idx="0">
+            <a:scrgbClr r="0" g="0" b="0"/>
+          </a:effectRef>
+          <a:fontRef idx="minor">
+            <a:schemeClr val="dk1"/>
+          </a:fontRef>
+        </p:style>
+        <p:txBody>
+          <a:bodyPr rtlCol="0" anchor="ctr"/>
+          <a:lstStyle/>
+          <a:p>
+            <a:pPr algn="ctr"/>
+            <a:endParaRPr lang="en-US"/>
+          </a:p>
+        </p:txBody>
+      </p:sp>
+      <p:sp>
+        <p:nvSpPr>
+          <p:cNvPr id="29" name="Flowchart: Process 28"/>
+          <p:cNvSpPr/>
+          <p:nvPr/>
+        </p:nvSpPr>
+        <p:spPr>
+          <a:xfrm>
+            <a:off x="6621641" y="2488684"/>
+            <a:ext cx="2179128" cy="1486416"/>
+          </a:xfrm>
+          <a:prstGeom prst="flowChartProcess">
+            <a:avLst/>
+          </a:prstGeom>
+        </p:spPr>
+        <p:style>
+          <a:lnRef idx="2">
+            <a:schemeClr val="accent1">
+              <a:shade val="50000"/>
+            </a:schemeClr>
+          </a:lnRef>
+          <a:fillRef idx="1">
+            <a:schemeClr val="accent1"/>
+          </a:fillRef>
+          <a:effectRef idx="0">
+            <a:schemeClr val="accent1"/>
+          </a:effectRef>
+          <a:fontRef idx="minor">
+            <a:schemeClr val="lt1"/>
+          </a:fontRef>
+        </p:style>
+        <p:txBody>
+          <a:bodyPr rtlCol="0" anchor="ctr"/>
+          <a:lstStyle/>
+          <a:p>
+            <a:pPr algn="ctr"/>
+            <a:r>
+              <a:rPr lang="en-US" dirty="0" smtClean="0"/>
+              <a:t>Bounded Context</a:t>
+            </a:r>
+          </a:p>
+          <a:p>
+            <a:pPr algn="ctr"/>
+            <a:r>
+              <a:rPr lang="en-US" dirty="0" smtClean="0">
+                <a:solidFill>
+                  <a:srgbClr val="FFFF00"/>
+                </a:solidFill>
+              </a:rPr>
+              <a:t>Ubiquitous Language</a:t>
+            </a:r>
+            <a:endParaRPr lang="en-US" dirty="0">
+              <a:solidFill>
+                <a:srgbClr val="FFFF00"/>
+              </a:solidFill>
+            </a:endParaRPr>
+          </a:p>
+        </p:txBody>
+      </p:sp>
+      <p:sp>
+        <p:nvSpPr>
+          <p:cNvPr id="30" name="Flowchart: Process 29"/>
+          <p:cNvSpPr/>
+          <p:nvPr/>
+        </p:nvSpPr>
+        <p:spPr>
+          <a:xfrm>
+            <a:off x="9377210" y="2488684"/>
+            <a:ext cx="2179128" cy="1486416"/>
+          </a:xfrm>
+          <a:prstGeom prst="flowChartProcess">
+            <a:avLst/>
+          </a:prstGeom>
+        </p:spPr>
+        <p:style>
+          <a:lnRef idx="2">
+            <a:schemeClr val="accent1">
+              <a:shade val="50000"/>
+            </a:schemeClr>
+          </a:lnRef>
+          <a:fillRef idx="1">
+            <a:schemeClr val="accent1"/>
+          </a:fillRef>
+          <a:effectRef idx="0">
+            <a:schemeClr val="accent1"/>
+          </a:effectRef>
+          <a:fontRef idx="minor">
+            <a:schemeClr val="lt1"/>
+          </a:fontRef>
+        </p:style>
+        <p:txBody>
+          <a:bodyPr rtlCol="0" anchor="ctr"/>
+          <a:lstStyle/>
+          <a:p>
+            <a:pPr algn="ctr"/>
+            <a:r>
+              <a:rPr lang="en-US" dirty="0" smtClean="0"/>
+              <a:t>Bounded Context</a:t>
+            </a:r>
+          </a:p>
+          <a:p>
+            <a:pPr algn="ctr"/>
+            <a:r>
+              <a:rPr lang="en-US" dirty="0" smtClean="0">
+                <a:solidFill>
+                  <a:srgbClr val="FFFF00"/>
+                </a:solidFill>
+              </a:rPr>
+              <a:t>Ubiquitous Language</a:t>
+            </a:r>
+            <a:endParaRPr lang="en-US" dirty="0">
+              <a:solidFill>
+                <a:srgbClr val="FFFF00"/>
+              </a:solidFill>
+            </a:endParaRPr>
+          </a:p>
+        </p:txBody>
+      </p:sp>
+      <p:sp>
+        <p:nvSpPr>
+          <p:cNvPr id="31" name="Flowchart: Process 30"/>
+          <p:cNvSpPr/>
+          <p:nvPr/>
+        </p:nvSpPr>
+        <p:spPr>
+          <a:xfrm>
+            <a:off x="9377210" y="4425434"/>
+            <a:ext cx="2179128" cy="1486416"/>
+          </a:xfrm>
+          <a:prstGeom prst="flowChartProcess">
+            <a:avLst/>
+          </a:prstGeom>
+        </p:spPr>
+        <p:style>
+          <a:lnRef idx="2">
+            <a:schemeClr val="accent1">
+              <a:shade val="50000"/>
+            </a:schemeClr>
+          </a:lnRef>
+          <a:fillRef idx="1">
+            <a:schemeClr val="accent1"/>
+          </a:fillRef>
+          <a:effectRef idx="0">
+            <a:schemeClr val="accent1"/>
+          </a:effectRef>
+          <a:fontRef idx="minor">
+            <a:schemeClr val="lt1"/>
+          </a:fontRef>
+        </p:style>
+        <p:txBody>
+          <a:bodyPr rtlCol="0" anchor="ctr"/>
+          <a:lstStyle/>
+          <a:p>
+            <a:pPr algn="ctr"/>
+            <a:r>
+              <a:rPr lang="en-US" dirty="0" smtClean="0"/>
+              <a:t>Bounded Context</a:t>
+            </a:r>
+          </a:p>
+          <a:p>
+            <a:pPr algn="ctr"/>
+            <a:r>
+              <a:rPr lang="en-US" dirty="0" smtClean="0">
+                <a:solidFill>
+                  <a:srgbClr val="FFFF00"/>
+                </a:solidFill>
+              </a:rPr>
+              <a:t>Ubiquitous Language</a:t>
+            </a:r>
+            <a:endParaRPr lang="en-US" dirty="0">
+              <a:solidFill>
+                <a:srgbClr val="FFFF00"/>
+              </a:solidFill>
+            </a:endParaRPr>
+          </a:p>
+        </p:txBody>
+      </p:sp>
+      <p:sp>
+        <p:nvSpPr>
+          <p:cNvPr id="32" name="Flowchart: Process 31"/>
+          <p:cNvSpPr/>
+          <p:nvPr/>
+        </p:nvSpPr>
+        <p:spPr>
+          <a:xfrm>
+            <a:off x="6621641" y="4425434"/>
+            <a:ext cx="2179128" cy="1486416"/>
+          </a:xfrm>
+          <a:prstGeom prst="flowChartProcess">
+            <a:avLst/>
+          </a:prstGeom>
+        </p:spPr>
+        <p:style>
+          <a:lnRef idx="2">
+            <a:schemeClr val="accent1">
+              <a:shade val="50000"/>
+            </a:schemeClr>
+          </a:lnRef>
+          <a:fillRef idx="1">
+            <a:schemeClr val="accent1"/>
+          </a:fillRef>
+          <a:effectRef idx="0">
+            <a:schemeClr val="accent1"/>
+          </a:effectRef>
+          <a:fontRef idx="minor">
+            <a:schemeClr val="lt1"/>
+          </a:fontRef>
+        </p:style>
+        <p:txBody>
+          <a:bodyPr rtlCol="0" anchor="ctr"/>
+          <a:lstStyle/>
+          <a:p>
+            <a:pPr algn="ctr"/>
+            <a:r>
+              <a:rPr lang="en-US" dirty="0" smtClean="0"/>
+              <a:t>Bounded Context</a:t>
+            </a:r>
+          </a:p>
+          <a:p>
+            <a:pPr algn="ctr"/>
+            <a:r>
+              <a:rPr lang="en-US" dirty="0" smtClean="0">
+                <a:solidFill>
+                  <a:srgbClr val="FFFF00"/>
+                </a:solidFill>
+              </a:rPr>
+              <a:t>Ubiquitous Language</a:t>
+            </a:r>
+            <a:endParaRPr lang="en-US" dirty="0">
+              <a:solidFill>
+                <a:srgbClr val="FFFF00"/>
+              </a:solidFill>
+            </a:endParaRPr>
+          </a:p>
+        </p:txBody>
+      </p:sp>
+      <p:sp>
+        <p:nvSpPr>
+          <p:cNvPr id="28" name="TextBox 27"/>
+          <p:cNvSpPr txBox="1"/>
+          <p:nvPr/>
+        </p:nvSpPr>
+        <p:spPr>
+          <a:xfrm>
+            <a:off x="6237249" y="6218019"/>
+            <a:ext cx="5676554" cy="369332"/>
+          </a:xfrm>
+          <a:prstGeom prst="rect">
+            <a:avLst/>
+          </a:prstGeom>
+          <a:noFill/>
+        </p:spPr>
+        <p:txBody>
+          <a:bodyPr wrap="none" rtlCol="0">
+            <a:spAutoFit/>
           </a:bodyPr>
           <a:lstStyle/>
           <a:p>
             <a:r>
-              <a:rPr lang="en-US" sz="3600"/>
-              <a:t>Bounded Context - ngữ cảnh giới hạn</a:t>
-            </a:r>
-          </a:p>
-        </p:txBody>
-      </p:sp>
-      <p:sp>
-        <p:nvSpPr>
-          <p:cNvPr id="8" name="Content Placeholder 7">
-            <a:extLst>
-              <a:ext uri="{FF2B5EF4-FFF2-40B4-BE49-F238E27FC236}">
-                <a16:creationId xmlns:a16="http://schemas.microsoft.com/office/drawing/2014/main" id="{4A951A6A-C1AA-4981-80C7-5D7B19953C3B}"/>
-              </a:ext>
-            </a:extLst>
-          </p:cNvPr>
-          <p:cNvSpPr>
-            <a:spLocks noGrp="1"/>
-          </p:cNvSpPr>
-          <p:nvPr>
-            <p:ph idx="1"/>
-          </p:nvPr>
-        </p:nvSpPr>
+              <a:rPr lang="en-US" dirty="0" smtClean="0">
+                <a:solidFill>
+                  <a:schemeClr val="accent1"/>
+                </a:solidFill>
+              </a:rPr>
+              <a:t>Context Map </a:t>
+            </a:r>
+            <a:r>
+              <a:rPr lang="en-US" dirty="0" smtClean="0"/>
+              <a:t>: </a:t>
+            </a:r>
+            <a:r>
+              <a:rPr lang="en-US" dirty="0"/>
+              <a:t> </a:t>
+            </a:r>
+            <a:r>
+              <a:rPr lang="en-US" dirty="0" err="1"/>
+              <a:t>B</a:t>
+            </a:r>
+            <a:r>
+              <a:rPr lang="en-US" dirty="0" err="1" smtClean="0"/>
+              <a:t>ản</a:t>
+            </a:r>
+            <a:r>
+              <a:rPr lang="en-US" dirty="0" smtClean="0"/>
+              <a:t> </a:t>
+            </a:r>
+            <a:r>
+              <a:rPr lang="en-US" dirty="0" err="1"/>
+              <a:t>chất</a:t>
+            </a:r>
+            <a:r>
+              <a:rPr lang="en-US" dirty="0"/>
+              <a:t> </a:t>
+            </a:r>
+            <a:r>
+              <a:rPr lang="en-US" dirty="0" err="1"/>
+              <a:t>của</a:t>
+            </a:r>
+            <a:r>
+              <a:rPr lang="en-US" dirty="0"/>
+              <a:t> </a:t>
+            </a:r>
+            <a:r>
+              <a:rPr lang="en-US" dirty="0" err="1" smtClean="0"/>
+              <a:t>các</a:t>
+            </a:r>
+            <a:r>
+              <a:rPr lang="en-US" dirty="0" smtClean="0"/>
+              <a:t> </a:t>
+            </a:r>
+            <a:r>
+              <a:rPr lang="en-US" dirty="0" err="1" smtClean="0"/>
+              <a:t>quan</a:t>
+            </a:r>
+            <a:r>
+              <a:rPr lang="en-US" dirty="0" smtClean="0"/>
+              <a:t> </a:t>
+            </a:r>
+            <a:r>
+              <a:rPr lang="en-US" dirty="0" err="1" smtClean="0"/>
+              <a:t>hệ</a:t>
+            </a:r>
+            <a:r>
+              <a:rPr lang="en-US" dirty="0" smtClean="0"/>
+              <a:t> Bounded Context</a:t>
+            </a:r>
+            <a:endParaRPr lang="en-US" dirty="0"/>
+          </a:p>
+        </p:txBody>
+      </p:sp>
+      <p:cxnSp>
+        <p:nvCxnSpPr>
+          <p:cNvPr id="35" name="Straight Arrow Connector 34"/>
+          <p:cNvCxnSpPr>
+            <a:stCxn id="27" idx="2"/>
+            <a:endCxn id="33" idx="0"/>
+          </p:cNvCxnSpPr>
+          <p:nvPr/>
+        </p:nvCxnSpPr>
         <p:spPr>
           <a:xfrm>
-            <a:off x="643469" y="1782981"/>
-            <a:ext cx="4008384" cy="4393982"/>
+            <a:off x="9124328" y="1708666"/>
+            <a:ext cx="0" cy="501134"/>
           </a:xfrm>
+          <a:prstGeom prst="straightConnector1">
+            <a:avLst/>
+          </a:prstGeom>
+          <a:ln>
+            <a:tailEnd type="triangle"/>
+          </a:ln>
         </p:spPr>
-        <p:txBody>
-          <a:bodyPr>
-            <a:normAutofit/>
-          </a:bodyPr>
+        <p:style>
+          <a:lnRef idx="1">
+            <a:schemeClr val="dk1"/>
+          </a:lnRef>
+          <a:fillRef idx="0">
+            <a:schemeClr val="dk1"/>
+          </a:fillRef>
+          <a:effectRef idx="0">
+            <a:schemeClr val="dk1"/>
+          </a:effectRef>
+          <a:fontRef idx="minor">
+            <a:schemeClr val="tx1"/>
+          </a:fontRef>
+        </p:style>
+      </p:cxnSp>
+      <p:cxnSp>
+        <p:nvCxnSpPr>
+          <p:cNvPr id="40" name="Straight Connector 39"/>
+          <p:cNvCxnSpPr>
+            <a:endCxn id="30" idx="1"/>
+          </p:cNvCxnSpPr>
+          <p:nvPr/>
+        </p:nvCxnSpPr>
+        <p:spPr>
+          <a:xfrm>
+            <a:off x="8800769" y="3231892"/>
+            <a:ext cx="576441" cy="0"/>
+          </a:xfrm>
+          <a:prstGeom prst="line">
+            <a:avLst/>
+          </a:prstGeom>
+        </p:spPr>
+        <p:style>
+          <a:lnRef idx="1">
+            <a:schemeClr val="dk1"/>
+          </a:lnRef>
+          <a:fillRef idx="0">
+            <a:schemeClr val="dk1"/>
+          </a:fillRef>
+          <a:effectRef idx="0">
+            <a:schemeClr val="dk1"/>
+          </a:effectRef>
+          <a:fontRef idx="minor">
+            <a:schemeClr val="tx1"/>
+          </a:fontRef>
+        </p:style>
+      </p:cxnSp>
+      <p:cxnSp>
+        <p:nvCxnSpPr>
+          <p:cNvPr id="42" name="Straight Connector 41"/>
+          <p:cNvCxnSpPr/>
+          <p:nvPr/>
+        </p:nvCxnSpPr>
+        <p:spPr>
+          <a:xfrm flipV="1">
+            <a:off x="8800769" y="3961497"/>
+            <a:ext cx="576441" cy="463937"/>
+          </a:xfrm>
+          <a:prstGeom prst="line">
+            <a:avLst/>
+          </a:prstGeom>
+        </p:spPr>
+        <p:style>
+          <a:lnRef idx="1">
+            <a:schemeClr val="dk1"/>
+          </a:lnRef>
+          <a:fillRef idx="0">
+            <a:schemeClr val="dk1"/>
+          </a:fillRef>
+          <a:effectRef idx="0">
+            <a:schemeClr val="dk1"/>
+          </a:effectRef>
+          <a:fontRef idx="minor">
+            <a:schemeClr val="tx1"/>
+          </a:fontRef>
+        </p:style>
+      </p:cxnSp>
+      <p:cxnSp>
+        <p:nvCxnSpPr>
+          <p:cNvPr id="44" name="Straight Connector 43"/>
+          <p:cNvCxnSpPr>
+            <a:endCxn id="31" idx="0"/>
+          </p:cNvCxnSpPr>
+          <p:nvPr/>
+        </p:nvCxnSpPr>
+        <p:spPr>
+          <a:xfrm>
+            <a:off x="10466773" y="3975100"/>
+            <a:ext cx="1" cy="450334"/>
+          </a:xfrm>
+          <a:prstGeom prst="line">
+            <a:avLst/>
+          </a:prstGeom>
+        </p:spPr>
+        <p:style>
+          <a:lnRef idx="1">
+            <a:schemeClr val="dk1"/>
+          </a:lnRef>
+          <a:fillRef idx="0">
+            <a:schemeClr val="dk1"/>
+          </a:fillRef>
+          <a:effectRef idx="0">
+            <a:schemeClr val="dk1"/>
+          </a:effectRef>
+          <a:fontRef idx="minor">
+            <a:schemeClr val="tx1"/>
+          </a:fontRef>
+        </p:style>
+      </p:cxnSp>
+      <p:cxnSp>
+        <p:nvCxnSpPr>
+          <p:cNvPr id="47" name="Straight Connector 46"/>
+          <p:cNvCxnSpPr>
+            <a:endCxn id="32" idx="0"/>
+          </p:cNvCxnSpPr>
+          <p:nvPr/>
+        </p:nvCxnSpPr>
+        <p:spPr>
+          <a:xfrm>
+            <a:off x="7711205" y="3975100"/>
+            <a:ext cx="0" cy="450334"/>
+          </a:xfrm>
+          <a:prstGeom prst="line">
+            <a:avLst/>
+          </a:prstGeom>
+        </p:spPr>
+        <p:style>
+          <a:lnRef idx="1">
+            <a:schemeClr val="dk1"/>
+          </a:lnRef>
+          <a:fillRef idx="0">
+            <a:schemeClr val="dk1"/>
+          </a:fillRef>
+          <a:effectRef idx="0">
+            <a:schemeClr val="dk1"/>
+          </a:effectRef>
+          <a:fontRef idx="minor">
+            <a:schemeClr val="tx1"/>
+          </a:fontRef>
+        </p:style>
+      </p:cxnSp>
+    </p:spTree>
+    <p:extLst>
+      <p:ext uri="{BB962C8B-B14F-4D97-AF65-F5344CB8AC3E}">
+        <p14:creationId xmlns:p14="http://schemas.microsoft.com/office/powerpoint/2010/main" val="1092679198"/>
+      </p:ext>
+    </p:extLst>
+  </p:cSld>
+  <p:clrMapOvr>
+    <a:masterClrMapping/>
+  </p:clrMapOvr>
+  <p:timing>
+    <p:tnLst>
+      <p:par>
+        <p:cTn id="1" dur="indefinite" restart="never" nodeType="tmRoot"/>
+      </p:par>
+    </p:tnLst>
+  </p:timing>
+</p:sld>
+</file>
+
+<file path=ppt/slides/slide8.xml><?xml version="1.0" encoding="utf-8"?>
+<p:sld xmlns:a="http://schemas.openxmlformats.org/drawingml/2006/main" xmlns:r="http://schemas.openxmlformats.org/officeDocument/2006/relationships" xmlns:p="http://schemas.openxmlformats.org/presentationml/2006/main">
+  <p:cSld>
+    <p:spTree>
+      <p:nvGrpSpPr>
+        <p:cNvPr id="1" name=""/>
+        <p:cNvGrpSpPr/>
+        <p:nvPr/>
+      </p:nvGrpSpPr>
+      <p:grpSpPr>
+        <a:xfrm>
+          <a:off x="0" y="0"/>
+          <a:ext cx="0" cy="0"/>
+          <a:chOff x="0" y="0"/>
+          <a:chExt cx="0" cy="0"/>
+        </a:xfrm>
+      </p:grpSpPr>
+      <p:sp>
+        <p:nvSpPr>
+          <p:cNvPr id="2" name="Title 1"/>
+          <p:cNvSpPr>
+            <a:spLocks noGrp="1"/>
+          </p:cNvSpPr>
+          <p:nvPr>
+            <p:ph type="title"/>
+          </p:nvPr>
+        </p:nvSpPr>
+        <p:spPr/>
+        <p:txBody>
+          <a:bodyPr/>
           <a:lstStyle/>
           <a:p>
             <a:r>
-              <a:rPr lang="vi-VN" sz="2000" dirty="0"/>
-              <a:t>Domain độc lập</a:t>
-            </a:r>
-          </a:p>
-          <a:p>
-            <a:r>
-              <a:rPr lang="vi-VN" sz="2000" dirty="0"/>
-              <a:t>Được kết nối với nhau thông qua Context Map</a:t>
-            </a:r>
-          </a:p>
-          <a:p>
-            <a:r>
-              <a:rPr lang="vi-VN" sz="2000"/>
-              <a:t>Phù </a:t>
-            </a:r>
-            <a:r>
-              <a:rPr lang="vi-VN" sz="2000" dirty="0"/>
-              <a:t>hợp để áp dụng cho microservice</a:t>
-            </a:r>
-            <a:endParaRPr lang="en-US" sz="2000" dirty="0"/>
-          </a:p>
-        </p:txBody>
-      </p:sp>
-      <p:grpSp>
-        <p:nvGrpSpPr>
-          <p:cNvPr id="73" name="Group 72">
-            <a:extLst>
-              <a:ext uri="{FF2B5EF4-FFF2-40B4-BE49-F238E27FC236}">
-                <a16:creationId xmlns:a16="http://schemas.microsoft.com/office/drawing/2014/main" id="{828A5161-06F1-46CF-8AD7-844680A59E13}"/>
-              </a:ext>
-              <a:ext uri="{C183D7F6-B498-43B3-948B-1728B52AA6E4}">
-                <adec:decorative xmlns:adec="http://schemas.microsoft.com/office/drawing/2017/decorative" val="1"/>
-              </a:ext>
-            </a:extLst>
-          </p:cNvPr>
-          <p:cNvGrpSpPr>
-            <a:grpSpLocks noGrp="1" noUngrp="1" noRot="1" noChangeAspect="1" noMove="1" noResize="1"/>
-          </p:cNvGrpSpPr>
-          <p:nvPr>
-            <p:extLst>
-              <p:ext uri="{386F3935-93C4-4BCD-93E2-E3B085C9AB24}">
-                <p16:designElem xmlns:p16="http://schemas.microsoft.com/office/powerpoint/2015/main" val="1"/>
-              </p:ext>
-            </p:extLst>
-          </p:nvPr>
-        </p:nvGrpSpPr>
-        <p:grpSpPr>
-          <a:xfrm>
-            <a:off x="0" y="4601497"/>
-            <a:ext cx="1014060" cy="2017580"/>
-            <a:chOff x="0" y="4601497"/>
-            <a:chExt cx="1014060" cy="2017580"/>
-          </a:xfrm>
-        </p:grpSpPr>
-        <p:sp>
-          <p:nvSpPr>
-            <p:cNvPr id="74" name="Isosceles Triangle 73">
-              <a:extLst>
-                <a:ext uri="{FF2B5EF4-FFF2-40B4-BE49-F238E27FC236}">
-                  <a16:creationId xmlns:a16="http://schemas.microsoft.com/office/drawing/2014/main" id="{D3F51FEB-38FB-4F6C-9F7B-2F2AFAB65463}"/>
-                </a:ext>
-                <a:ext uri="{C183D7F6-B498-43B3-948B-1728B52AA6E4}">
-                  <adec:decorative xmlns:adec="http://schemas.microsoft.com/office/drawing/2017/decorative" val="1"/>
-                </a:ext>
-              </a:extLst>
-            </p:cNvPr>
-            <p:cNvSpPr/>
-            <p:nvPr>
-              <p:extLst>
-                <p:ext uri="{386F3935-93C4-4BCD-93E2-E3B085C9AB24}">
-                  <p16:designElem xmlns:p16="http://schemas.microsoft.com/office/powerpoint/2015/main" val="1"/>
-                </p:ext>
-              </p:extLst>
-            </p:nvPr>
-          </p:nvSpPr>
-          <p:spPr>
-            <a:xfrm rot="5400000">
-              <a:off x="-501760" y="5103257"/>
-              <a:ext cx="2017580" cy="1014060"/>
-            </a:xfrm>
-            <a:prstGeom prst="triangle">
-              <a:avLst>
-                <a:gd name="adj" fmla="val 50000"/>
-              </a:avLst>
-            </a:prstGeom>
-            <a:solidFill>
-              <a:schemeClr val="accent1">
-                <a:alpha val="30000"/>
-              </a:schemeClr>
-            </a:solidFill>
-            <a:ln>
-              <a:noFill/>
-            </a:ln>
-          </p:spPr>
-          <p:style>
-            <a:lnRef idx="2">
-              <a:schemeClr val="accent1">
-                <a:shade val="50000"/>
-              </a:schemeClr>
-            </a:lnRef>
-            <a:fillRef idx="1">
-              <a:schemeClr val="accent1"/>
-            </a:fillRef>
-            <a:effectRef idx="0">
-              <a:schemeClr val="accent1"/>
-            </a:effectRef>
-            <a:fontRef idx="minor">
-              <a:schemeClr val="lt1"/>
-            </a:fontRef>
-          </p:style>
-          <p:txBody>
-            <a:bodyPr rtlCol="0" anchor="ctr"/>
-            <a:lstStyle/>
-            <a:p>
-              <a:pPr algn="ctr"/>
-              <a:endParaRPr lang="en-US"/>
-            </a:p>
-          </p:txBody>
-        </p:sp>
-        <p:sp>
-          <p:nvSpPr>
-            <p:cNvPr id="75" name="Rectangle 74">
-              <a:extLst>
-                <a:ext uri="{FF2B5EF4-FFF2-40B4-BE49-F238E27FC236}">
-                  <a16:creationId xmlns:a16="http://schemas.microsoft.com/office/drawing/2014/main" id="{1E547BA6-BAE0-43BB-A7CA-60F69CE252F0}"/>
-                </a:ext>
-                <a:ext uri="{C183D7F6-B498-43B3-948B-1728B52AA6E4}">
-                  <adec:decorative xmlns:adec="http://schemas.microsoft.com/office/drawing/2017/decorative" val="1"/>
-                </a:ext>
-              </a:extLst>
-            </p:cNvPr>
-            <p:cNvSpPr/>
-            <p:nvPr>
-              <p:extLst>
-                <p:ext uri="{386F3935-93C4-4BCD-93E2-E3B085C9AB24}">
-                  <p16:designElem xmlns:p16="http://schemas.microsoft.com/office/powerpoint/2015/main" val="1"/>
-                </p:ext>
-              </p:extLst>
-            </p:nvPr>
-          </p:nvSpPr>
-          <p:spPr>
-            <a:xfrm rot="2700000">
-              <a:off x="427916" y="5728708"/>
-              <a:ext cx="485578" cy="485578"/>
-            </a:xfrm>
-            <a:prstGeom prst="rect">
-              <a:avLst/>
-            </a:prstGeom>
-            <a:solidFill>
-              <a:schemeClr val="accent1">
-                <a:alpha val="30000"/>
-              </a:schemeClr>
-            </a:solidFill>
-            <a:ln>
-              <a:noFill/>
-            </a:ln>
-          </p:spPr>
-          <p:style>
-            <a:lnRef idx="2">
-              <a:schemeClr val="accent1">
-                <a:shade val="50000"/>
-              </a:schemeClr>
-            </a:lnRef>
-            <a:fillRef idx="1">
-              <a:schemeClr val="accent1"/>
-            </a:fillRef>
-            <a:effectRef idx="0">
-              <a:schemeClr val="accent1"/>
-            </a:effectRef>
-            <a:fontRef idx="minor">
-              <a:schemeClr val="lt1"/>
-            </a:fontRef>
-          </p:style>
-          <p:txBody>
-            <a:bodyPr rtlCol="0" anchor="ctr"/>
-            <a:lstStyle/>
-            <a:p>
-              <a:pPr algn="ctr"/>
-              <a:endParaRPr lang="en-US"/>
-            </a:p>
-          </p:txBody>
-        </p:sp>
-      </p:grpSp>
+              <a:rPr lang="en-US" dirty="0" smtClean="0"/>
+              <a:t>Tactical Design </a:t>
+            </a:r>
+            <a:endParaRPr lang="en-US" dirty="0"/>
+          </a:p>
+        </p:txBody>
+      </p:sp>
       <p:pic>
         <p:nvPicPr>
-          <p:cNvPr id="4098" name="Picture 2">
-            <a:extLst>
-              <a:ext uri="{FF2B5EF4-FFF2-40B4-BE49-F238E27FC236}">
-                <a16:creationId xmlns:a16="http://schemas.microsoft.com/office/drawing/2014/main" id="{D6B402A3-E12D-4407-9F13-F3A2BBE2B330}"/>
-              </a:ext>
-            </a:extLst>
-          </p:cNvPr>
+          <p:cNvPr id="7170" name="Picture 2" descr="Domain driven design"/>
           <p:cNvPicPr>
-            <a:picLocks noChangeAspect="1" noChangeArrowheads="1"/>
+            <a:picLocks noGrp="1" noChangeAspect="1" noChangeArrowheads="1"/>
           </p:cNvPicPr>
-          <p:nvPr/>
+          <p:nvPr>
+            <p:ph idx="1"/>
+          </p:nvPr>
         </p:nvPicPr>
         <p:blipFill>
           <a:blip r:embed="rId2">
@@ -6188,14 +7382,15 @@
               </a:ext>
             </a:extLst>
           </a:blip>
+          <a:srcRect/>
           <a:stretch>
             <a:fillRect/>
           </a:stretch>
         </p:blipFill>
         <p:spPr bwMode="auto">
           <a:xfrm>
-            <a:off x="5295320" y="2275560"/>
-            <a:ext cx="6253212" cy="3376734"/>
+            <a:off x="3076104" y="1825625"/>
+            <a:ext cx="6039791" cy="4351338"/>
           </a:xfrm>
           <a:prstGeom prst="rect">
             <a:avLst/>
@@ -6212,176 +7407,126 @@
           </a:extLst>
         </p:spPr>
       </p:pic>
-      <p:grpSp>
-        <p:nvGrpSpPr>
-          <p:cNvPr id="77" name="Group 76">
-            <a:extLst>
-              <a:ext uri="{FF2B5EF4-FFF2-40B4-BE49-F238E27FC236}">
-                <a16:creationId xmlns:a16="http://schemas.microsoft.com/office/drawing/2014/main" id="{5995D10D-E9C9-47DB-AE7E-801FEF38F5C9}"/>
-              </a:ext>
-              <a:ext uri="{C183D7F6-B498-43B3-948B-1728B52AA6E4}">
-                <adec:decorative xmlns:adec="http://schemas.microsoft.com/office/drawing/2017/decorative" val="1"/>
-              </a:ext>
-            </a:extLst>
-          </p:cNvPr>
-          <p:cNvGrpSpPr>
-            <a:grpSpLocks noGrp="1" noUngrp="1" noRot="1" noChangeAspect="1" noMove="1" noResize="1"/>
-          </p:cNvGrpSpPr>
-          <p:nvPr>
-            <p:extLst>
-              <p:ext uri="{386F3935-93C4-4BCD-93E2-E3B085C9AB24}">
-                <p16:designElem xmlns:p16="http://schemas.microsoft.com/office/powerpoint/2015/main" val="1"/>
-              </p:ext>
-            </p:extLst>
-          </p:nvPr>
-        </p:nvGrpSpPr>
-        <p:grpSpPr>
-          <a:xfrm>
-            <a:off x="11219290" y="1"/>
-            <a:ext cx="972709" cy="1935307"/>
-            <a:chOff x="10918968" y="713127"/>
-            <a:chExt cx="1273032" cy="2532832"/>
-          </a:xfrm>
-        </p:grpSpPr>
-        <p:sp>
-          <p:nvSpPr>
-            <p:cNvPr id="78" name="Rectangle 77">
-              <a:extLst>
-                <a:ext uri="{FF2B5EF4-FFF2-40B4-BE49-F238E27FC236}">
-                  <a16:creationId xmlns:a16="http://schemas.microsoft.com/office/drawing/2014/main" id="{CC1A72C6-3DE4-4EC3-9AD5-9E0D40D8CE8A}"/>
-                </a:ext>
-                <a:ext uri="{C183D7F6-B498-43B3-948B-1728B52AA6E4}">
-                  <adec:decorative xmlns:adec="http://schemas.microsoft.com/office/drawing/2017/decorative" val="1"/>
-                </a:ext>
-              </a:extLst>
-            </p:cNvPr>
-            <p:cNvSpPr/>
-            <p:nvPr>
-              <p:extLst>
-                <p:ext uri="{386F3935-93C4-4BCD-93E2-E3B085C9AB24}">
-                  <p16:designElem xmlns:p16="http://schemas.microsoft.com/office/powerpoint/2015/main" val="1"/>
-                </p:ext>
-              </p:extLst>
-            </p:nvPr>
-          </p:nvSpPr>
-          <p:spPr>
-            <a:xfrm rot="2700000">
-              <a:off x="11052629" y="2120024"/>
-              <a:ext cx="645368" cy="645368"/>
-            </a:xfrm>
-            <a:prstGeom prst="rect">
-              <a:avLst/>
-            </a:prstGeom>
-            <a:solidFill>
-              <a:schemeClr val="accent4">
-                <a:alpha val="30000"/>
-              </a:schemeClr>
-            </a:solidFill>
-            <a:ln>
-              <a:noFill/>
-            </a:ln>
-          </p:spPr>
-          <p:style>
-            <a:lnRef idx="2">
-              <a:schemeClr val="accent1">
-                <a:shade val="50000"/>
-              </a:schemeClr>
-            </a:lnRef>
-            <a:fillRef idx="1">
-              <a:schemeClr val="accent1"/>
-            </a:fillRef>
-            <a:effectRef idx="0">
-              <a:schemeClr val="accent1"/>
-            </a:effectRef>
-            <a:fontRef idx="minor">
-              <a:schemeClr val="lt1"/>
-            </a:fontRef>
-          </p:style>
-          <p:txBody>
-            <a:bodyPr rtlCol="0" anchor="ctr"/>
-            <a:lstStyle/>
-            <a:p>
-              <a:pPr algn="ctr"/>
-              <a:endParaRPr lang="en-US"/>
-            </a:p>
-          </p:txBody>
-        </p:sp>
-        <p:sp>
-          <p:nvSpPr>
-            <p:cNvPr id="79" name="Isosceles Triangle 78">
-              <a:extLst>
-                <a:ext uri="{FF2B5EF4-FFF2-40B4-BE49-F238E27FC236}">
-                  <a16:creationId xmlns:a16="http://schemas.microsoft.com/office/drawing/2014/main" id="{0B0DA1F1-C391-4EDF-9FE0-23E86E137765}"/>
-                </a:ext>
-                <a:ext uri="{C183D7F6-B498-43B3-948B-1728B52AA6E4}">
-                  <adec:decorative xmlns:adec="http://schemas.microsoft.com/office/drawing/2017/decorative" val="1"/>
-                </a:ext>
-              </a:extLst>
-            </p:cNvPr>
-            <p:cNvSpPr/>
-            <p:nvPr>
-              <p:extLst>
-                <p:ext uri="{386F3935-93C4-4BCD-93E2-E3B085C9AB24}">
-                  <p16:designElem xmlns:p16="http://schemas.microsoft.com/office/powerpoint/2015/main" val="1"/>
-                </p:ext>
-              </p:extLst>
-            </p:nvPr>
-          </p:nvSpPr>
-          <p:spPr>
-            <a:xfrm rot="16200000">
-              <a:off x="10289068" y="1343027"/>
-              <a:ext cx="2532832" cy="1273032"/>
-            </a:xfrm>
-            <a:prstGeom prst="triangle">
-              <a:avLst>
-                <a:gd name="adj" fmla="val 50000"/>
-              </a:avLst>
-            </a:prstGeom>
-            <a:solidFill>
-              <a:schemeClr val="accent4">
-                <a:alpha val="30000"/>
-              </a:schemeClr>
-            </a:solidFill>
-            <a:ln>
-              <a:noFill/>
-            </a:ln>
-          </p:spPr>
-          <p:style>
-            <a:lnRef idx="2">
-              <a:schemeClr val="accent1">
-                <a:shade val="50000"/>
-              </a:schemeClr>
-            </a:lnRef>
-            <a:fillRef idx="1">
-              <a:schemeClr val="accent1"/>
-            </a:fillRef>
-            <a:effectRef idx="0">
-              <a:schemeClr val="accent1"/>
-            </a:effectRef>
-            <a:fontRef idx="minor">
-              <a:schemeClr val="lt1"/>
-            </a:fontRef>
-          </p:style>
-          <p:txBody>
-            <a:bodyPr rtlCol="0" anchor="ctr"/>
-            <a:lstStyle/>
-            <a:p>
-              <a:pPr algn="ctr"/>
-              <a:endParaRPr lang="en-US" dirty="0"/>
-            </a:p>
-          </p:txBody>
-        </p:sp>
-      </p:grpSp>
     </p:spTree>
     <p:extLst>
       <p:ext uri="{BB962C8B-B14F-4D97-AF65-F5344CB8AC3E}">
-        <p14:creationId xmlns:p14="http://schemas.microsoft.com/office/powerpoint/2010/main" val="2676628640"/>
+        <p14:creationId xmlns:p14="http://schemas.microsoft.com/office/powerpoint/2010/main" val="4104496799"/>
       </p:ext>
     </p:extLst>
   </p:cSld>
   <p:clrMapOvr>
     <a:masterClrMapping/>
   </p:clrMapOvr>
+  <p:timing>
+    <p:tnLst>
+      <p:par>
+        <p:cTn id="1" dur="indefinite" restart="never" nodeType="tmRoot"/>
+      </p:par>
+    </p:tnLst>
+  </p:timing>
+</p:sld>
+</file>
+
+<file path=ppt/slides/slide9.xml><?xml version="1.0" encoding="utf-8"?>
+<p:sld xmlns:a="http://schemas.openxmlformats.org/drawingml/2006/main" xmlns:r="http://schemas.openxmlformats.org/officeDocument/2006/relationships" xmlns:p="http://schemas.openxmlformats.org/presentationml/2006/main">
+  <p:cSld>
+    <p:spTree>
+      <p:nvGrpSpPr>
+        <p:cNvPr id="1" name=""/>
+        <p:cNvGrpSpPr/>
+        <p:nvPr/>
+      </p:nvGrpSpPr>
+      <p:grpSpPr>
+        <a:xfrm>
+          <a:off x="0" y="0"/>
+          <a:ext cx="0" cy="0"/>
+          <a:chOff x="0" y="0"/>
+          <a:chExt cx="0" cy="0"/>
+        </a:xfrm>
+      </p:grpSpPr>
+      <p:sp>
+        <p:nvSpPr>
+          <p:cNvPr id="2" name="Title 1"/>
+          <p:cNvSpPr>
+            <a:spLocks noGrp="1"/>
+          </p:cNvSpPr>
+          <p:nvPr>
+            <p:ph type="title"/>
+          </p:nvPr>
+        </p:nvSpPr>
+        <p:spPr/>
+        <p:txBody>
+          <a:bodyPr/>
+          <a:lstStyle/>
+          <a:p>
+            <a:r>
+              <a:rPr lang="en-US" dirty="0" smtClean="0"/>
+              <a:t>Rich model vs anemic model</a:t>
+            </a:r>
+            <a:endParaRPr lang="en-US" dirty="0"/>
+          </a:p>
+        </p:txBody>
+      </p:sp>
+      <p:pic>
+        <p:nvPicPr>
+          <p:cNvPr id="8196" name="Picture 4" descr="Rich model vs anemic model"/>
+          <p:cNvPicPr>
+            <a:picLocks noGrp="1" noChangeAspect="1" noChangeArrowheads="1"/>
+          </p:cNvPicPr>
+          <p:nvPr>
+            <p:ph idx="1"/>
+          </p:nvPr>
+        </p:nvPicPr>
+        <p:blipFill>
+          <a:blip r:embed="rId2">
+            <a:extLst>
+              <a:ext uri="{28A0092B-C50C-407E-A947-70E740481C1C}">
+                <a14:useLocalDpi xmlns:a14="http://schemas.microsoft.com/office/drawing/2010/main" val="0"/>
+              </a:ext>
+            </a:extLst>
+          </a:blip>
+          <a:srcRect/>
+          <a:stretch>
+            <a:fillRect/>
+          </a:stretch>
+        </p:blipFill>
+        <p:spPr bwMode="auto">
+          <a:xfrm>
+            <a:off x="2499211" y="1571625"/>
+            <a:ext cx="7193577" cy="5083462"/>
+          </a:xfrm>
+          <a:prstGeom prst="rect">
+            <a:avLst/>
+          </a:prstGeom>
+          <a:noFill/>
+          <a:extLst>
+            <a:ext uri="{909E8E84-426E-40DD-AFC4-6F175D3DCCD1}">
+              <a14:hiddenFill xmlns:a14="http://schemas.microsoft.com/office/drawing/2010/main">
+                <a:solidFill>
+                  <a:srgbClr val="FFFFFF"/>
+                </a:solidFill>
+              </a14:hiddenFill>
+            </a:ext>
+          </a:extLst>
+        </p:spPr>
+      </p:pic>
+    </p:spTree>
+    <p:extLst>
+      <p:ext uri="{BB962C8B-B14F-4D97-AF65-F5344CB8AC3E}">
+        <p14:creationId xmlns:p14="http://schemas.microsoft.com/office/powerpoint/2010/main" val="3297140282"/>
+      </p:ext>
+    </p:extLst>
+  </p:cSld>
+  <p:clrMapOvr>
+    <a:masterClrMapping/>
+  </p:clrMapOvr>
+  <p:timing>
+    <p:tnLst>
+      <p:par>
+        <p:cTn id="1" dur="indefinite" restart="never" nodeType="tmRoot"/>
+      </p:par>
+    </p:tnLst>
+  </p:timing>
 </p:sld>
 </file>
 
@@ -6402,7 +7547,7 @@
         <a:srgbClr val="E7E6E6"/>
       </a:lt2>
       <a:accent1>
-        <a:srgbClr val="4472C4"/>
+        <a:srgbClr val="5B9BD5"/>
       </a:accent1>
       <a:accent2>
         <a:srgbClr val="ED7D31"/>
@@ -6414,7 +7559,7 @@
         <a:srgbClr val="FFC000"/>
       </a:accent4>
       <a:accent5>
-        <a:srgbClr val="5B9BD5"/>
+        <a:srgbClr val="4472C4"/>
       </a:accent5>
       <a:accent6>
         <a:srgbClr val="70AD47"/>
@@ -6461,23 +7606,6 @@
         <a:font script="Viet" typeface="Times New Roman"/>
         <a:font script="Uigh" typeface="Microsoft Uighur"/>
         <a:font script="Geor" typeface="Sylfaen"/>
-        <a:font script="Armn" typeface="Arial"/>
-        <a:font script="Bugi" typeface="Leelawadee UI"/>
-        <a:font script="Bopo" typeface="Microsoft JhengHei"/>
-        <a:font script="Java" typeface="Javanese Text"/>
-        <a:font script="Lisu" typeface="Segoe UI"/>
-        <a:font script="Mymr" typeface="Myanmar Text"/>
-        <a:font script="Nkoo" typeface="Ebrima"/>
-        <a:font script="Olck" typeface="Nirmala UI"/>
-        <a:font script="Osma" typeface="Ebrima"/>
-        <a:font script="Phag" typeface="Phagspa"/>
-        <a:font script="Syrn" typeface="Estrangelo Edessa"/>
-        <a:font script="Syrj" typeface="Estrangelo Edessa"/>
-        <a:font script="Syre" typeface="Estrangelo Edessa"/>
-        <a:font script="Sora" typeface="Nirmala UI"/>
-        <a:font script="Tale" typeface="Microsoft Tai Le"/>
-        <a:font script="Talu" typeface="Microsoft New Tai Lue"/>
-        <a:font script="Tfng" typeface="Ebrima"/>
       </a:majorFont>
       <a:minorFont>
         <a:latin typeface="Calibri" panose="020F0502020204030204"/>
@@ -6513,23 +7641,6 @@
         <a:font script="Viet" typeface="Arial"/>
         <a:font script="Uigh" typeface="Microsoft Uighur"/>
         <a:font script="Geor" typeface="Sylfaen"/>
-        <a:font script="Armn" typeface="Arial"/>
-        <a:font script="Bugi" typeface="Leelawadee UI"/>
-        <a:font script="Bopo" typeface="Microsoft JhengHei"/>
-        <a:font script="Java" typeface="Javanese Text"/>
-        <a:font script="Lisu" typeface="Segoe UI"/>
-        <a:font script="Mymr" typeface="Myanmar Text"/>
-        <a:font script="Nkoo" typeface="Ebrima"/>
-        <a:font script="Olck" typeface="Nirmala UI"/>
-        <a:font script="Osma" typeface="Ebrima"/>
-        <a:font script="Phag" typeface="Phagspa"/>
-        <a:font script="Syrn" typeface="Estrangelo Edessa"/>
-        <a:font script="Syrj" typeface="Estrangelo Edessa"/>
-        <a:font script="Syre" typeface="Estrangelo Edessa"/>
-        <a:font script="Sora" typeface="Nirmala UI"/>
-        <a:font script="Tale" typeface="Microsoft Tai Le"/>
-        <a:font script="Talu" typeface="Microsoft New Tai Lue"/>
-        <a:font script="Tfng" typeface="Ebrima"/>
       </a:minorFont>
     </a:fontScheme>
     <a:fmtScheme name="Office">
